--- a/certificate unofficial.pptx
+++ b/certificate unofficial.pptx
@@ -1,30 +1,30 @@
 
 <file path=ppt/presentation.xml><?xml version="1.0" encoding="utf-8"?>
-<p:presentation xmlns:a="http://schemas.openxmlformats.org/drawingml/2006/main" xmlns:r="http://schemas.openxmlformats.org/officeDocument/2006/relationships" xmlns:p="http://schemas.openxmlformats.org/presentationml/2006/main" strictFirstAndLastChars="0" embedTrueTypeFonts="1" saveSubsetFonts="1" autoCompressPictures="0">
+<p:presentation xmlns:a="http://schemas.openxmlformats.org/drawingml/2006/main" xmlns:r="http://schemas.openxmlformats.org/officeDocument/2006/relationships" xmlns:mc="http://schemas.openxmlformats.org/markup-compatibility/2006" xmlns:mv="urn:schemas-microsoft-com:mac:vml" xmlns:p="http://schemas.openxmlformats.org/presentationml/2006/main" xmlns:c="http://schemas.openxmlformats.org/drawingml/2006/chart" xmlns:dgm="http://schemas.openxmlformats.org/drawingml/2006/diagram" xmlns:o="urn:schemas-microsoft-com:office:office" xmlns:v="urn:schemas-microsoft-com:vml" xmlns:pvml="urn:schemas-microsoft-com:office:powerpoint" xmlns:com="http://schemas.openxmlformats.org/drawingml/2006/compatibility" xmlns:p14="http://schemas.microsoft.com/office/powerpoint/2010/main" xmlns:p15="http://schemas.microsoft.com/office/powerpoint/2012/main" xmlns:ahyp="http://schemas.microsoft.com/office/drawing/2018/hyperlinkcolor" autoCompressPictures="0" embedTrueTypeFonts="1" strictFirstAndLastChars="0" saveSubsetFonts="1">
   <p:sldMasterIdLst>
-    <p:sldMasterId id="2147483659" r:id="rId1"/>
+    <p:sldMasterId id="2147483659" r:id="rId4"/>
   </p:sldMasterIdLst>
   <p:notesMasterIdLst>
-    <p:notesMasterId r:id="rId3"/>
+    <p:notesMasterId r:id="rId5"/>
   </p:notesMasterIdLst>
   <p:sldIdLst>
-    <p:sldId id="256" r:id="rId2"/>
+    <p:sldId id="256" r:id="rId6"/>
   </p:sldIdLst>
-  <p:sldSz cx="15113000" cy="10693400"/>
+  <p:sldSz cy="10693400" cx="15113000"/>
   <p:notesSz cx="6858000" cy="9144000"/>
   <p:embeddedFontLst>
     <p:embeddedFont>
-      <p:font typeface="Tajawal" panose="020B0604020202020204" charset="-78"/>
-      <p:bold r:id="rId4"/>
+      <p:font typeface="Tajawal Medium"/>
+      <p:regular r:id="rId7"/>
+      <p:bold r:id="rId8"/>
     </p:embeddedFont>
     <p:embeddedFont>
-      <p:font typeface="Tajawal Medium" panose="00000600000000000000" charset="-78"/>
-      <p:regular r:id="rId5"/>
-      <p:bold r:id="rId6"/>
+      <p:font typeface="Tajawal"/>
+      <p:bold r:id="rId9"/>
     </p:embeddedFont>
   </p:embeddedFontLst>
   <p:defaultTextStyle>
-    <a:defPPr marR="0" lvl="0" algn="l" rtl="0">
+    <a:defPPr lvl="0" marR="0" rtl="0" algn="l">
       <a:lnSpc>
         <a:spcPct val="100000"/>
       </a:lnSpc>
@@ -35,7 +35,7 @@
         <a:spcPts val="0"/>
       </a:spcAft>
     </a:defPPr>
-    <a:lvl1pPr marR="0" lvl="0" algn="l" rtl="0">
+    <a:lvl1pPr lvl="0" marR="0" rtl="0" algn="l">
       <a:lnSpc>
         <a:spcPct val="100000"/>
       </a:lnSpc>
@@ -49,7 +49,7 @@
         <a:srgbClr val="000000"/>
       </a:buClr>
       <a:buFont typeface="Arial"/>
-      <a:defRPr sz="1400" b="0" i="0" u="none" strike="noStrike" cap="none">
+      <a:defRPr b="0" i="0" sz="1400" u="none" cap="none" strike="noStrike">
         <a:solidFill>
           <a:srgbClr val="000000"/>
         </a:solidFill>
@@ -59,7 +59,7 @@
         <a:sym typeface="Arial"/>
       </a:defRPr>
     </a:lvl1pPr>
-    <a:lvl2pPr marR="0" lvl="1" algn="l" rtl="0">
+    <a:lvl2pPr lvl="1" marR="0" rtl="0" algn="l">
       <a:lnSpc>
         <a:spcPct val="100000"/>
       </a:lnSpc>
@@ -73,7 +73,7 @@
         <a:srgbClr val="000000"/>
       </a:buClr>
       <a:buFont typeface="Arial"/>
-      <a:defRPr sz="1400" b="0" i="0" u="none" strike="noStrike" cap="none">
+      <a:defRPr b="0" i="0" sz="1400" u="none" cap="none" strike="noStrike">
         <a:solidFill>
           <a:srgbClr val="000000"/>
         </a:solidFill>
@@ -83,7 +83,7 @@
         <a:sym typeface="Arial"/>
       </a:defRPr>
     </a:lvl2pPr>
-    <a:lvl3pPr marR="0" lvl="2" algn="l" rtl="0">
+    <a:lvl3pPr lvl="2" marR="0" rtl="0" algn="l">
       <a:lnSpc>
         <a:spcPct val="100000"/>
       </a:lnSpc>
@@ -97,7 +97,7 @@
         <a:srgbClr val="000000"/>
       </a:buClr>
       <a:buFont typeface="Arial"/>
-      <a:defRPr sz="1400" b="0" i="0" u="none" strike="noStrike" cap="none">
+      <a:defRPr b="0" i="0" sz="1400" u="none" cap="none" strike="noStrike">
         <a:solidFill>
           <a:srgbClr val="000000"/>
         </a:solidFill>
@@ -107,7 +107,7 @@
         <a:sym typeface="Arial"/>
       </a:defRPr>
     </a:lvl3pPr>
-    <a:lvl4pPr marR="0" lvl="3" algn="l" rtl="0">
+    <a:lvl4pPr lvl="3" marR="0" rtl="0" algn="l">
       <a:lnSpc>
         <a:spcPct val="100000"/>
       </a:lnSpc>
@@ -121,7 +121,7 @@
         <a:srgbClr val="000000"/>
       </a:buClr>
       <a:buFont typeface="Arial"/>
-      <a:defRPr sz="1400" b="0" i="0" u="none" strike="noStrike" cap="none">
+      <a:defRPr b="0" i="0" sz="1400" u="none" cap="none" strike="noStrike">
         <a:solidFill>
           <a:srgbClr val="000000"/>
         </a:solidFill>
@@ -131,7 +131,7 @@
         <a:sym typeface="Arial"/>
       </a:defRPr>
     </a:lvl4pPr>
-    <a:lvl5pPr marR="0" lvl="4" algn="l" rtl="0">
+    <a:lvl5pPr lvl="4" marR="0" rtl="0" algn="l">
       <a:lnSpc>
         <a:spcPct val="100000"/>
       </a:lnSpc>
@@ -145,7 +145,7 @@
         <a:srgbClr val="000000"/>
       </a:buClr>
       <a:buFont typeface="Arial"/>
-      <a:defRPr sz="1400" b="0" i="0" u="none" strike="noStrike" cap="none">
+      <a:defRPr b="0" i="0" sz="1400" u="none" cap="none" strike="noStrike">
         <a:solidFill>
           <a:srgbClr val="000000"/>
         </a:solidFill>
@@ -155,7 +155,7 @@
         <a:sym typeface="Arial"/>
       </a:defRPr>
     </a:lvl5pPr>
-    <a:lvl6pPr marR="0" lvl="5" algn="l" rtl="0">
+    <a:lvl6pPr lvl="5" marR="0" rtl="0" algn="l">
       <a:lnSpc>
         <a:spcPct val="100000"/>
       </a:lnSpc>
@@ -169,7 +169,7 @@
         <a:srgbClr val="000000"/>
       </a:buClr>
       <a:buFont typeface="Arial"/>
-      <a:defRPr sz="1400" b="0" i="0" u="none" strike="noStrike" cap="none">
+      <a:defRPr b="0" i="0" sz="1400" u="none" cap="none" strike="noStrike">
         <a:solidFill>
           <a:srgbClr val="000000"/>
         </a:solidFill>
@@ -179,7 +179,7 @@
         <a:sym typeface="Arial"/>
       </a:defRPr>
     </a:lvl6pPr>
-    <a:lvl7pPr marR="0" lvl="6" algn="l" rtl="0">
+    <a:lvl7pPr lvl="6" marR="0" rtl="0" algn="l">
       <a:lnSpc>
         <a:spcPct val="100000"/>
       </a:lnSpc>
@@ -193,7 +193,7 @@
         <a:srgbClr val="000000"/>
       </a:buClr>
       <a:buFont typeface="Arial"/>
-      <a:defRPr sz="1400" b="0" i="0" u="none" strike="noStrike" cap="none">
+      <a:defRPr b="0" i="0" sz="1400" u="none" cap="none" strike="noStrike">
         <a:solidFill>
           <a:srgbClr val="000000"/>
         </a:solidFill>
@@ -203,7 +203,7 @@
         <a:sym typeface="Arial"/>
       </a:defRPr>
     </a:lvl7pPr>
-    <a:lvl8pPr marR="0" lvl="7" algn="l" rtl="0">
+    <a:lvl8pPr lvl="7" marR="0" rtl="0" algn="l">
       <a:lnSpc>
         <a:spcPct val="100000"/>
       </a:lnSpc>
@@ -217,7 +217,7 @@
         <a:srgbClr val="000000"/>
       </a:buClr>
       <a:buFont typeface="Arial"/>
-      <a:defRPr sz="1400" b="0" i="0" u="none" strike="noStrike" cap="none">
+      <a:defRPr b="0" i="0" sz="1400" u="none" cap="none" strike="noStrike">
         <a:solidFill>
           <a:srgbClr val="000000"/>
         </a:solidFill>
@@ -227,7 +227,7 @@
         <a:sym typeface="Arial"/>
       </a:defRPr>
     </a:lvl8pPr>
-    <a:lvl9pPr marR="0" lvl="8" algn="l" rtl="0">
+    <a:lvl9pPr lvl="8" marR="0" rtl="0" algn="l">
       <a:lnSpc>
         <a:spcPct val="100000"/>
       </a:lnSpc>
@@ -241,7 +241,7 @@
         <a:srgbClr val="000000"/>
       </a:buClr>
       <a:buFont typeface="Arial"/>
-      <a:defRPr sz="1400" b="0" i="0" u="none" strike="noStrike" cap="none">
+      <a:defRPr b="0" i="0" sz="1400" u="none" cap="none" strike="noStrike">
         <a:solidFill>
           <a:srgbClr val="000000"/>
         </a:solidFill>
@@ -254,7 +254,7 @@
   </p:defaultTextStyle>
   <p:extLst>
     <p:ext uri="{EFAFB233-063F-42B5-8137-9DF3F51BA10A}">
-      <p15:sldGuideLst xmlns:p15="http://schemas.microsoft.com/office/powerpoint/2012/main">
+      <p15:sldGuideLst>
         <p15:guide id="1" orient="horz" pos="2160">
           <p15:clr>
             <a:srgbClr val="000000"/>
@@ -271,25 +271,12 @@
 </p:presentation>
 </file>
 
-<file path=ppt/revisionInfo.xml><?xml version="1.0" encoding="utf-8"?>
-<p1510:revInfo xmlns:a="http://schemas.openxmlformats.org/drawingml/2006/main" xmlns:r="http://schemas.openxmlformats.org/officeDocument/2006/relationships" xmlns:p1510="http://schemas.microsoft.com/office/powerpoint/2015/10/main">
-  <p1510:revLst>
-    <p1510:client id="{C9261359-02ED-7BDE-68BF-94E8D2D96F65}" v="7" dt="2025-10-07T06:24:54.343"/>
-  </p1510:revLst>
-</p1510:revInfo>
-</file>
-
 <file path=ppt/notesMasters/notesMaster1.xml><?xml version="1.0" encoding="utf-8"?>
-<p:notesMaster xmlns:a="http://schemas.openxmlformats.org/drawingml/2006/main" xmlns:r="http://schemas.openxmlformats.org/officeDocument/2006/relationships" xmlns:p="http://schemas.openxmlformats.org/presentationml/2006/main">
+<p:notesMaster xmlns:a="http://schemas.openxmlformats.org/drawingml/2006/main" xmlns:r="http://schemas.openxmlformats.org/officeDocument/2006/relationships" xmlns:mc="http://schemas.openxmlformats.org/markup-compatibility/2006" xmlns:mv="urn:schemas-microsoft-com:mac:vml" xmlns:p="http://schemas.openxmlformats.org/presentationml/2006/main" xmlns:c="http://schemas.openxmlformats.org/drawingml/2006/chart" xmlns:dgm="http://schemas.openxmlformats.org/drawingml/2006/diagram" xmlns:o="urn:schemas-microsoft-com:office:office" xmlns:v="urn:schemas-microsoft-com:vml" xmlns:pvml="urn:schemas-microsoft-com:office:powerpoint" xmlns:com="http://schemas.openxmlformats.org/drawingml/2006/compatibility" xmlns:p14="http://schemas.microsoft.com/office/powerpoint/2010/main" xmlns:p15="http://schemas.microsoft.com/office/powerpoint/2012/main" xmlns:ahyp="http://schemas.microsoft.com/office/drawing/2018/hyperlinkcolor">
   <p:cSld>
-    <p:bg>
-      <p:bgRef idx="1001">
-        <a:schemeClr val="bg1"/>
-      </p:bgRef>
-    </p:bg>
     <p:spTree>
       <p:nvGrpSpPr>
-        <p:cNvPr id="1" name="Shape 2"/>
+        <p:cNvPr id="2" name="Shape 2"/>
         <p:cNvGrpSpPr/>
         <p:nvPr/>
       </p:nvGrpSpPr>
@@ -304,11 +291,9 @@
       <p:sp>
         <p:nvSpPr>
           <p:cNvPr id="3" name="Google Shape;3;n"/>
-          <p:cNvSpPr>
-            <a:spLocks noGrp="1" noRot="1" noChangeAspect="1"/>
-          </p:cNvSpPr>
+          <p:cNvSpPr/>
           <p:nvPr>
-            <p:ph type="sldImg" idx="2"/>
+            <p:ph idx="2" type="sldImg"/>
           </p:nvPr>
         </p:nvSpPr>
         <p:spPr>
@@ -317,13 +302,9 @@
             <a:ext cx="4572225" cy="3429000"/>
           </a:xfrm>
           <a:custGeom>
-            <a:avLst/>
-            <a:gdLst/>
-            <a:ahLst/>
-            <a:cxnLst/>
-            <a:rect l="l" t="t" r="r" b="b"/>
+            <a:rect b="b" l="l" r="r" t="t"/>
             <a:pathLst>
-              <a:path w="120000" h="120000" extrusionOk="0">
+              <a:path extrusionOk="0" h="120000" w="120000">
                 <a:moveTo>
                   <a:pt x="0" y="0"/>
                 </a:moveTo>
@@ -341,25 +322,23 @@
             </a:pathLst>
           </a:custGeom>
           <a:noFill/>
-          <a:ln w="9525" cap="flat" cmpd="sng">
+          <a:ln cap="flat" cmpd="sng" w="9525">
             <a:solidFill>
               <a:srgbClr val="000000"/>
             </a:solidFill>
             <a:prstDash val="solid"/>
             <a:round/>
-            <a:headEnd type="none" w="sm" len="sm"/>
-            <a:tailEnd type="none" w="sm" len="sm"/>
+            <a:headEnd len="sm" w="sm" type="none"/>
+            <a:tailEnd len="sm" w="sm" type="none"/>
           </a:ln>
         </p:spPr>
       </p:sp>
       <p:sp>
         <p:nvSpPr>
           <p:cNvPr id="4" name="Google Shape;4;n"/>
-          <p:cNvSpPr txBox="1">
-            <a:spLocks noGrp="1"/>
-          </p:cNvSpPr>
+          <p:cNvSpPr txBox="1"/>
           <p:nvPr>
-            <p:ph type="body" idx="1"/>
+            <p:ph idx="1" type="body"/>
           </p:nvPr>
         </p:nvSpPr>
         <p:spPr>
@@ -376,11 +355,11 @@
           </a:ln>
         </p:spPr>
         <p:txBody>
-          <a:bodyPr spcFirstLastPara="1" wrap="square" lIns="91425" tIns="91425" rIns="91425" bIns="91425" anchor="t" anchorCtr="0">
+          <a:bodyPr anchorCtr="0" anchor="t" bIns="91425" lIns="91425" spcFirstLastPara="1" rIns="91425" wrap="square" tIns="91425">
             <a:noAutofit/>
           </a:bodyPr>
           <a:lstStyle>
-            <a:lvl1pPr marL="457200" lvl="0" indent="-298450">
+            <a:lvl1pPr indent="-298450" lvl="0" marL="457200">
               <a:spcBef>
                 <a:spcPts val="0"/>
               </a:spcBef>
@@ -391,7 +370,7 @@
               <a:buChar char="●"/>
               <a:defRPr sz="1100"/>
             </a:lvl1pPr>
-            <a:lvl2pPr marL="914400" lvl="1" indent="-298450">
+            <a:lvl2pPr indent="-298450" lvl="1" marL="914400">
               <a:spcBef>
                 <a:spcPts val="0"/>
               </a:spcBef>
@@ -402,7 +381,7 @@
               <a:buChar char="○"/>
               <a:defRPr sz="1100"/>
             </a:lvl2pPr>
-            <a:lvl3pPr marL="1371600" lvl="2" indent="-298450">
+            <a:lvl3pPr indent="-298450" lvl="2" marL="1371600">
               <a:spcBef>
                 <a:spcPts val="0"/>
               </a:spcBef>
@@ -413,7 +392,7 @@
               <a:buChar char="■"/>
               <a:defRPr sz="1100"/>
             </a:lvl3pPr>
-            <a:lvl4pPr marL="1828800" lvl="3" indent="-298450">
+            <a:lvl4pPr indent="-298450" lvl="3" marL="1828800">
               <a:spcBef>
                 <a:spcPts val="0"/>
               </a:spcBef>
@@ -424,7 +403,7 @@
               <a:buChar char="●"/>
               <a:defRPr sz="1100"/>
             </a:lvl4pPr>
-            <a:lvl5pPr marL="2286000" lvl="4" indent="-298450">
+            <a:lvl5pPr indent="-298450" lvl="4" marL="2286000">
               <a:spcBef>
                 <a:spcPts val="0"/>
               </a:spcBef>
@@ -435,7 +414,7 @@
               <a:buChar char="○"/>
               <a:defRPr sz="1100"/>
             </a:lvl5pPr>
-            <a:lvl6pPr marL="2743200" lvl="5" indent="-298450">
+            <a:lvl6pPr indent="-298450" lvl="5" marL="2743200">
               <a:spcBef>
                 <a:spcPts val="0"/>
               </a:spcBef>
@@ -446,7 +425,7 @@
               <a:buChar char="■"/>
               <a:defRPr sz="1100"/>
             </a:lvl6pPr>
-            <a:lvl7pPr marL="3200400" lvl="6" indent="-298450">
+            <a:lvl7pPr indent="-298450" lvl="6" marL="3200400">
               <a:spcBef>
                 <a:spcPts val="0"/>
               </a:spcBef>
@@ -457,7 +436,7 @@
               <a:buChar char="●"/>
               <a:defRPr sz="1100"/>
             </a:lvl7pPr>
-            <a:lvl8pPr marL="3657600" lvl="7" indent="-298450">
+            <a:lvl8pPr indent="-298450" lvl="7" marL="3657600">
               <a:spcBef>
                 <a:spcPts val="0"/>
               </a:spcBef>
@@ -468,7 +447,7 @@
               <a:buChar char="○"/>
               <a:defRPr sz="1100"/>
             </a:lvl8pPr>
-            <a:lvl9pPr marL="4114800" lvl="8" indent="-298450">
+            <a:lvl9pPr indent="-298450" lvl="8" marL="4114800">
               <a:spcBef>
                 <a:spcPts val="0"/>
               </a:spcBef>
@@ -480,16 +459,14 @@
               <a:defRPr sz="1100"/>
             </a:lvl9pPr>
           </a:lstStyle>
-          <a:p>
-            <a:endParaRPr/>
-          </a:p>
+          <a:p/>
         </p:txBody>
       </p:sp>
     </p:spTree>
   </p:cSld>
-  <p:clrMap bg1="lt1" tx1="dk1" bg2="dk2" tx2="lt2" accent1="accent1" accent2="accent2" accent3="accent3" accent4="accent4" accent5="accent5" accent6="accent6" hlink="hlink" folHlink="folHlink"/>
+  <p:clrMap accent1="accent1" accent2="accent2" accent3="accent3" accent4="accent4" accent5="accent5" accent6="accent6" bg1="lt1" bg2="dk2" tx1="dk1" tx2="lt2" folHlink="folHlink" hlink="hlink"/>
   <p:notesStyle>
-    <a:defPPr marR="0" lvl="0" algn="l" rtl="0">
+    <a:defPPr lvl="0" marR="0" rtl="0" algn="l">
       <a:lnSpc>
         <a:spcPct val="100000"/>
       </a:lnSpc>
@@ -500,7 +477,7 @@
         <a:spcPts val="0"/>
       </a:spcAft>
     </a:defPPr>
-    <a:lvl1pPr marR="0" lvl="0" algn="l" rtl="0">
+    <a:lvl1pPr lvl="0" marR="0" rtl="0" algn="l">
       <a:lnSpc>
         <a:spcPct val="100000"/>
       </a:lnSpc>
@@ -514,7 +491,7 @@
         <a:srgbClr val="000000"/>
       </a:buClr>
       <a:buFont typeface="Arial"/>
-      <a:defRPr sz="1400" b="0" i="0" u="none" strike="noStrike" cap="none">
+      <a:defRPr b="0" i="0" sz="1400" u="none" cap="none" strike="noStrike">
         <a:solidFill>
           <a:srgbClr val="000000"/>
         </a:solidFill>
@@ -524,7 +501,7 @@
         <a:sym typeface="Arial"/>
       </a:defRPr>
     </a:lvl1pPr>
-    <a:lvl2pPr marR="0" lvl="1" algn="l" rtl="0">
+    <a:lvl2pPr lvl="1" marR="0" rtl="0" algn="l">
       <a:lnSpc>
         <a:spcPct val="100000"/>
       </a:lnSpc>
@@ -538,7 +515,7 @@
         <a:srgbClr val="000000"/>
       </a:buClr>
       <a:buFont typeface="Arial"/>
-      <a:defRPr sz="1400" b="0" i="0" u="none" strike="noStrike" cap="none">
+      <a:defRPr b="0" i="0" sz="1400" u="none" cap="none" strike="noStrike">
         <a:solidFill>
           <a:srgbClr val="000000"/>
         </a:solidFill>
@@ -548,7 +525,7 @@
         <a:sym typeface="Arial"/>
       </a:defRPr>
     </a:lvl2pPr>
-    <a:lvl3pPr marR="0" lvl="2" algn="l" rtl="0">
+    <a:lvl3pPr lvl="2" marR="0" rtl="0" algn="l">
       <a:lnSpc>
         <a:spcPct val="100000"/>
       </a:lnSpc>
@@ -562,7 +539,7 @@
         <a:srgbClr val="000000"/>
       </a:buClr>
       <a:buFont typeface="Arial"/>
-      <a:defRPr sz="1400" b="0" i="0" u="none" strike="noStrike" cap="none">
+      <a:defRPr b="0" i="0" sz="1400" u="none" cap="none" strike="noStrike">
         <a:solidFill>
           <a:srgbClr val="000000"/>
         </a:solidFill>
@@ -572,7 +549,7 @@
         <a:sym typeface="Arial"/>
       </a:defRPr>
     </a:lvl3pPr>
-    <a:lvl4pPr marR="0" lvl="3" algn="l" rtl="0">
+    <a:lvl4pPr lvl="3" marR="0" rtl="0" algn="l">
       <a:lnSpc>
         <a:spcPct val="100000"/>
       </a:lnSpc>
@@ -586,7 +563,7 @@
         <a:srgbClr val="000000"/>
       </a:buClr>
       <a:buFont typeface="Arial"/>
-      <a:defRPr sz="1400" b="0" i="0" u="none" strike="noStrike" cap="none">
+      <a:defRPr b="0" i="0" sz="1400" u="none" cap="none" strike="noStrike">
         <a:solidFill>
           <a:srgbClr val="000000"/>
         </a:solidFill>
@@ -596,7 +573,7 @@
         <a:sym typeface="Arial"/>
       </a:defRPr>
     </a:lvl4pPr>
-    <a:lvl5pPr marR="0" lvl="4" algn="l" rtl="0">
+    <a:lvl5pPr lvl="4" marR="0" rtl="0" algn="l">
       <a:lnSpc>
         <a:spcPct val="100000"/>
       </a:lnSpc>
@@ -610,7 +587,7 @@
         <a:srgbClr val="000000"/>
       </a:buClr>
       <a:buFont typeface="Arial"/>
-      <a:defRPr sz="1400" b="0" i="0" u="none" strike="noStrike" cap="none">
+      <a:defRPr b="0" i="0" sz="1400" u="none" cap="none" strike="noStrike">
         <a:solidFill>
           <a:srgbClr val="000000"/>
         </a:solidFill>
@@ -620,7 +597,7 @@
         <a:sym typeface="Arial"/>
       </a:defRPr>
     </a:lvl5pPr>
-    <a:lvl6pPr marR="0" lvl="5" algn="l" rtl="0">
+    <a:lvl6pPr lvl="5" marR="0" rtl="0" algn="l">
       <a:lnSpc>
         <a:spcPct val="100000"/>
       </a:lnSpc>
@@ -634,7 +611,7 @@
         <a:srgbClr val="000000"/>
       </a:buClr>
       <a:buFont typeface="Arial"/>
-      <a:defRPr sz="1400" b="0" i="0" u="none" strike="noStrike" cap="none">
+      <a:defRPr b="0" i="0" sz="1400" u="none" cap="none" strike="noStrike">
         <a:solidFill>
           <a:srgbClr val="000000"/>
         </a:solidFill>
@@ -644,7 +621,7 @@
         <a:sym typeface="Arial"/>
       </a:defRPr>
     </a:lvl6pPr>
-    <a:lvl7pPr marR="0" lvl="6" algn="l" rtl="0">
+    <a:lvl7pPr lvl="6" marR="0" rtl="0" algn="l">
       <a:lnSpc>
         <a:spcPct val="100000"/>
       </a:lnSpc>
@@ -658,7 +635,7 @@
         <a:srgbClr val="000000"/>
       </a:buClr>
       <a:buFont typeface="Arial"/>
-      <a:defRPr sz="1400" b="0" i="0" u="none" strike="noStrike" cap="none">
+      <a:defRPr b="0" i="0" sz="1400" u="none" cap="none" strike="noStrike">
         <a:solidFill>
           <a:srgbClr val="000000"/>
         </a:solidFill>
@@ -668,7 +645,7 @@
         <a:sym typeface="Arial"/>
       </a:defRPr>
     </a:lvl7pPr>
-    <a:lvl8pPr marR="0" lvl="7" algn="l" rtl="0">
+    <a:lvl8pPr lvl="7" marR="0" rtl="0" algn="l">
       <a:lnSpc>
         <a:spcPct val="100000"/>
       </a:lnSpc>
@@ -682,7 +659,7 @@
         <a:srgbClr val="000000"/>
       </a:buClr>
       <a:buFont typeface="Arial"/>
-      <a:defRPr sz="1400" b="0" i="0" u="none" strike="noStrike" cap="none">
+      <a:defRPr b="0" i="0" sz="1400" u="none" cap="none" strike="noStrike">
         <a:solidFill>
           <a:srgbClr val="000000"/>
         </a:solidFill>
@@ -692,7 +669,7 @@
         <a:sym typeface="Arial"/>
       </a:defRPr>
     </a:lvl8pPr>
-    <a:lvl9pPr marR="0" lvl="8" algn="l" rtl="0">
+    <a:lvl9pPr lvl="8" marR="0" rtl="0" algn="l">
       <a:lnSpc>
         <a:spcPct val="100000"/>
       </a:lnSpc>
@@ -706,7 +683,7 @@
         <a:srgbClr val="000000"/>
       </a:buClr>
       <a:buFont typeface="Arial"/>
-      <a:defRPr sz="1400" b="0" i="0" u="none" strike="noStrike" cap="none">
+      <a:defRPr b="0" i="0" sz="1400" u="none" cap="none" strike="noStrike">
         <a:solidFill>
           <a:srgbClr val="000000"/>
         </a:solidFill>
@@ -721,11 +698,11 @@
 </file>
 
 <file path=ppt/notesSlides/notesSlide1.xml><?xml version="1.0" encoding="utf-8"?>
-<p:notes xmlns:a="http://schemas.openxmlformats.org/drawingml/2006/main" xmlns:r="http://schemas.openxmlformats.org/officeDocument/2006/relationships" xmlns:p="http://schemas.openxmlformats.org/presentationml/2006/main" showMasterSp="0" showMasterPhAnim="0">
+<p:notes xmlns:a="http://schemas.openxmlformats.org/drawingml/2006/main" xmlns:r="http://schemas.openxmlformats.org/officeDocument/2006/relationships" xmlns:mc="http://schemas.openxmlformats.org/markup-compatibility/2006" xmlns:mv="urn:schemas-microsoft-com:mac:vml" xmlns:p="http://schemas.openxmlformats.org/presentationml/2006/main" xmlns:c="http://schemas.openxmlformats.org/drawingml/2006/chart" xmlns:dgm="http://schemas.openxmlformats.org/drawingml/2006/diagram" xmlns:o="urn:schemas-microsoft-com:office:office" xmlns:v="urn:schemas-microsoft-com:vml" xmlns:pvml="urn:schemas-microsoft-com:office:powerpoint" xmlns:com="http://schemas.openxmlformats.org/drawingml/2006/compatibility" xmlns:p14="http://schemas.microsoft.com/office/powerpoint/2010/main" xmlns:p15="http://schemas.microsoft.com/office/powerpoint/2012/main" xmlns:ahyp="http://schemas.microsoft.com/office/drawing/2018/hyperlinkcolor" showMasterPhAnim="0" showMasterSp="0">
   <p:cSld>
     <p:spTree>
       <p:nvGrpSpPr>
-        <p:cNvPr id="1" name="Shape 80"/>
+        <p:cNvPr id="80" name="Shape 80"/>
         <p:cNvGrpSpPr/>
         <p:nvPr/>
       </p:nvGrpSpPr>
@@ -740,11 +717,9 @@
       <p:sp>
         <p:nvSpPr>
           <p:cNvPr id="81" name="Google Shape;81;p1:notes"/>
-          <p:cNvSpPr txBox="1">
-            <a:spLocks noGrp="1"/>
-          </p:cNvSpPr>
+          <p:cNvSpPr txBox="1"/>
           <p:nvPr>
-            <p:ph type="body" idx="1"/>
+            <p:ph idx="1" type="body"/>
           </p:nvPr>
         </p:nvSpPr>
         <p:spPr>
@@ -757,12 +732,12 @@
           </a:prstGeom>
         </p:spPr>
         <p:txBody>
-          <a:bodyPr spcFirstLastPara="1" wrap="square" lIns="91425" tIns="91425" rIns="91425" bIns="91425" anchor="t" anchorCtr="0">
+          <a:bodyPr anchorCtr="0" anchor="t" bIns="91425" lIns="91425" spcFirstLastPara="1" rIns="91425" wrap="square" tIns="91425">
             <a:noAutofit/>
           </a:bodyPr>
           <a:lstStyle/>
           <a:p>
-            <a:pPr marL="0" lvl="0" indent="0" algn="l" rtl="0">
+            <a:pPr indent="0" lvl="0" marL="0" rtl="0" algn="l">
               <a:spcBef>
                 <a:spcPts val="0"/>
               </a:spcBef>
@@ -771,6 +746,9 @@
               </a:spcAft>
               <a:buNone/>
             </a:pPr>
+            <a:r>
+              <a:t/>
+            </a:r>
             <a:endParaRPr/>
           </a:p>
         </p:txBody>
@@ -778,26 +756,20 @@
       <p:sp>
         <p:nvSpPr>
           <p:cNvPr id="82" name="Google Shape;82;p1:notes"/>
-          <p:cNvSpPr>
-            <a:spLocks noGrp="1" noRot="1" noChangeAspect="1"/>
-          </p:cNvSpPr>
+          <p:cNvSpPr/>
           <p:nvPr>
-            <p:ph type="sldImg" idx="2"/>
+            <p:ph idx="2" type="sldImg"/>
           </p:nvPr>
         </p:nvSpPr>
         <p:spPr>
           <a:xfrm>
-            <a:off x="1006475" y="685800"/>
-            <a:ext cx="4845050" cy="3429000"/>
+            <a:off x="1143225" y="685800"/>
+            <a:ext cx="4572225" cy="3429000"/>
           </a:xfrm>
           <a:custGeom>
-            <a:avLst/>
-            <a:gdLst/>
-            <a:ahLst/>
-            <a:cxnLst/>
-            <a:rect l="l" t="t" r="r" b="b"/>
+            <a:rect b="b" l="l" r="r" t="t"/>
             <a:pathLst>
-              <a:path w="120000" h="120000" extrusionOk="0">
+              <a:path extrusionOk="0" h="120000" w="120000">
                 <a:moveTo>
                   <a:pt x="0" y="0"/>
                 </a:moveTo>
@@ -825,11 +797,11 @@
 </file>
 
 <file path=ppt/slideLayouts/slideLayout1.xml><?xml version="1.0" encoding="utf-8"?>
-<p:sldLayout xmlns:a="http://schemas.openxmlformats.org/drawingml/2006/main" xmlns:r="http://schemas.openxmlformats.org/officeDocument/2006/relationships" xmlns:p="http://schemas.openxmlformats.org/presentationml/2006/main" matchingName="Blank" type="blank">
+<p:sldLayout xmlns:a="http://schemas.openxmlformats.org/drawingml/2006/main" xmlns:r="http://schemas.openxmlformats.org/officeDocument/2006/relationships" xmlns:mc="http://schemas.openxmlformats.org/markup-compatibility/2006" xmlns:mv="urn:schemas-microsoft-com:mac:vml" xmlns:p="http://schemas.openxmlformats.org/presentationml/2006/main" xmlns:c="http://schemas.openxmlformats.org/drawingml/2006/chart" xmlns:dgm="http://schemas.openxmlformats.org/drawingml/2006/diagram" xmlns:o="urn:schemas-microsoft-com:office:office" xmlns:v="urn:schemas-microsoft-com:vml" xmlns:pvml="urn:schemas-microsoft-com:office:powerpoint" xmlns:com="http://schemas.openxmlformats.org/drawingml/2006/compatibility" xmlns:p14="http://schemas.microsoft.com/office/powerpoint/2010/main" xmlns:p15="http://schemas.microsoft.com/office/powerpoint/2012/main" xmlns:ahyp="http://schemas.microsoft.com/office/drawing/2018/hyperlinkcolor" matchingName="Blank" type="blank">
   <p:cSld name="BLANK">
     <p:spTree>
       <p:nvGrpSpPr>
-        <p:cNvPr id="1" name="Shape 11"/>
+        <p:cNvPr id="11" name="Shape 11"/>
         <p:cNvGrpSpPr/>
         <p:nvPr/>
       </p:nvGrpSpPr>
@@ -844,11 +816,9 @@
       <p:sp>
         <p:nvSpPr>
           <p:cNvPr id="12" name="Google Shape;12;p2"/>
-          <p:cNvSpPr txBox="1">
-            <a:spLocks noGrp="1"/>
-          </p:cNvSpPr>
+          <p:cNvSpPr txBox="1"/>
           <p:nvPr>
-            <p:ph type="dt" idx="10"/>
+            <p:ph idx="10" type="dt"/>
           </p:nvPr>
         </p:nvSpPr>
         <p:spPr>
@@ -865,7 +835,7 @@
           </a:ln>
         </p:spPr>
         <p:txBody>
-          <a:bodyPr spcFirstLastPara="1" wrap="square" lIns="91425" tIns="45700" rIns="91425" bIns="45700" anchor="ctr" anchorCtr="0">
+          <a:bodyPr anchorCtr="0" anchor="ctr" bIns="45700" lIns="91425" spcFirstLastPara="1" rIns="91425" wrap="square" tIns="45700">
             <a:noAutofit/>
           </a:bodyPr>
           <a:lstStyle>
@@ -969,19 +939,15 @@
               <a:defRPr/>
             </a:lvl9pPr>
           </a:lstStyle>
-          <a:p>
-            <a:endParaRPr/>
-          </a:p>
+          <a:p/>
         </p:txBody>
       </p:sp>
       <p:sp>
         <p:nvSpPr>
           <p:cNvPr id="13" name="Google Shape;13;p2"/>
-          <p:cNvSpPr txBox="1">
-            <a:spLocks noGrp="1"/>
-          </p:cNvSpPr>
+          <p:cNvSpPr txBox="1"/>
           <p:nvPr>
-            <p:ph type="ftr" idx="11"/>
+            <p:ph idx="11" type="ftr"/>
           </p:nvPr>
         </p:nvSpPr>
         <p:spPr>
@@ -998,7 +964,7 @@
           </a:ln>
         </p:spPr>
         <p:txBody>
-          <a:bodyPr spcFirstLastPara="1" wrap="square" lIns="91425" tIns="45700" rIns="91425" bIns="45700" anchor="ctr" anchorCtr="0">
+          <a:bodyPr anchorCtr="0" anchor="ctr" bIns="45700" lIns="91425" spcFirstLastPara="1" rIns="91425" wrap="square" tIns="45700">
             <a:noAutofit/>
           </a:bodyPr>
           <a:lstStyle>
@@ -1102,19 +1068,15 @@
               <a:defRPr/>
             </a:lvl9pPr>
           </a:lstStyle>
-          <a:p>
-            <a:endParaRPr/>
-          </a:p>
+          <a:p/>
         </p:txBody>
       </p:sp>
       <p:sp>
         <p:nvSpPr>
           <p:cNvPr id="14" name="Google Shape;14;p2"/>
-          <p:cNvSpPr txBox="1">
-            <a:spLocks noGrp="1"/>
-          </p:cNvSpPr>
+          <p:cNvSpPr txBox="1"/>
           <p:nvPr>
-            <p:ph type="sldNum" idx="12"/>
+            <p:ph idx="12" type="sldNum"/>
           </p:nvPr>
         </p:nvSpPr>
         <p:spPr>
@@ -1131,67 +1093,67 @@
           </a:ln>
         </p:spPr>
         <p:txBody>
-          <a:bodyPr spcFirstLastPara="1" wrap="square" lIns="91425" tIns="45700" rIns="91425" bIns="45700" anchor="ctr" anchorCtr="0">
+          <a:bodyPr anchorCtr="0" anchor="ctr" bIns="45700" lIns="91425" spcFirstLastPara="1" rIns="91425" wrap="square" tIns="45700">
             <a:noAutofit/>
           </a:bodyPr>
           <a:lstStyle>
-            <a:lvl1pPr marL="0" lvl="0" indent="0" algn="r">
+            <a:lvl1pPr indent="0" lvl="0" marL="0" algn="r">
               <a:spcBef>
                 <a:spcPts val="0"/>
               </a:spcBef>
               <a:buNone/>
               <a:defRPr/>
             </a:lvl1pPr>
-            <a:lvl2pPr marL="0" lvl="1" indent="0" algn="r">
+            <a:lvl2pPr indent="0" lvl="1" marL="0" algn="r">
               <a:spcBef>
                 <a:spcPts val="0"/>
               </a:spcBef>
               <a:buNone/>
               <a:defRPr/>
             </a:lvl2pPr>
-            <a:lvl3pPr marL="0" lvl="2" indent="0" algn="r">
+            <a:lvl3pPr indent="0" lvl="2" marL="0" algn="r">
               <a:spcBef>
                 <a:spcPts val="0"/>
               </a:spcBef>
               <a:buNone/>
               <a:defRPr/>
             </a:lvl3pPr>
-            <a:lvl4pPr marL="0" lvl="3" indent="0" algn="r">
+            <a:lvl4pPr indent="0" lvl="3" marL="0" algn="r">
               <a:spcBef>
                 <a:spcPts val="0"/>
               </a:spcBef>
               <a:buNone/>
               <a:defRPr/>
             </a:lvl4pPr>
-            <a:lvl5pPr marL="0" lvl="4" indent="0" algn="r">
+            <a:lvl5pPr indent="0" lvl="4" marL="0" algn="r">
               <a:spcBef>
                 <a:spcPts val="0"/>
               </a:spcBef>
               <a:buNone/>
               <a:defRPr/>
             </a:lvl5pPr>
-            <a:lvl6pPr marL="0" lvl="5" indent="0" algn="r">
+            <a:lvl6pPr indent="0" lvl="5" marL="0" algn="r">
               <a:spcBef>
                 <a:spcPts val="0"/>
               </a:spcBef>
               <a:buNone/>
               <a:defRPr/>
             </a:lvl6pPr>
-            <a:lvl7pPr marL="0" lvl="6" indent="0" algn="r">
+            <a:lvl7pPr indent="0" lvl="6" marL="0" algn="r">
               <a:spcBef>
                 <a:spcPts val="0"/>
               </a:spcBef>
               <a:buNone/>
               <a:defRPr/>
             </a:lvl7pPr>
-            <a:lvl8pPr marL="0" lvl="7" indent="0" algn="r">
+            <a:lvl8pPr indent="0" lvl="7" marL="0" algn="r">
               <a:spcBef>
                 <a:spcPts val="0"/>
               </a:spcBef>
               <a:buNone/>
               <a:defRPr/>
             </a:lvl8pPr>
-            <a:lvl9pPr marL="0" lvl="8" indent="0" algn="r">
+            <a:lvl9pPr indent="0" lvl="8" marL="0" algn="r">
               <a:spcBef>
                 <a:spcPts val="0"/>
               </a:spcBef>
@@ -1200,7 +1162,7 @@
             </a:lvl9pPr>
           </a:lstStyle>
           <a:p>
-            <a:pPr marL="0" lvl="0" indent="0" algn="r" rtl="0">
+            <a:pPr indent="0" lvl="0" marL="0" rtl="0" algn="r">
               <a:spcBef>
                 <a:spcPts val="0"/>
               </a:spcBef>
@@ -1226,11 +1188,11 @@
 </file>
 
 <file path=ppt/slideLayouts/slideLayout10.xml><?xml version="1.0" encoding="utf-8"?>
-<p:sldLayout xmlns:a="http://schemas.openxmlformats.org/drawingml/2006/main" xmlns:r="http://schemas.openxmlformats.org/officeDocument/2006/relationships" xmlns:p="http://schemas.openxmlformats.org/presentationml/2006/main" matchingName="Title and Vertical Text" type="vertTx">
+<p:sldLayout xmlns:a="http://schemas.openxmlformats.org/drawingml/2006/main" xmlns:r="http://schemas.openxmlformats.org/officeDocument/2006/relationships" xmlns:mc="http://schemas.openxmlformats.org/markup-compatibility/2006" xmlns:mv="urn:schemas-microsoft-com:mac:vml" xmlns:p="http://schemas.openxmlformats.org/presentationml/2006/main" xmlns:c="http://schemas.openxmlformats.org/drawingml/2006/chart" xmlns:dgm="http://schemas.openxmlformats.org/drawingml/2006/diagram" xmlns:o="urn:schemas-microsoft-com:office:office" xmlns:v="urn:schemas-microsoft-com:vml" xmlns:pvml="urn:schemas-microsoft-com:office:powerpoint" xmlns:com="http://schemas.openxmlformats.org/drawingml/2006/compatibility" xmlns:p14="http://schemas.microsoft.com/office/powerpoint/2010/main" xmlns:p15="http://schemas.microsoft.com/office/powerpoint/2012/main" xmlns:ahyp="http://schemas.microsoft.com/office/drawing/2018/hyperlinkcolor" matchingName="Title and Vertical Text" type="vertTx">
   <p:cSld name="VERTICAL_TEXT">
     <p:spTree>
       <p:nvGrpSpPr>
-        <p:cNvPr id="1" name="Shape 68"/>
+        <p:cNvPr id="68" name="Shape 68"/>
         <p:cNvGrpSpPr/>
         <p:nvPr/>
       </p:nvGrpSpPr>
@@ -1245,9 +1207,7 @@
       <p:sp>
         <p:nvSpPr>
           <p:cNvPr id="69" name="Google Shape;69;p11"/>
-          <p:cNvSpPr txBox="1">
-            <a:spLocks noGrp="1"/>
-          </p:cNvSpPr>
+          <p:cNvSpPr txBox="1"/>
           <p:nvPr>
             <p:ph type="title"/>
           </p:nvPr>
@@ -1266,7 +1226,7 @@
           </a:ln>
         </p:spPr>
         <p:txBody>
-          <a:bodyPr spcFirstLastPara="1" wrap="square" lIns="91425" tIns="45700" rIns="91425" bIns="45700" anchor="ctr" anchorCtr="0">
+          <a:bodyPr anchorCtr="0" anchor="ctr" bIns="45700" lIns="91425" spcFirstLastPara="1" rIns="91425" wrap="square" tIns="45700">
             <a:normAutofit/>
           </a:bodyPr>
           <a:lstStyle>
@@ -1373,19 +1333,15 @@
               <a:defRPr/>
             </a:lvl9pPr>
           </a:lstStyle>
-          <a:p>
-            <a:endParaRPr/>
-          </a:p>
+          <a:p/>
         </p:txBody>
       </p:sp>
       <p:sp>
         <p:nvSpPr>
           <p:cNvPr id="70" name="Google Shape;70;p11"/>
-          <p:cNvSpPr txBox="1">
-            <a:spLocks noGrp="1"/>
-          </p:cNvSpPr>
+          <p:cNvSpPr txBox="1"/>
           <p:nvPr>
-            <p:ph type="body" idx="1"/>
+            <p:ph idx="1" type="body"/>
           </p:nvPr>
         </p:nvSpPr>
         <p:spPr>
@@ -1402,11 +1358,11 @@
           </a:ln>
         </p:spPr>
         <p:txBody>
-          <a:bodyPr spcFirstLastPara="1" wrap="square" lIns="91425" tIns="45700" rIns="91425" bIns="45700" anchor="t" anchorCtr="0">
+          <a:bodyPr anchorCtr="0" anchor="t" bIns="45700" lIns="91425" spcFirstLastPara="1" rIns="91425" wrap="square" tIns="45700">
             <a:normAutofit/>
           </a:bodyPr>
           <a:lstStyle>
-            <a:lvl1pPr marL="457200" lvl="0" indent="-342900" algn="l">
+            <a:lvl1pPr indent="-342900" lvl="0" marL="457200" algn="l">
               <a:spcBef>
                 <a:spcPts val="360"/>
               </a:spcBef>
@@ -1420,7 +1376,7 @@
               <a:buChar char="•"/>
               <a:defRPr/>
             </a:lvl1pPr>
-            <a:lvl2pPr marL="914400" lvl="1" indent="-342900" algn="l">
+            <a:lvl2pPr indent="-342900" lvl="1" marL="914400" algn="l">
               <a:spcBef>
                 <a:spcPts val="360"/>
               </a:spcBef>
@@ -1434,7 +1390,7 @@
               <a:buChar char="–"/>
               <a:defRPr/>
             </a:lvl2pPr>
-            <a:lvl3pPr marL="1371600" lvl="2" indent="-342900" algn="l">
+            <a:lvl3pPr indent="-342900" lvl="2" marL="1371600" algn="l">
               <a:spcBef>
                 <a:spcPts val="360"/>
               </a:spcBef>
@@ -1448,7 +1404,7 @@
               <a:buChar char="•"/>
               <a:defRPr/>
             </a:lvl3pPr>
-            <a:lvl4pPr marL="1828800" lvl="3" indent="-342900" algn="l">
+            <a:lvl4pPr indent="-342900" lvl="3" marL="1828800" algn="l">
               <a:spcBef>
                 <a:spcPts val="360"/>
               </a:spcBef>
@@ -1462,7 +1418,7 @@
               <a:buChar char="–"/>
               <a:defRPr/>
             </a:lvl4pPr>
-            <a:lvl5pPr marL="2286000" lvl="4" indent="-342900" algn="l">
+            <a:lvl5pPr indent="-342900" lvl="4" marL="2286000" algn="l">
               <a:spcBef>
                 <a:spcPts val="360"/>
               </a:spcBef>
@@ -1476,7 +1432,7 @@
               <a:buChar char="»"/>
               <a:defRPr/>
             </a:lvl5pPr>
-            <a:lvl6pPr marL="2743200" lvl="5" indent="-342900" algn="l">
+            <a:lvl6pPr indent="-342900" lvl="5" marL="2743200" algn="l">
               <a:spcBef>
                 <a:spcPts val="360"/>
               </a:spcBef>
@@ -1490,7 +1446,7 @@
               <a:buChar char="•"/>
               <a:defRPr/>
             </a:lvl6pPr>
-            <a:lvl7pPr marL="3200400" lvl="6" indent="-342900" algn="l">
+            <a:lvl7pPr indent="-342900" lvl="6" marL="3200400" algn="l">
               <a:spcBef>
                 <a:spcPts val="360"/>
               </a:spcBef>
@@ -1504,7 +1460,7 @@
               <a:buChar char="•"/>
               <a:defRPr/>
             </a:lvl7pPr>
-            <a:lvl8pPr marL="3657600" lvl="7" indent="-342900" algn="l">
+            <a:lvl8pPr indent="-342900" lvl="7" marL="3657600" algn="l">
               <a:spcBef>
                 <a:spcPts val="360"/>
               </a:spcBef>
@@ -1518,7 +1474,7 @@
               <a:buChar char="•"/>
               <a:defRPr/>
             </a:lvl8pPr>
-            <a:lvl9pPr marL="4114800" lvl="8" indent="-342900" algn="l">
+            <a:lvl9pPr indent="-342900" lvl="8" marL="4114800" algn="l">
               <a:spcBef>
                 <a:spcPts val="360"/>
               </a:spcBef>
@@ -1533,19 +1489,15 @@
               <a:defRPr/>
             </a:lvl9pPr>
           </a:lstStyle>
-          <a:p>
-            <a:endParaRPr/>
-          </a:p>
+          <a:p/>
         </p:txBody>
       </p:sp>
       <p:sp>
         <p:nvSpPr>
           <p:cNvPr id="71" name="Google Shape;71;p11"/>
-          <p:cNvSpPr txBox="1">
-            <a:spLocks noGrp="1"/>
-          </p:cNvSpPr>
+          <p:cNvSpPr txBox="1"/>
           <p:nvPr>
-            <p:ph type="dt" idx="10"/>
+            <p:ph idx="10" type="dt"/>
           </p:nvPr>
         </p:nvSpPr>
         <p:spPr>
@@ -1562,7 +1514,7 @@
           </a:ln>
         </p:spPr>
         <p:txBody>
-          <a:bodyPr spcFirstLastPara="1" wrap="square" lIns="91425" tIns="45700" rIns="91425" bIns="45700" anchor="ctr" anchorCtr="0">
+          <a:bodyPr anchorCtr="0" anchor="ctr" bIns="45700" lIns="91425" spcFirstLastPara="1" rIns="91425" wrap="square" tIns="45700">
             <a:noAutofit/>
           </a:bodyPr>
           <a:lstStyle>
@@ -1666,19 +1618,15 @@
               <a:defRPr/>
             </a:lvl9pPr>
           </a:lstStyle>
-          <a:p>
-            <a:endParaRPr/>
-          </a:p>
+          <a:p/>
         </p:txBody>
       </p:sp>
       <p:sp>
         <p:nvSpPr>
           <p:cNvPr id="72" name="Google Shape;72;p11"/>
-          <p:cNvSpPr txBox="1">
-            <a:spLocks noGrp="1"/>
-          </p:cNvSpPr>
+          <p:cNvSpPr txBox="1"/>
           <p:nvPr>
-            <p:ph type="ftr" idx="11"/>
+            <p:ph idx="11" type="ftr"/>
           </p:nvPr>
         </p:nvSpPr>
         <p:spPr>
@@ -1695,7 +1643,7 @@
           </a:ln>
         </p:spPr>
         <p:txBody>
-          <a:bodyPr spcFirstLastPara="1" wrap="square" lIns="91425" tIns="45700" rIns="91425" bIns="45700" anchor="ctr" anchorCtr="0">
+          <a:bodyPr anchorCtr="0" anchor="ctr" bIns="45700" lIns="91425" spcFirstLastPara="1" rIns="91425" wrap="square" tIns="45700">
             <a:noAutofit/>
           </a:bodyPr>
           <a:lstStyle>
@@ -1799,19 +1747,15 @@
               <a:defRPr/>
             </a:lvl9pPr>
           </a:lstStyle>
-          <a:p>
-            <a:endParaRPr/>
-          </a:p>
+          <a:p/>
         </p:txBody>
       </p:sp>
       <p:sp>
         <p:nvSpPr>
           <p:cNvPr id="73" name="Google Shape;73;p11"/>
-          <p:cNvSpPr txBox="1">
-            <a:spLocks noGrp="1"/>
-          </p:cNvSpPr>
+          <p:cNvSpPr txBox="1"/>
           <p:nvPr>
-            <p:ph type="sldNum" idx="12"/>
+            <p:ph idx="12" type="sldNum"/>
           </p:nvPr>
         </p:nvSpPr>
         <p:spPr>
@@ -1828,67 +1772,67 @@
           </a:ln>
         </p:spPr>
         <p:txBody>
-          <a:bodyPr spcFirstLastPara="1" wrap="square" lIns="91425" tIns="45700" rIns="91425" bIns="45700" anchor="ctr" anchorCtr="0">
+          <a:bodyPr anchorCtr="0" anchor="ctr" bIns="45700" lIns="91425" spcFirstLastPara="1" rIns="91425" wrap="square" tIns="45700">
             <a:noAutofit/>
           </a:bodyPr>
           <a:lstStyle>
-            <a:lvl1pPr marL="0" lvl="0" indent="0" algn="r">
+            <a:lvl1pPr indent="0" lvl="0" marL="0" algn="r">
               <a:spcBef>
                 <a:spcPts val="0"/>
               </a:spcBef>
               <a:buNone/>
               <a:defRPr/>
             </a:lvl1pPr>
-            <a:lvl2pPr marL="0" lvl="1" indent="0" algn="r">
+            <a:lvl2pPr indent="0" lvl="1" marL="0" algn="r">
               <a:spcBef>
                 <a:spcPts val="0"/>
               </a:spcBef>
               <a:buNone/>
               <a:defRPr/>
             </a:lvl2pPr>
-            <a:lvl3pPr marL="0" lvl="2" indent="0" algn="r">
+            <a:lvl3pPr indent="0" lvl="2" marL="0" algn="r">
               <a:spcBef>
                 <a:spcPts val="0"/>
               </a:spcBef>
               <a:buNone/>
               <a:defRPr/>
             </a:lvl3pPr>
-            <a:lvl4pPr marL="0" lvl="3" indent="0" algn="r">
+            <a:lvl4pPr indent="0" lvl="3" marL="0" algn="r">
               <a:spcBef>
                 <a:spcPts val="0"/>
               </a:spcBef>
               <a:buNone/>
               <a:defRPr/>
             </a:lvl4pPr>
-            <a:lvl5pPr marL="0" lvl="4" indent="0" algn="r">
+            <a:lvl5pPr indent="0" lvl="4" marL="0" algn="r">
               <a:spcBef>
                 <a:spcPts val="0"/>
               </a:spcBef>
               <a:buNone/>
               <a:defRPr/>
             </a:lvl5pPr>
-            <a:lvl6pPr marL="0" lvl="5" indent="0" algn="r">
+            <a:lvl6pPr indent="0" lvl="5" marL="0" algn="r">
               <a:spcBef>
                 <a:spcPts val="0"/>
               </a:spcBef>
               <a:buNone/>
               <a:defRPr/>
             </a:lvl6pPr>
-            <a:lvl7pPr marL="0" lvl="6" indent="0" algn="r">
+            <a:lvl7pPr indent="0" lvl="6" marL="0" algn="r">
               <a:spcBef>
                 <a:spcPts val="0"/>
               </a:spcBef>
               <a:buNone/>
               <a:defRPr/>
             </a:lvl7pPr>
-            <a:lvl8pPr marL="0" lvl="7" indent="0" algn="r">
+            <a:lvl8pPr indent="0" lvl="7" marL="0" algn="r">
               <a:spcBef>
                 <a:spcPts val="0"/>
               </a:spcBef>
               <a:buNone/>
               <a:defRPr/>
             </a:lvl8pPr>
-            <a:lvl9pPr marL="0" lvl="8" indent="0" algn="r">
+            <a:lvl9pPr indent="0" lvl="8" marL="0" algn="r">
               <a:spcBef>
                 <a:spcPts val="0"/>
               </a:spcBef>
@@ -1897,7 +1841,7 @@
             </a:lvl9pPr>
           </a:lstStyle>
           <a:p>
-            <a:pPr marL="0" lvl="0" indent="0" algn="r" rtl="0">
+            <a:pPr indent="0" lvl="0" marL="0" rtl="0" algn="r">
               <a:spcBef>
                 <a:spcPts val="0"/>
               </a:spcBef>
@@ -1923,11 +1867,11 @@
 </file>
 
 <file path=ppt/slideLayouts/slideLayout11.xml><?xml version="1.0" encoding="utf-8"?>
-<p:sldLayout xmlns:a="http://schemas.openxmlformats.org/drawingml/2006/main" xmlns:r="http://schemas.openxmlformats.org/officeDocument/2006/relationships" xmlns:p="http://schemas.openxmlformats.org/presentationml/2006/main" matchingName="Vertical Title and Text" type="vertTitleAndTx">
+<p:sldLayout xmlns:a="http://schemas.openxmlformats.org/drawingml/2006/main" xmlns:r="http://schemas.openxmlformats.org/officeDocument/2006/relationships" xmlns:mc="http://schemas.openxmlformats.org/markup-compatibility/2006" xmlns:mv="urn:schemas-microsoft-com:mac:vml" xmlns:p="http://schemas.openxmlformats.org/presentationml/2006/main" xmlns:c="http://schemas.openxmlformats.org/drawingml/2006/chart" xmlns:dgm="http://schemas.openxmlformats.org/drawingml/2006/diagram" xmlns:o="urn:schemas-microsoft-com:office:office" xmlns:v="urn:schemas-microsoft-com:vml" xmlns:pvml="urn:schemas-microsoft-com:office:powerpoint" xmlns:com="http://schemas.openxmlformats.org/drawingml/2006/compatibility" xmlns:p14="http://schemas.microsoft.com/office/powerpoint/2010/main" xmlns:p15="http://schemas.microsoft.com/office/powerpoint/2012/main" xmlns:ahyp="http://schemas.microsoft.com/office/drawing/2018/hyperlinkcolor" matchingName="Vertical Title and Text" type="vertTitleAndTx">
   <p:cSld name="VERTICAL_TITLE_AND_VERTICAL_TEXT">
     <p:spTree>
       <p:nvGrpSpPr>
-        <p:cNvPr id="1" name="Shape 74"/>
+        <p:cNvPr id="74" name="Shape 74"/>
         <p:cNvGrpSpPr/>
         <p:nvPr/>
       </p:nvGrpSpPr>
@@ -1942,9 +1886,7 @@
       <p:sp>
         <p:nvSpPr>
           <p:cNvPr id="75" name="Google Shape;75;p12"/>
-          <p:cNvSpPr txBox="1">
-            <a:spLocks noGrp="1"/>
-          </p:cNvSpPr>
+          <p:cNvSpPr txBox="1"/>
           <p:nvPr>
             <p:ph type="title"/>
           </p:nvPr>
@@ -1963,7 +1905,7 @@
           </a:ln>
         </p:spPr>
         <p:txBody>
-          <a:bodyPr spcFirstLastPara="1" wrap="square" lIns="91425" tIns="45700" rIns="91425" bIns="45700" anchor="ctr" anchorCtr="0">
+          <a:bodyPr anchorCtr="0" anchor="ctr" bIns="45700" lIns="91425" spcFirstLastPara="1" rIns="91425" wrap="square" tIns="45700">
             <a:normAutofit/>
           </a:bodyPr>
           <a:lstStyle>
@@ -2070,19 +2012,15 @@
               <a:defRPr/>
             </a:lvl9pPr>
           </a:lstStyle>
-          <a:p>
-            <a:endParaRPr/>
-          </a:p>
+          <a:p/>
         </p:txBody>
       </p:sp>
       <p:sp>
         <p:nvSpPr>
           <p:cNvPr id="76" name="Google Shape;76;p12"/>
-          <p:cNvSpPr txBox="1">
-            <a:spLocks noGrp="1"/>
-          </p:cNvSpPr>
+          <p:cNvSpPr txBox="1"/>
           <p:nvPr>
-            <p:ph type="body" idx="1"/>
+            <p:ph idx="1" type="body"/>
           </p:nvPr>
         </p:nvSpPr>
         <p:spPr>
@@ -2099,11 +2037,11 @@
           </a:ln>
         </p:spPr>
         <p:txBody>
-          <a:bodyPr spcFirstLastPara="1" wrap="square" lIns="91425" tIns="45700" rIns="91425" bIns="45700" anchor="t" anchorCtr="0">
+          <a:bodyPr anchorCtr="0" anchor="t" bIns="45700" lIns="91425" spcFirstLastPara="1" rIns="91425" wrap="square" tIns="45700">
             <a:normAutofit/>
           </a:bodyPr>
           <a:lstStyle>
-            <a:lvl1pPr marL="457200" lvl="0" indent="-342900" algn="l">
+            <a:lvl1pPr indent="-342900" lvl="0" marL="457200" algn="l">
               <a:spcBef>
                 <a:spcPts val="360"/>
               </a:spcBef>
@@ -2117,7 +2055,7 @@
               <a:buChar char="•"/>
               <a:defRPr/>
             </a:lvl1pPr>
-            <a:lvl2pPr marL="914400" lvl="1" indent="-342900" algn="l">
+            <a:lvl2pPr indent="-342900" lvl="1" marL="914400" algn="l">
               <a:spcBef>
                 <a:spcPts val="360"/>
               </a:spcBef>
@@ -2131,7 +2069,7 @@
               <a:buChar char="–"/>
               <a:defRPr/>
             </a:lvl2pPr>
-            <a:lvl3pPr marL="1371600" lvl="2" indent="-342900" algn="l">
+            <a:lvl3pPr indent="-342900" lvl="2" marL="1371600" algn="l">
               <a:spcBef>
                 <a:spcPts val="360"/>
               </a:spcBef>
@@ -2145,7 +2083,7 @@
               <a:buChar char="•"/>
               <a:defRPr/>
             </a:lvl3pPr>
-            <a:lvl4pPr marL="1828800" lvl="3" indent="-342900" algn="l">
+            <a:lvl4pPr indent="-342900" lvl="3" marL="1828800" algn="l">
               <a:spcBef>
                 <a:spcPts val="360"/>
               </a:spcBef>
@@ -2159,7 +2097,7 @@
               <a:buChar char="–"/>
               <a:defRPr/>
             </a:lvl4pPr>
-            <a:lvl5pPr marL="2286000" lvl="4" indent="-342900" algn="l">
+            <a:lvl5pPr indent="-342900" lvl="4" marL="2286000" algn="l">
               <a:spcBef>
                 <a:spcPts val="360"/>
               </a:spcBef>
@@ -2173,7 +2111,7 @@
               <a:buChar char="»"/>
               <a:defRPr/>
             </a:lvl5pPr>
-            <a:lvl6pPr marL="2743200" lvl="5" indent="-342900" algn="l">
+            <a:lvl6pPr indent="-342900" lvl="5" marL="2743200" algn="l">
               <a:spcBef>
                 <a:spcPts val="360"/>
               </a:spcBef>
@@ -2187,7 +2125,7 @@
               <a:buChar char="•"/>
               <a:defRPr/>
             </a:lvl6pPr>
-            <a:lvl7pPr marL="3200400" lvl="6" indent="-342900" algn="l">
+            <a:lvl7pPr indent="-342900" lvl="6" marL="3200400" algn="l">
               <a:spcBef>
                 <a:spcPts val="360"/>
               </a:spcBef>
@@ -2201,7 +2139,7 @@
               <a:buChar char="•"/>
               <a:defRPr/>
             </a:lvl7pPr>
-            <a:lvl8pPr marL="3657600" lvl="7" indent="-342900" algn="l">
+            <a:lvl8pPr indent="-342900" lvl="7" marL="3657600" algn="l">
               <a:spcBef>
                 <a:spcPts val="360"/>
               </a:spcBef>
@@ -2215,7 +2153,7 @@
               <a:buChar char="•"/>
               <a:defRPr/>
             </a:lvl8pPr>
-            <a:lvl9pPr marL="4114800" lvl="8" indent="-342900" algn="l">
+            <a:lvl9pPr indent="-342900" lvl="8" marL="4114800" algn="l">
               <a:spcBef>
                 <a:spcPts val="360"/>
               </a:spcBef>
@@ -2230,19 +2168,15 @@
               <a:defRPr/>
             </a:lvl9pPr>
           </a:lstStyle>
-          <a:p>
-            <a:endParaRPr/>
-          </a:p>
+          <a:p/>
         </p:txBody>
       </p:sp>
       <p:sp>
         <p:nvSpPr>
           <p:cNvPr id="77" name="Google Shape;77;p12"/>
-          <p:cNvSpPr txBox="1">
-            <a:spLocks noGrp="1"/>
-          </p:cNvSpPr>
+          <p:cNvSpPr txBox="1"/>
           <p:nvPr>
-            <p:ph type="dt" idx="10"/>
+            <p:ph idx="10" type="dt"/>
           </p:nvPr>
         </p:nvSpPr>
         <p:spPr>
@@ -2259,7 +2193,7 @@
           </a:ln>
         </p:spPr>
         <p:txBody>
-          <a:bodyPr spcFirstLastPara="1" wrap="square" lIns="91425" tIns="45700" rIns="91425" bIns="45700" anchor="ctr" anchorCtr="0">
+          <a:bodyPr anchorCtr="0" anchor="ctr" bIns="45700" lIns="91425" spcFirstLastPara="1" rIns="91425" wrap="square" tIns="45700">
             <a:noAutofit/>
           </a:bodyPr>
           <a:lstStyle>
@@ -2363,19 +2297,15 @@
               <a:defRPr/>
             </a:lvl9pPr>
           </a:lstStyle>
-          <a:p>
-            <a:endParaRPr/>
-          </a:p>
+          <a:p/>
         </p:txBody>
       </p:sp>
       <p:sp>
         <p:nvSpPr>
           <p:cNvPr id="78" name="Google Shape;78;p12"/>
-          <p:cNvSpPr txBox="1">
-            <a:spLocks noGrp="1"/>
-          </p:cNvSpPr>
+          <p:cNvSpPr txBox="1"/>
           <p:nvPr>
-            <p:ph type="ftr" idx="11"/>
+            <p:ph idx="11" type="ftr"/>
           </p:nvPr>
         </p:nvSpPr>
         <p:spPr>
@@ -2392,7 +2322,7 @@
           </a:ln>
         </p:spPr>
         <p:txBody>
-          <a:bodyPr spcFirstLastPara="1" wrap="square" lIns="91425" tIns="45700" rIns="91425" bIns="45700" anchor="ctr" anchorCtr="0">
+          <a:bodyPr anchorCtr="0" anchor="ctr" bIns="45700" lIns="91425" spcFirstLastPara="1" rIns="91425" wrap="square" tIns="45700">
             <a:noAutofit/>
           </a:bodyPr>
           <a:lstStyle>
@@ -2496,19 +2426,15 @@
               <a:defRPr/>
             </a:lvl9pPr>
           </a:lstStyle>
-          <a:p>
-            <a:endParaRPr/>
-          </a:p>
+          <a:p/>
         </p:txBody>
       </p:sp>
       <p:sp>
         <p:nvSpPr>
           <p:cNvPr id="79" name="Google Shape;79;p12"/>
-          <p:cNvSpPr txBox="1">
-            <a:spLocks noGrp="1"/>
-          </p:cNvSpPr>
+          <p:cNvSpPr txBox="1"/>
           <p:nvPr>
-            <p:ph type="sldNum" idx="12"/>
+            <p:ph idx="12" type="sldNum"/>
           </p:nvPr>
         </p:nvSpPr>
         <p:spPr>
@@ -2525,67 +2451,67 @@
           </a:ln>
         </p:spPr>
         <p:txBody>
-          <a:bodyPr spcFirstLastPara="1" wrap="square" lIns="91425" tIns="45700" rIns="91425" bIns="45700" anchor="ctr" anchorCtr="0">
+          <a:bodyPr anchorCtr="0" anchor="ctr" bIns="45700" lIns="91425" spcFirstLastPara="1" rIns="91425" wrap="square" tIns="45700">
             <a:noAutofit/>
           </a:bodyPr>
           <a:lstStyle>
-            <a:lvl1pPr marL="0" lvl="0" indent="0" algn="r">
+            <a:lvl1pPr indent="0" lvl="0" marL="0" algn="r">
               <a:spcBef>
                 <a:spcPts val="0"/>
               </a:spcBef>
               <a:buNone/>
               <a:defRPr/>
             </a:lvl1pPr>
-            <a:lvl2pPr marL="0" lvl="1" indent="0" algn="r">
+            <a:lvl2pPr indent="0" lvl="1" marL="0" algn="r">
               <a:spcBef>
                 <a:spcPts val="0"/>
               </a:spcBef>
               <a:buNone/>
               <a:defRPr/>
             </a:lvl2pPr>
-            <a:lvl3pPr marL="0" lvl="2" indent="0" algn="r">
+            <a:lvl3pPr indent="0" lvl="2" marL="0" algn="r">
               <a:spcBef>
                 <a:spcPts val="0"/>
               </a:spcBef>
               <a:buNone/>
               <a:defRPr/>
             </a:lvl3pPr>
-            <a:lvl4pPr marL="0" lvl="3" indent="0" algn="r">
+            <a:lvl4pPr indent="0" lvl="3" marL="0" algn="r">
               <a:spcBef>
                 <a:spcPts val="0"/>
               </a:spcBef>
               <a:buNone/>
               <a:defRPr/>
             </a:lvl4pPr>
-            <a:lvl5pPr marL="0" lvl="4" indent="0" algn="r">
+            <a:lvl5pPr indent="0" lvl="4" marL="0" algn="r">
               <a:spcBef>
                 <a:spcPts val="0"/>
               </a:spcBef>
               <a:buNone/>
               <a:defRPr/>
             </a:lvl5pPr>
-            <a:lvl6pPr marL="0" lvl="5" indent="0" algn="r">
+            <a:lvl6pPr indent="0" lvl="5" marL="0" algn="r">
               <a:spcBef>
                 <a:spcPts val="0"/>
               </a:spcBef>
               <a:buNone/>
               <a:defRPr/>
             </a:lvl6pPr>
-            <a:lvl7pPr marL="0" lvl="6" indent="0" algn="r">
+            <a:lvl7pPr indent="0" lvl="6" marL="0" algn="r">
               <a:spcBef>
                 <a:spcPts val="0"/>
               </a:spcBef>
               <a:buNone/>
               <a:defRPr/>
             </a:lvl7pPr>
-            <a:lvl8pPr marL="0" lvl="7" indent="0" algn="r">
+            <a:lvl8pPr indent="0" lvl="7" marL="0" algn="r">
               <a:spcBef>
                 <a:spcPts val="0"/>
               </a:spcBef>
               <a:buNone/>
               <a:defRPr/>
             </a:lvl8pPr>
-            <a:lvl9pPr marL="0" lvl="8" indent="0" algn="r">
+            <a:lvl9pPr indent="0" lvl="8" marL="0" algn="r">
               <a:spcBef>
                 <a:spcPts val="0"/>
               </a:spcBef>
@@ -2594,7 +2520,7 @@
             </a:lvl9pPr>
           </a:lstStyle>
           <a:p>
-            <a:pPr marL="0" lvl="0" indent="0" algn="r" rtl="0">
+            <a:pPr indent="0" lvl="0" marL="0" rtl="0" algn="r">
               <a:spcBef>
                 <a:spcPts val="0"/>
               </a:spcBef>
@@ -2620,11 +2546,11 @@
 </file>
 
 <file path=ppt/slideLayouts/slideLayout2.xml><?xml version="1.0" encoding="utf-8"?>
-<p:sldLayout xmlns:a="http://schemas.openxmlformats.org/drawingml/2006/main" xmlns:r="http://schemas.openxmlformats.org/officeDocument/2006/relationships" xmlns:p="http://schemas.openxmlformats.org/presentationml/2006/main" matchingName="Title Slide" type="title">
+<p:sldLayout xmlns:a="http://schemas.openxmlformats.org/drawingml/2006/main" xmlns:r="http://schemas.openxmlformats.org/officeDocument/2006/relationships" xmlns:mc="http://schemas.openxmlformats.org/markup-compatibility/2006" xmlns:mv="urn:schemas-microsoft-com:mac:vml" xmlns:p="http://schemas.openxmlformats.org/presentationml/2006/main" xmlns:c="http://schemas.openxmlformats.org/drawingml/2006/chart" xmlns:dgm="http://schemas.openxmlformats.org/drawingml/2006/diagram" xmlns:o="urn:schemas-microsoft-com:office:office" xmlns:v="urn:schemas-microsoft-com:vml" xmlns:pvml="urn:schemas-microsoft-com:office:powerpoint" xmlns:com="http://schemas.openxmlformats.org/drawingml/2006/compatibility" xmlns:p14="http://schemas.microsoft.com/office/powerpoint/2010/main" xmlns:p15="http://schemas.microsoft.com/office/powerpoint/2012/main" xmlns:ahyp="http://schemas.microsoft.com/office/drawing/2018/hyperlinkcolor" matchingName="Title Slide" type="title">
   <p:cSld name="TITLE">
     <p:spTree>
       <p:nvGrpSpPr>
-        <p:cNvPr id="1" name="Shape 15"/>
+        <p:cNvPr id="15" name="Shape 15"/>
         <p:cNvGrpSpPr/>
         <p:nvPr/>
       </p:nvGrpSpPr>
@@ -2639,9 +2565,7 @@
       <p:sp>
         <p:nvSpPr>
           <p:cNvPr id="16" name="Google Shape;16;p3"/>
-          <p:cNvSpPr txBox="1">
-            <a:spLocks noGrp="1"/>
-          </p:cNvSpPr>
+          <p:cNvSpPr txBox="1"/>
           <p:nvPr>
             <p:ph type="ctrTitle"/>
           </p:nvPr>
@@ -2660,7 +2584,7 @@
           </a:ln>
         </p:spPr>
         <p:txBody>
-          <a:bodyPr spcFirstLastPara="1" wrap="square" lIns="91425" tIns="45700" rIns="91425" bIns="45700" anchor="ctr" anchorCtr="0">
+          <a:bodyPr anchorCtr="0" anchor="ctr" bIns="45700" lIns="91425" spcFirstLastPara="1" rIns="91425" wrap="square" tIns="45700">
             <a:normAutofit/>
           </a:bodyPr>
           <a:lstStyle>
@@ -2767,19 +2691,15 @@
               <a:defRPr/>
             </a:lvl9pPr>
           </a:lstStyle>
-          <a:p>
-            <a:endParaRPr/>
-          </a:p>
+          <a:p/>
         </p:txBody>
       </p:sp>
       <p:sp>
         <p:nvSpPr>
           <p:cNvPr id="17" name="Google Shape;17;p3"/>
-          <p:cNvSpPr txBox="1">
-            <a:spLocks noGrp="1"/>
-          </p:cNvSpPr>
+          <p:cNvSpPr txBox="1"/>
           <p:nvPr>
-            <p:ph type="subTitle" idx="1"/>
+            <p:ph idx="1" type="subTitle"/>
           </p:nvPr>
         </p:nvSpPr>
         <p:spPr>
@@ -2796,7 +2716,7 @@
           </a:ln>
         </p:spPr>
         <p:txBody>
-          <a:bodyPr spcFirstLastPara="1" wrap="square" lIns="91425" tIns="45700" rIns="91425" bIns="45700" anchor="t" anchorCtr="0">
+          <a:bodyPr anchorCtr="0" anchor="t" bIns="45700" lIns="91425" spcFirstLastPara="1" rIns="91425" wrap="square" tIns="45700">
             <a:normAutofit/>
           </a:bodyPr>
           <a:lstStyle>
@@ -2963,19 +2883,15 @@
               </a:defRPr>
             </a:lvl9pPr>
           </a:lstStyle>
-          <a:p>
-            <a:endParaRPr/>
-          </a:p>
+          <a:p/>
         </p:txBody>
       </p:sp>
       <p:sp>
         <p:nvSpPr>
           <p:cNvPr id="18" name="Google Shape;18;p3"/>
-          <p:cNvSpPr txBox="1">
-            <a:spLocks noGrp="1"/>
-          </p:cNvSpPr>
+          <p:cNvSpPr txBox="1"/>
           <p:nvPr>
-            <p:ph type="dt" idx="10"/>
+            <p:ph idx="10" type="dt"/>
           </p:nvPr>
         </p:nvSpPr>
         <p:spPr>
@@ -2992,7 +2908,7 @@
           </a:ln>
         </p:spPr>
         <p:txBody>
-          <a:bodyPr spcFirstLastPara="1" wrap="square" lIns="91425" tIns="45700" rIns="91425" bIns="45700" anchor="ctr" anchorCtr="0">
+          <a:bodyPr anchorCtr="0" anchor="ctr" bIns="45700" lIns="91425" spcFirstLastPara="1" rIns="91425" wrap="square" tIns="45700">
             <a:noAutofit/>
           </a:bodyPr>
           <a:lstStyle>
@@ -3096,19 +3012,15 @@
               <a:defRPr/>
             </a:lvl9pPr>
           </a:lstStyle>
-          <a:p>
-            <a:endParaRPr/>
-          </a:p>
+          <a:p/>
         </p:txBody>
       </p:sp>
       <p:sp>
         <p:nvSpPr>
           <p:cNvPr id="19" name="Google Shape;19;p3"/>
-          <p:cNvSpPr txBox="1">
-            <a:spLocks noGrp="1"/>
-          </p:cNvSpPr>
+          <p:cNvSpPr txBox="1"/>
           <p:nvPr>
-            <p:ph type="ftr" idx="11"/>
+            <p:ph idx="11" type="ftr"/>
           </p:nvPr>
         </p:nvSpPr>
         <p:spPr>
@@ -3125,7 +3037,7 @@
           </a:ln>
         </p:spPr>
         <p:txBody>
-          <a:bodyPr spcFirstLastPara="1" wrap="square" lIns="91425" tIns="45700" rIns="91425" bIns="45700" anchor="ctr" anchorCtr="0">
+          <a:bodyPr anchorCtr="0" anchor="ctr" bIns="45700" lIns="91425" spcFirstLastPara="1" rIns="91425" wrap="square" tIns="45700">
             <a:noAutofit/>
           </a:bodyPr>
           <a:lstStyle>
@@ -3229,19 +3141,15 @@
               <a:defRPr/>
             </a:lvl9pPr>
           </a:lstStyle>
-          <a:p>
-            <a:endParaRPr/>
-          </a:p>
+          <a:p/>
         </p:txBody>
       </p:sp>
       <p:sp>
         <p:nvSpPr>
           <p:cNvPr id="20" name="Google Shape;20;p3"/>
-          <p:cNvSpPr txBox="1">
-            <a:spLocks noGrp="1"/>
-          </p:cNvSpPr>
+          <p:cNvSpPr txBox="1"/>
           <p:nvPr>
-            <p:ph type="sldNum" idx="12"/>
+            <p:ph idx="12" type="sldNum"/>
           </p:nvPr>
         </p:nvSpPr>
         <p:spPr>
@@ -3258,67 +3166,67 @@
           </a:ln>
         </p:spPr>
         <p:txBody>
-          <a:bodyPr spcFirstLastPara="1" wrap="square" lIns="91425" tIns="45700" rIns="91425" bIns="45700" anchor="ctr" anchorCtr="0">
+          <a:bodyPr anchorCtr="0" anchor="ctr" bIns="45700" lIns="91425" spcFirstLastPara="1" rIns="91425" wrap="square" tIns="45700">
             <a:noAutofit/>
           </a:bodyPr>
           <a:lstStyle>
-            <a:lvl1pPr marL="0" lvl="0" indent="0" algn="r">
+            <a:lvl1pPr indent="0" lvl="0" marL="0" algn="r">
               <a:spcBef>
                 <a:spcPts val="0"/>
               </a:spcBef>
               <a:buNone/>
               <a:defRPr/>
             </a:lvl1pPr>
-            <a:lvl2pPr marL="0" lvl="1" indent="0" algn="r">
+            <a:lvl2pPr indent="0" lvl="1" marL="0" algn="r">
               <a:spcBef>
                 <a:spcPts val="0"/>
               </a:spcBef>
               <a:buNone/>
               <a:defRPr/>
             </a:lvl2pPr>
-            <a:lvl3pPr marL="0" lvl="2" indent="0" algn="r">
+            <a:lvl3pPr indent="0" lvl="2" marL="0" algn="r">
               <a:spcBef>
                 <a:spcPts val="0"/>
               </a:spcBef>
               <a:buNone/>
               <a:defRPr/>
             </a:lvl3pPr>
-            <a:lvl4pPr marL="0" lvl="3" indent="0" algn="r">
+            <a:lvl4pPr indent="0" lvl="3" marL="0" algn="r">
               <a:spcBef>
                 <a:spcPts val="0"/>
               </a:spcBef>
               <a:buNone/>
               <a:defRPr/>
             </a:lvl4pPr>
-            <a:lvl5pPr marL="0" lvl="4" indent="0" algn="r">
+            <a:lvl5pPr indent="0" lvl="4" marL="0" algn="r">
               <a:spcBef>
                 <a:spcPts val="0"/>
               </a:spcBef>
               <a:buNone/>
               <a:defRPr/>
             </a:lvl5pPr>
-            <a:lvl6pPr marL="0" lvl="5" indent="0" algn="r">
+            <a:lvl6pPr indent="0" lvl="5" marL="0" algn="r">
               <a:spcBef>
                 <a:spcPts val="0"/>
               </a:spcBef>
               <a:buNone/>
               <a:defRPr/>
             </a:lvl6pPr>
-            <a:lvl7pPr marL="0" lvl="6" indent="0" algn="r">
+            <a:lvl7pPr indent="0" lvl="6" marL="0" algn="r">
               <a:spcBef>
                 <a:spcPts val="0"/>
               </a:spcBef>
               <a:buNone/>
               <a:defRPr/>
             </a:lvl7pPr>
-            <a:lvl8pPr marL="0" lvl="7" indent="0" algn="r">
+            <a:lvl8pPr indent="0" lvl="7" marL="0" algn="r">
               <a:spcBef>
                 <a:spcPts val="0"/>
               </a:spcBef>
               <a:buNone/>
               <a:defRPr/>
             </a:lvl8pPr>
-            <a:lvl9pPr marL="0" lvl="8" indent="0" algn="r">
+            <a:lvl9pPr indent="0" lvl="8" marL="0" algn="r">
               <a:spcBef>
                 <a:spcPts val="0"/>
               </a:spcBef>
@@ -3327,7 +3235,7 @@
             </a:lvl9pPr>
           </a:lstStyle>
           <a:p>
-            <a:pPr marL="0" lvl="0" indent="0" algn="r" rtl="0">
+            <a:pPr indent="0" lvl="0" marL="0" rtl="0" algn="r">
               <a:spcBef>
                 <a:spcPts val="0"/>
               </a:spcBef>
@@ -3353,11 +3261,11 @@
 </file>
 
 <file path=ppt/slideLayouts/slideLayout3.xml><?xml version="1.0" encoding="utf-8"?>
-<p:sldLayout xmlns:a="http://schemas.openxmlformats.org/drawingml/2006/main" xmlns:r="http://schemas.openxmlformats.org/officeDocument/2006/relationships" xmlns:p="http://schemas.openxmlformats.org/presentationml/2006/main" matchingName="Title and Content" type="obj">
+<p:sldLayout xmlns:a="http://schemas.openxmlformats.org/drawingml/2006/main" xmlns:r="http://schemas.openxmlformats.org/officeDocument/2006/relationships" xmlns:mc="http://schemas.openxmlformats.org/markup-compatibility/2006" xmlns:mv="urn:schemas-microsoft-com:mac:vml" xmlns:p="http://schemas.openxmlformats.org/presentationml/2006/main" xmlns:c="http://schemas.openxmlformats.org/drawingml/2006/chart" xmlns:dgm="http://schemas.openxmlformats.org/drawingml/2006/diagram" xmlns:o="urn:schemas-microsoft-com:office:office" xmlns:v="urn:schemas-microsoft-com:vml" xmlns:pvml="urn:schemas-microsoft-com:office:powerpoint" xmlns:com="http://schemas.openxmlformats.org/drawingml/2006/compatibility" xmlns:p14="http://schemas.microsoft.com/office/powerpoint/2010/main" xmlns:p15="http://schemas.microsoft.com/office/powerpoint/2012/main" xmlns:ahyp="http://schemas.microsoft.com/office/drawing/2018/hyperlinkcolor" matchingName="Title and Content" type="obj">
   <p:cSld name="OBJECT">
     <p:spTree>
       <p:nvGrpSpPr>
-        <p:cNvPr id="1" name="Shape 21"/>
+        <p:cNvPr id="21" name="Shape 21"/>
         <p:cNvGrpSpPr/>
         <p:nvPr/>
       </p:nvGrpSpPr>
@@ -3372,9 +3280,7 @@
       <p:sp>
         <p:nvSpPr>
           <p:cNvPr id="22" name="Google Shape;22;p4"/>
-          <p:cNvSpPr txBox="1">
-            <a:spLocks noGrp="1"/>
-          </p:cNvSpPr>
+          <p:cNvSpPr txBox="1"/>
           <p:nvPr>
             <p:ph type="title"/>
           </p:nvPr>
@@ -3393,7 +3299,7 @@
           </a:ln>
         </p:spPr>
         <p:txBody>
-          <a:bodyPr spcFirstLastPara="1" wrap="square" lIns="91425" tIns="45700" rIns="91425" bIns="45700" anchor="ctr" anchorCtr="0">
+          <a:bodyPr anchorCtr="0" anchor="ctr" bIns="45700" lIns="91425" spcFirstLastPara="1" rIns="91425" wrap="square" tIns="45700">
             <a:normAutofit/>
           </a:bodyPr>
           <a:lstStyle>
@@ -3500,19 +3406,15 @@
               <a:defRPr/>
             </a:lvl9pPr>
           </a:lstStyle>
-          <a:p>
-            <a:endParaRPr/>
-          </a:p>
+          <a:p/>
         </p:txBody>
       </p:sp>
       <p:sp>
         <p:nvSpPr>
           <p:cNvPr id="23" name="Google Shape;23;p4"/>
-          <p:cNvSpPr txBox="1">
-            <a:spLocks noGrp="1"/>
-          </p:cNvSpPr>
+          <p:cNvSpPr txBox="1"/>
           <p:nvPr>
-            <p:ph type="body" idx="1"/>
+            <p:ph idx="1" type="body"/>
           </p:nvPr>
         </p:nvSpPr>
         <p:spPr>
@@ -3529,11 +3431,11 @@
           </a:ln>
         </p:spPr>
         <p:txBody>
-          <a:bodyPr spcFirstLastPara="1" wrap="square" lIns="91425" tIns="45700" rIns="91425" bIns="45700" anchor="t" anchorCtr="0">
+          <a:bodyPr anchorCtr="0" anchor="t" bIns="45700" lIns="91425" spcFirstLastPara="1" rIns="91425" wrap="square" tIns="45700">
             <a:normAutofit/>
           </a:bodyPr>
           <a:lstStyle>
-            <a:lvl1pPr marL="457200" lvl="0" indent="-342900" algn="l">
+            <a:lvl1pPr indent="-342900" lvl="0" marL="457200" algn="l">
               <a:spcBef>
                 <a:spcPts val="360"/>
               </a:spcBef>
@@ -3547,7 +3449,7 @@
               <a:buChar char="•"/>
               <a:defRPr/>
             </a:lvl1pPr>
-            <a:lvl2pPr marL="914400" lvl="1" indent="-342900" algn="l">
+            <a:lvl2pPr indent="-342900" lvl="1" marL="914400" algn="l">
               <a:spcBef>
                 <a:spcPts val="360"/>
               </a:spcBef>
@@ -3561,7 +3463,7 @@
               <a:buChar char="–"/>
               <a:defRPr/>
             </a:lvl2pPr>
-            <a:lvl3pPr marL="1371600" lvl="2" indent="-342900" algn="l">
+            <a:lvl3pPr indent="-342900" lvl="2" marL="1371600" algn="l">
               <a:spcBef>
                 <a:spcPts val="360"/>
               </a:spcBef>
@@ -3575,7 +3477,7 @@
               <a:buChar char="•"/>
               <a:defRPr/>
             </a:lvl3pPr>
-            <a:lvl4pPr marL="1828800" lvl="3" indent="-342900" algn="l">
+            <a:lvl4pPr indent="-342900" lvl="3" marL="1828800" algn="l">
               <a:spcBef>
                 <a:spcPts val="360"/>
               </a:spcBef>
@@ -3589,7 +3491,7 @@
               <a:buChar char="–"/>
               <a:defRPr/>
             </a:lvl4pPr>
-            <a:lvl5pPr marL="2286000" lvl="4" indent="-342900" algn="l">
+            <a:lvl5pPr indent="-342900" lvl="4" marL="2286000" algn="l">
               <a:spcBef>
                 <a:spcPts val="360"/>
               </a:spcBef>
@@ -3603,7 +3505,7 @@
               <a:buChar char="»"/>
               <a:defRPr/>
             </a:lvl5pPr>
-            <a:lvl6pPr marL="2743200" lvl="5" indent="-342900" algn="l">
+            <a:lvl6pPr indent="-342900" lvl="5" marL="2743200" algn="l">
               <a:spcBef>
                 <a:spcPts val="360"/>
               </a:spcBef>
@@ -3617,7 +3519,7 @@
               <a:buChar char="•"/>
               <a:defRPr/>
             </a:lvl6pPr>
-            <a:lvl7pPr marL="3200400" lvl="6" indent="-342900" algn="l">
+            <a:lvl7pPr indent="-342900" lvl="6" marL="3200400" algn="l">
               <a:spcBef>
                 <a:spcPts val="360"/>
               </a:spcBef>
@@ -3631,7 +3533,7 @@
               <a:buChar char="•"/>
               <a:defRPr/>
             </a:lvl7pPr>
-            <a:lvl8pPr marL="3657600" lvl="7" indent="-342900" algn="l">
+            <a:lvl8pPr indent="-342900" lvl="7" marL="3657600" algn="l">
               <a:spcBef>
                 <a:spcPts val="360"/>
               </a:spcBef>
@@ -3645,7 +3547,7 @@
               <a:buChar char="•"/>
               <a:defRPr/>
             </a:lvl8pPr>
-            <a:lvl9pPr marL="4114800" lvl="8" indent="-342900" algn="l">
+            <a:lvl9pPr indent="-342900" lvl="8" marL="4114800" algn="l">
               <a:spcBef>
                 <a:spcPts val="360"/>
               </a:spcBef>
@@ -3660,19 +3562,15 @@
               <a:defRPr/>
             </a:lvl9pPr>
           </a:lstStyle>
-          <a:p>
-            <a:endParaRPr/>
-          </a:p>
+          <a:p/>
         </p:txBody>
       </p:sp>
       <p:sp>
         <p:nvSpPr>
           <p:cNvPr id="24" name="Google Shape;24;p4"/>
-          <p:cNvSpPr txBox="1">
-            <a:spLocks noGrp="1"/>
-          </p:cNvSpPr>
+          <p:cNvSpPr txBox="1"/>
           <p:nvPr>
-            <p:ph type="dt" idx="10"/>
+            <p:ph idx="10" type="dt"/>
           </p:nvPr>
         </p:nvSpPr>
         <p:spPr>
@@ -3689,7 +3587,7 @@
           </a:ln>
         </p:spPr>
         <p:txBody>
-          <a:bodyPr spcFirstLastPara="1" wrap="square" lIns="91425" tIns="45700" rIns="91425" bIns="45700" anchor="ctr" anchorCtr="0">
+          <a:bodyPr anchorCtr="0" anchor="ctr" bIns="45700" lIns="91425" spcFirstLastPara="1" rIns="91425" wrap="square" tIns="45700">
             <a:noAutofit/>
           </a:bodyPr>
           <a:lstStyle>
@@ -3793,19 +3691,15 @@
               <a:defRPr/>
             </a:lvl9pPr>
           </a:lstStyle>
-          <a:p>
-            <a:endParaRPr/>
-          </a:p>
+          <a:p/>
         </p:txBody>
       </p:sp>
       <p:sp>
         <p:nvSpPr>
           <p:cNvPr id="25" name="Google Shape;25;p4"/>
-          <p:cNvSpPr txBox="1">
-            <a:spLocks noGrp="1"/>
-          </p:cNvSpPr>
+          <p:cNvSpPr txBox="1"/>
           <p:nvPr>
-            <p:ph type="ftr" idx="11"/>
+            <p:ph idx="11" type="ftr"/>
           </p:nvPr>
         </p:nvSpPr>
         <p:spPr>
@@ -3822,7 +3716,7 @@
           </a:ln>
         </p:spPr>
         <p:txBody>
-          <a:bodyPr spcFirstLastPara="1" wrap="square" lIns="91425" tIns="45700" rIns="91425" bIns="45700" anchor="ctr" anchorCtr="0">
+          <a:bodyPr anchorCtr="0" anchor="ctr" bIns="45700" lIns="91425" spcFirstLastPara="1" rIns="91425" wrap="square" tIns="45700">
             <a:noAutofit/>
           </a:bodyPr>
           <a:lstStyle>
@@ -3926,19 +3820,15 @@
               <a:defRPr/>
             </a:lvl9pPr>
           </a:lstStyle>
-          <a:p>
-            <a:endParaRPr/>
-          </a:p>
+          <a:p/>
         </p:txBody>
       </p:sp>
       <p:sp>
         <p:nvSpPr>
           <p:cNvPr id="26" name="Google Shape;26;p4"/>
-          <p:cNvSpPr txBox="1">
-            <a:spLocks noGrp="1"/>
-          </p:cNvSpPr>
+          <p:cNvSpPr txBox="1"/>
           <p:nvPr>
-            <p:ph type="sldNum" idx="12"/>
+            <p:ph idx="12" type="sldNum"/>
           </p:nvPr>
         </p:nvSpPr>
         <p:spPr>
@@ -3955,67 +3845,67 @@
           </a:ln>
         </p:spPr>
         <p:txBody>
-          <a:bodyPr spcFirstLastPara="1" wrap="square" lIns="91425" tIns="45700" rIns="91425" bIns="45700" anchor="ctr" anchorCtr="0">
+          <a:bodyPr anchorCtr="0" anchor="ctr" bIns="45700" lIns="91425" spcFirstLastPara="1" rIns="91425" wrap="square" tIns="45700">
             <a:noAutofit/>
           </a:bodyPr>
           <a:lstStyle>
-            <a:lvl1pPr marL="0" lvl="0" indent="0" algn="r">
+            <a:lvl1pPr indent="0" lvl="0" marL="0" algn="r">
               <a:spcBef>
                 <a:spcPts val="0"/>
               </a:spcBef>
               <a:buNone/>
               <a:defRPr/>
             </a:lvl1pPr>
-            <a:lvl2pPr marL="0" lvl="1" indent="0" algn="r">
+            <a:lvl2pPr indent="0" lvl="1" marL="0" algn="r">
               <a:spcBef>
                 <a:spcPts val="0"/>
               </a:spcBef>
               <a:buNone/>
               <a:defRPr/>
             </a:lvl2pPr>
-            <a:lvl3pPr marL="0" lvl="2" indent="0" algn="r">
+            <a:lvl3pPr indent="0" lvl="2" marL="0" algn="r">
               <a:spcBef>
                 <a:spcPts val="0"/>
               </a:spcBef>
               <a:buNone/>
               <a:defRPr/>
             </a:lvl3pPr>
-            <a:lvl4pPr marL="0" lvl="3" indent="0" algn="r">
+            <a:lvl4pPr indent="0" lvl="3" marL="0" algn="r">
               <a:spcBef>
                 <a:spcPts val="0"/>
               </a:spcBef>
               <a:buNone/>
               <a:defRPr/>
             </a:lvl4pPr>
-            <a:lvl5pPr marL="0" lvl="4" indent="0" algn="r">
+            <a:lvl5pPr indent="0" lvl="4" marL="0" algn="r">
               <a:spcBef>
                 <a:spcPts val="0"/>
               </a:spcBef>
               <a:buNone/>
               <a:defRPr/>
             </a:lvl5pPr>
-            <a:lvl6pPr marL="0" lvl="5" indent="0" algn="r">
+            <a:lvl6pPr indent="0" lvl="5" marL="0" algn="r">
               <a:spcBef>
                 <a:spcPts val="0"/>
               </a:spcBef>
               <a:buNone/>
               <a:defRPr/>
             </a:lvl6pPr>
-            <a:lvl7pPr marL="0" lvl="6" indent="0" algn="r">
+            <a:lvl7pPr indent="0" lvl="6" marL="0" algn="r">
               <a:spcBef>
                 <a:spcPts val="0"/>
               </a:spcBef>
               <a:buNone/>
               <a:defRPr/>
             </a:lvl7pPr>
-            <a:lvl8pPr marL="0" lvl="7" indent="0" algn="r">
+            <a:lvl8pPr indent="0" lvl="7" marL="0" algn="r">
               <a:spcBef>
                 <a:spcPts val="0"/>
               </a:spcBef>
               <a:buNone/>
               <a:defRPr/>
             </a:lvl8pPr>
-            <a:lvl9pPr marL="0" lvl="8" indent="0" algn="r">
+            <a:lvl9pPr indent="0" lvl="8" marL="0" algn="r">
               <a:spcBef>
                 <a:spcPts val="0"/>
               </a:spcBef>
@@ -4024,7 +3914,7 @@
             </a:lvl9pPr>
           </a:lstStyle>
           <a:p>
-            <a:pPr marL="0" lvl="0" indent="0" algn="r" rtl="0">
+            <a:pPr indent="0" lvl="0" marL="0" rtl="0" algn="r">
               <a:spcBef>
                 <a:spcPts val="0"/>
               </a:spcBef>
@@ -4050,11 +3940,11 @@
 </file>
 
 <file path=ppt/slideLayouts/slideLayout4.xml><?xml version="1.0" encoding="utf-8"?>
-<p:sldLayout xmlns:a="http://schemas.openxmlformats.org/drawingml/2006/main" xmlns:r="http://schemas.openxmlformats.org/officeDocument/2006/relationships" xmlns:p="http://schemas.openxmlformats.org/presentationml/2006/main" matchingName="Section Header" type="secHead">
+<p:sldLayout xmlns:a="http://schemas.openxmlformats.org/drawingml/2006/main" xmlns:r="http://schemas.openxmlformats.org/officeDocument/2006/relationships" xmlns:mc="http://schemas.openxmlformats.org/markup-compatibility/2006" xmlns:mv="urn:schemas-microsoft-com:mac:vml" xmlns:p="http://schemas.openxmlformats.org/presentationml/2006/main" xmlns:c="http://schemas.openxmlformats.org/drawingml/2006/chart" xmlns:dgm="http://schemas.openxmlformats.org/drawingml/2006/diagram" xmlns:o="urn:schemas-microsoft-com:office:office" xmlns:v="urn:schemas-microsoft-com:vml" xmlns:pvml="urn:schemas-microsoft-com:office:powerpoint" xmlns:com="http://schemas.openxmlformats.org/drawingml/2006/compatibility" xmlns:p14="http://schemas.microsoft.com/office/powerpoint/2010/main" xmlns:p15="http://schemas.microsoft.com/office/powerpoint/2012/main" xmlns:ahyp="http://schemas.microsoft.com/office/drawing/2018/hyperlinkcolor" matchingName="Section Header" type="secHead">
   <p:cSld name="SECTION_HEADER">
     <p:spTree>
       <p:nvGrpSpPr>
-        <p:cNvPr id="1" name="Shape 27"/>
+        <p:cNvPr id="27" name="Shape 27"/>
         <p:cNvGrpSpPr/>
         <p:nvPr/>
       </p:nvGrpSpPr>
@@ -4069,9 +3959,7 @@
       <p:sp>
         <p:nvSpPr>
           <p:cNvPr id="28" name="Google Shape;28;p5"/>
-          <p:cNvSpPr txBox="1">
-            <a:spLocks noGrp="1"/>
-          </p:cNvSpPr>
+          <p:cNvSpPr txBox="1"/>
           <p:nvPr>
             <p:ph type="title"/>
           </p:nvPr>
@@ -4090,7 +3978,7 @@
           </a:ln>
         </p:spPr>
         <p:txBody>
-          <a:bodyPr spcFirstLastPara="1" wrap="square" lIns="91425" tIns="45700" rIns="91425" bIns="45700" anchor="t" anchorCtr="0">
+          <a:bodyPr anchorCtr="0" anchor="t" bIns="45700" lIns="91425" spcFirstLastPara="1" rIns="91425" wrap="square" tIns="45700">
             <a:normAutofit/>
           </a:bodyPr>
           <a:lstStyle>
@@ -4107,7 +3995,7 @@
               <a:buSzPts val="4000"/>
               <a:buFont typeface="Calibri"/>
               <a:buNone/>
-              <a:defRPr sz="4000" b="1" cap="none"/>
+              <a:defRPr b="1" sz="4000" cap="none"/>
             </a:lvl1pPr>
             <a:lvl2pPr lvl="1">
               <a:spcBef>
@@ -4198,19 +4086,15 @@
               <a:defRPr/>
             </a:lvl9pPr>
           </a:lstStyle>
-          <a:p>
-            <a:endParaRPr/>
-          </a:p>
+          <a:p/>
         </p:txBody>
       </p:sp>
       <p:sp>
         <p:nvSpPr>
           <p:cNvPr id="29" name="Google Shape;29;p5"/>
-          <p:cNvSpPr txBox="1">
-            <a:spLocks noGrp="1"/>
-          </p:cNvSpPr>
+          <p:cNvSpPr txBox="1"/>
           <p:nvPr>
-            <p:ph type="body" idx="1"/>
+            <p:ph idx="1" type="body"/>
           </p:nvPr>
         </p:nvSpPr>
         <p:spPr>
@@ -4227,11 +4111,11 @@
           </a:ln>
         </p:spPr>
         <p:txBody>
-          <a:bodyPr spcFirstLastPara="1" wrap="square" lIns="91425" tIns="45700" rIns="91425" bIns="45700" anchor="b" anchorCtr="0">
+          <a:bodyPr anchorCtr="0" anchor="b" bIns="45700" lIns="91425" spcFirstLastPara="1" rIns="91425" wrap="square" tIns="45700">
             <a:normAutofit/>
           </a:bodyPr>
           <a:lstStyle>
-            <a:lvl1pPr marL="457200" lvl="0" indent="-228600" algn="l">
+            <a:lvl1pPr indent="-228600" lvl="0" marL="457200" algn="l">
               <a:spcBef>
                 <a:spcPts val="400"/>
               </a:spcBef>
@@ -4249,7 +4133,7 @@
                 </a:solidFill>
               </a:defRPr>
             </a:lvl1pPr>
-            <a:lvl2pPr marL="914400" lvl="1" indent="-228600" algn="l">
+            <a:lvl2pPr indent="-228600" lvl="1" marL="914400" algn="l">
               <a:spcBef>
                 <a:spcPts val="360"/>
               </a:spcBef>
@@ -4267,7 +4151,7 @@
                 </a:solidFill>
               </a:defRPr>
             </a:lvl2pPr>
-            <a:lvl3pPr marL="1371600" lvl="2" indent="-228600" algn="l">
+            <a:lvl3pPr indent="-228600" lvl="2" marL="1371600" algn="l">
               <a:spcBef>
                 <a:spcPts val="320"/>
               </a:spcBef>
@@ -4285,7 +4169,7 @@
                 </a:solidFill>
               </a:defRPr>
             </a:lvl3pPr>
-            <a:lvl4pPr marL="1828800" lvl="3" indent="-228600" algn="l">
+            <a:lvl4pPr indent="-228600" lvl="3" marL="1828800" algn="l">
               <a:spcBef>
                 <a:spcPts val="280"/>
               </a:spcBef>
@@ -4303,7 +4187,7 @@
                 </a:solidFill>
               </a:defRPr>
             </a:lvl4pPr>
-            <a:lvl5pPr marL="2286000" lvl="4" indent="-228600" algn="l">
+            <a:lvl5pPr indent="-228600" lvl="4" marL="2286000" algn="l">
               <a:spcBef>
                 <a:spcPts val="280"/>
               </a:spcBef>
@@ -4321,7 +4205,7 @@
                 </a:solidFill>
               </a:defRPr>
             </a:lvl5pPr>
-            <a:lvl6pPr marL="2743200" lvl="5" indent="-228600" algn="l">
+            <a:lvl6pPr indent="-228600" lvl="5" marL="2743200" algn="l">
               <a:spcBef>
                 <a:spcPts val="280"/>
               </a:spcBef>
@@ -4339,7 +4223,7 @@
                 </a:solidFill>
               </a:defRPr>
             </a:lvl6pPr>
-            <a:lvl7pPr marL="3200400" lvl="6" indent="-228600" algn="l">
+            <a:lvl7pPr indent="-228600" lvl="6" marL="3200400" algn="l">
               <a:spcBef>
                 <a:spcPts val="280"/>
               </a:spcBef>
@@ -4357,7 +4241,7 @@
                 </a:solidFill>
               </a:defRPr>
             </a:lvl7pPr>
-            <a:lvl8pPr marL="3657600" lvl="7" indent="-228600" algn="l">
+            <a:lvl8pPr indent="-228600" lvl="7" marL="3657600" algn="l">
               <a:spcBef>
                 <a:spcPts val="280"/>
               </a:spcBef>
@@ -4375,7 +4259,7 @@
                 </a:solidFill>
               </a:defRPr>
             </a:lvl8pPr>
-            <a:lvl9pPr marL="4114800" lvl="8" indent="-228600" algn="l">
+            <a:lvl9pPr indent="-228600" lvl="8" marL="4114800" algn="l">
               <a:spcBef>
                 <a:spcPts val="280"/>
               </a:spcBef>
@@ -4394,19 +4278,15 @@
               </a:defRPr>
             </a:lvl9pPr>
           </a:lstStyle>
-          <a:p>
-            <a:endParaRPr/>
-          </a:p>
+          <a:p/>
         </p:txBody>
       </p:sp>
       <p:sp>
         <p:nvSpPr>
           <p:cNvPr id="30" name="Google Shape;30;p5"/>
-          <p:cNvSpPr txBox="1">
-            <a:spLocks noGrp="1"/>
-          </p:cNvSpPr>
+          <p:cNvSpPr txBox="1"/>
           <p:nvPr>
-            <p:ph type="dt" idx="10"/>
+            <p:ph idx="10" type="dt"/>
           </p:nvPr>
         </p:nvSpPr>
         <p:spPr>
@@ -4423,7 +4303,7 @@
           </a:ln>
         </p:spPr>
         <p:txBody>
-          <a:bodyPr spcFirstLastPara="1" wrap="square" lIns="91425" tIns="45700" rIns="91425" bIns="45700" anchor="ctr" anchorCtr="0">
+          <a:bodyPr anchorCtr="0" anchor="ctr" bIns="45700" lIns="91425" spcFirstLastPara="1" rIns="91425" wrap="square" tIns="45700">
             <a:noAutofit/>
           </a:bodyPr>
           <a:lstStyle>
@@ -4527,19 +4407,15 @@
               <a:defRPr/>
             </a:lvl9pPr>
           </a:lstStyle>
-          <a:p>
-            <a:endParaRPr/>
-          </a:p>
+          <a:p/>
         </p:txBody>
       </p:sp>
       <p:sp>
         <p:nvSpPr>
           <p:cNvPr id="31" name="Google Shape;31;p5"/>
-          <p:cNvSpPr txBox="1">
-            <a:spLocks noGrp="1"/>
-          </p:cNvSpPr>
+          <p:cNvSpPr txBox="1"/>
           <p:nvPr>
-            <p:ph type="ftr" idx="11"/>
+            <p:ph idx="11" type="ftr"/>
           </p:nvPr>
         </p:nvSpPr>
         <p:spPr>
@@ -4556,7 +4432,7 @@
           </a:ln>
         </p:spPr>
         <p:txBody>
-          <a:bodyPr spcFirstLastPara="1" wrap="square" lIns="91425" tIns="45700" rIns="91425" bIns="45700" anchor="ctr" anchorCtr="0">
+          <a:bodyPr anchorCtr="0" anchor="ctr" bIns="45700" lIns="91425" spcFirstLastPara="1" rIns="91425" wrap="square" tIns="45700">
             <a:noAutofit/>
           </a:bodyPr>
           <a:lstStyle>
@@ -4660,19 +4536,15 @@
               <a:defRPr/>
             </a:lvl9pPr>
           </a:lstStyle>
-          <a:p>
-            <a:endParaRPr/>
-          </a:p>
+          <a:p/>
         </p:txBody>
       </p:sp>
       <p:sp>
         <p:nvSpPr>
           <p:cNvPr id="32" name="Google Shape;32;p5"/>
-          <p:cNvSpPr txBox="1">
-            <a:spLocks noGrp="1"/>
-          </p:cNvSpPr>
+          <p:cNvSpPr txBox="1"/>
           <p:nvPr>
-            <p:ph type="sldNum" idx="12"/>
+            <p:ph idx="12" type="sldNum"/>
           </p:nvPr>
         </p:nvSpPr>
         <p:spPr>
@@ -4689,67 +4561,67 @@
           </a:ln>
         </p:spPr>
         <p:txBody>
-          <a:bodyPr spcFirstLastPara="1" wrap="square" lIns="91425" tIns="45700" rIns="91425" bIns="45700" anchor="ctr" anchorCtr="0">
+          <a:bodyPr anchorCtr="0" anchor="ctr" bIns="45700" lIns="91425" spcFirstLastPara="1" rIns="91425" wrap="square" tIns="45700">
             <a:noAutofit/>
           </a:bodyPr>
           <a:lstStyle>
-            <a:lvl1pPr marL="0" lvl="0" indent="0" algn="r">
+            <a:lvl1pPr indent="0" lvl="0" marL="0" algn="r">
               <a:spcBef>
                 <a:spcPts val="0"/>
               </a:spcBef>
               <a:buNone/>
               <a:defRPr/>
             </a:lvl1pPr>
-            <a:lvl2pPr marL="0" lvl="1" indent="0" algn="r">
+            <a:lvl2pPr indent="0" lvl="1" marL="0" algn="r">
               <a:spcBef>
                 <a:spcPts val="0"/>
               </a:spcBef>
               <a:buNone/>
               <a:defRPr/>
             </a:lvl2pPr>
-            <a:lvl3pPr marL="0" lvl="2" indent="0" algn="r">
+            <a:lvl3pPr indent="0" lvl="2" marL="0" algn="r">
               <a:spcBef>
                 <a:spcPts val="0"/>
               </a:spcBef>
               <a:buNone/>
               <a:defRPr/>
             </a:lvl3pPr>
-            <a:lvl4pPr marL="0" lvl="3" indent="0" algn="r">
+            <a:lvl4pPr indent="0" lvl="3" marL="0" algn="r">
               <a:spcBef>
                 <a:spcPts val="0"/>
               </a:spcBef>
               <a:buNone/>
               <a:defRPr/>
             </a:lvl4pPr>
-            <a:lvl5pPr marL="0" lvl="4" indent="0" algn="r">
+            <a:lvl5pPr indent="0" lvl="4" marL="0" algn="r">
               <a:spcBef>
                 <a:spcPts val="0"/>
               </a:spcBef>
               <a:buNone/>
               <a:defRPr/>
             </a:lvl5pPr>
-            <a:lvl6pPr marL="0" lvl="5" indent="0" algn="r">
+            <a:lvl6pPr indent="0" lvl="5" marL="0" algn="r">
               <a:spcBef>
                 <a:spcPts val="0"/>
               </a:spcBef>
               <a:buNone/>
               <a:defRPr/>
             </a:lvl6pPr>
-            <a:lvl7pPr marL="0" lvl="6" indent="0" algn="r">
+            <a:lvl7pPr indent="0" lvl="6" marL="0" algn="r">
               <a:spcBef>
                 <a:spcPts val="0"/>
               </a:spcBef>
               <a:buNone/>
               <a:defRPr/>
             </a:lvl7pPr>
-            <a:lvl8pPr marL="0" lvl="7" indent="0" algn="r">
+            <a:lvl8pPr indent="0" lvl="7" marL="0" algn="r">
               <a:spcBef>
                 <a:spcPts val="0"/>
               </a:spcBef>
               <a:buNone/>
               <a:defRPr/>
             </a:lvl8pPr>
-            <a:lvl9pPr marL="0" lvl="8" indent="0" algn="r">
+            <a:lvl9pPr indent="0" lvl="8" marL="0" algn="r">
               <a:spcBef>
                 <a:spcPts val="0"/>
               </a:spcBef>
@@ -4758,7 +4630,7 @@
             </a:lvl9pPr>
           </a:lstStyle>
           <a:p>
-            <a:pPr marL="0" lvl="0" indent="0" algn="r" rtl="0">
+            <a:pPr indent="0" lvl="0" marL="0" rtl="0" algn="r">
               <a:spcBef>
                 <a:spcPts val="0"/>
               </a:spcBef>
@@ -4784,11 +4656,11 @@
 </file>
 
 <file path=ppt/slideLayouts/slideLayout5.xml><?xml version="1.0" encoding="utf-8"?>
-<p:sldLayout xmlns:a="http://schemas.openxmlformats.org/drawingml/2006/main" xmlns:r="http://schemas.openxmlformats.org/officeDocument/2006/relationships" xmlns:p="http://schemas.openxmlformats.org/presentationml/2006/main" matchingName="Two Content" type="twoObj">
+<p:sldLayout xmlns:a="http://schemas.openxmlformats.org/drawingml/2006/main" xmlns:r="http://schemas.openxmlformats.org/officeDocument/2006/relationships" xmlns:mc="http://schemas.openxmlformats.org/markup-compatibility/2006" xmlns:mv="urn:schemas-microsoft-com:mac:vml" xmlns:p="http://schemas.openxmlformats.org/presentationml/2006/main" xmlns:c="http://schemas.openxmlformats.org/drawingml/2006/chart" xmlns:dgm="http://schemas.openxmlformats.org/drawingml/2006/diagram" xmlns:o="urn:schemas-microsoft-com:office:office" xmlns:v="urn:schemas-microsoft-com:vml" xmlns:pvml="urn:schemas-microsoft-com:office:powerpoint" xmlns:com="http://schemas.openxmlformats.org/drawingml/2006/compatibility" xmlns:p14="http://schemas.microsoft.com/office/powerpoint/2010/main" xmlns:p15="http://schemas.microsoft.com/office/powerpoint/2012/main" xmlns:ahyp="http://schemas.microsoft.com/office/drawing/2018/hyperlinkcolor" matchingName="Two Content" type="twoObj">
   <p:cSld name="TWO_OBJECTS">
     <p:spTree>
       <p:nvGrpSpPr>
-        <p:cNvPr id="1" name="Shape 33"/>
+        <p:cNvPr id="33" name="Shape 33"/>
         <p:cNvGrpSpPr/>
         <p:nvPr/>
       </p:nvGrpSpPr>
@@ -4803,9 +4675,7 @@
       <p:sp>
         <p:nvSpPr>
           <p:cNvPr id="34" name="Google Shape;34;p6"/>
-          <p:cNvSpPr txBox="1">
-            <a:spLocks noGrp="1"/>
-          </p:cNvSpPr>
+          <p:cNvSpPr txBox="1"/>
           <p:nvPr>
             <p:ph type="title"/>
           </p:nvPr>
@@ -4824,7 +4694,7 @@
           </a:ln>
         </p:spPr>
         <p:txBody>
-          <a:bodyPr spcFirstLastPara="1" wrap="square" lIns="91425" tIns="45700" rIns="91425" bIns="45700" anchor="ctr" anchorCtr="0">
+          <a:bodyPr anchorCtr="0" anchor="ctr" bIns="45700" lIns="91425" spcFirstLastPara="1" rIns="91425" wrap="square" tIns="45700">
             <a:normAutofit/>
           </a:bodyPr>
           <a:lstStyle>
@@ -4931,19 +4801,15 @@
               <a:defRPr/>
             </a:lvl9pPr>
           </a:lstStyle>
-          <a:p>
-            <a:endParaRPr/>
-          </a:p>
+          <a:p/>
         </p:txBody>
       </p:sp>
       <p:sp>
         <p:nvSpPr>
           <p:cNvPr id="35" name="Google Shape;35;p6"/>
-          <p:cNvSpPr txBox="1">
-            <a:spLocks noGrp="1"/>
-          </p:cNvSpPr>
+          <p:cNvSpPr txBox="1"/>
           <p:nvPr>
-            <p:ph type="body" idx="1"/>
+            <p:ph idx="1" type="body"/>
           </p:nvPr>
         </p:nvSpPr>
         <p:spPr>
@@ -4960,11 +4826,11 @@
           </a:ln>
         </p:spPr>
         <p:txBody>
-          <a:bodyPr spcFirstLastPara="1" wrap="square" lIns="91425" tIns="45700" rIns="91425" bIns="45700" anchor="t" anchorCtr="0">
+          <a:bodyPr anchorCtr="0" anchor="t" bIns="45700" lIns="91425" spcFirstLastPara="1" rIns="91425" wrap="square" tIns="45700">
             <a:normAutofit/>
           </a:bodyPr>
           <a:lstStyle>
-            <a:lvl1pPr marL="457200" lvl="0" indent="-406400" algn="l">
+            <a:lvl1pPr indent="-406400" lvl="0" marL="457200" algn="l">
               <a:spcBef>
                 <a:spcPts val="560"/>
               </a:spcBef>
@@ -4978,7 +4844,7 @@
               <a:buChar char="•"/>
               <a:defRPr sz="2800"/>
             </a:lvl1pPr>
-            <a:lvl2pPr marL="914400" lvl="1" indent="-381000" algn="l">
+            <a:lvl2pPr indent="-381000" lvl="1" marL="914400" algn="l">
               <a:spcBef>
                 <a:spcPts val="480"/>
               </a:spcBef>
@@ -4992,7 +4858,7 @@
               <a:buChar char="–"/>
               <a:defRPr sz="2400"/>
             </a:lvl2pPr>
-            <a:lvl3pPr marL="1371600" lvl="2" indent="-355600" algn="l">
+            <a:lvl3pPr indent="-355600" lvl="2" marL="1371600" algn="l">
               <a:spcBef>
                 <a:spcPts val="400"/>
               </a:spcBef>
@@ -5006,7 +4872,7 @@
               <a:buChar char="•"/>
               <a:defRPr sz="2000"/>
             </a:lvl3pPr>
-            <a:lvl4pPr marL="1828800" lvl="3" indent="-342900" algn="l">
+            <a:lvl4pPr indent="-342900" lvl="3" marL="1828800" algn="l">
               <a:spcBef>
                 <a:spcPts val="360"/>
               </a:spcBef>
@@ -5020,7 +4886,7 @@
               <a:buChar char="–"/>
               <a:defRPr sz="1800"/>
             </a:lvl4pPr>
-            <a:lvl5pPr marL="2286000" lvl="4" indent="-342900" algn="l">
+            <a:lvl5pPr indent="-342900" lvl="4" marL="2286000" algn="l">
               <a:spcBef>
                 <a:spcPts val="360"/>
               </a:spcBef>
@@ -5034,7 +4900,7 @@
               <a:buChar char="»"/>
               <a:defRPr sz="1800"/>
             </a:lvl5pPr>
-            <a:lvl6pPr marL="2743200" lvl="5" indent="-342900" algn="l">
+            <a:lvl6pPr indent="-342900" lvl="5" marL="2743200" algn="l">
               <a:spcBef>
                 <a:spcPts val="360"/>
               </a:spcBef>
@@ -5048,7 +4914,7 @@
               <a:buChar char="•"/>
               <a:defRPr sz="1800"/>
             </a:lvl6pPr>
-            <a:lvl7pPr marL="3200400" lvl="6" indent="-342900" algn="l">
+            <a:lvl7pPr indent="-342900" lvl="6" marL="3200400" algn="l">
               <a:spcBef>
                 <a:spcPts val="360"/>
               </a:spcBef>
@@ -5062,7 +4928,7 @@
               <a:buChar char="•"/>
               <a:defRPr sz="1800"/>
             </a:lvl7pPr>
-            <a:lvl8pPr marL="3657600" lvl="7" indent="-342900" algn="l">
+            <a:lvl8pPr indent="-342900" lvl="7" marL="3657600" algn="l">
               <a:spcBef>
                 <a:spcPts val="360"/>
               </a:spcBef>
@@ -5076,7 +4942,7 @@
               <a:buChar char="•"/>
               <a:defRPr sz="1800"/>
             </a:lvl8pPr>
-            <a:lvl9pPr marL="4114800" lvl="8" indent="-342900" algn="l">
+            <a:lvl9pPr indent="-342900" lvl="8" marL="4114800" algn="l">
               <a:spcBef>
                 <a:spcPts val="360"/>
               </a:spcBef>
@@ -5091,19 +4957,15 @@
               <a:defRPr sz="1800"/>
             </a:lvl9pPr>
           </a:lstStyle>
-          <a:p>
-            <a:endParaRPr/>
-          </a:p>
+          <a:p/>
         </p:txBody>
       </p:sp>
       <p:sp>
         <p:nvSpPr>
           <p:cNvPr id="36" name="Google Shape;36;p6"/>
-          <p:cNvSpPr txBox="1">
-            <a:spLocks noGrp="1"/>
-          </p:cNvSpPr>
+          <p:cNvSpPr txBox="1"/>
           <p:nvPr>
-            <p:ph type="body" idx="2"/>
+            <p:ph idx="2" type="body"/>
           </p:nvPr>
         </p:nvSpPr>
         <p:spPr>
@@ -5120,11 +4982,11 @@
           </a:ln>
         </p:spPr>
         <p:txBody>
-          <a:bodyPr spcFirstLastPara="1" wrap="square" lIns="91425" tIns="45700" rIns="91425" bIns="45700" anchor="t" anchorCtr="0">
+          <a:bodyPr anchorCtr="0" anchor="t" bIns="45700" lIns="91425" spcFirstLastPara="1" rIns="91425" wrap="square" tIns="45700">
             <a:normAutofit/>
           </a:bodyPr>
           <a:lstStyle>
-            <a:lvl1pPr marL="457200" lvl="0" indent="-406400" algn="l">
+            <a:lvl1pPr indent="-406400" lvl="0" marL="457200" algn="l">
               <a:spcBef>
                 <a:spcPts val="560"/>
               </a:spcBef>
@@ -5138,7 +5000,7 @@
               <a:buChar char="•"/>
               <a:defRPr sz="2800"/>
             </a:lvl1pPr>
-            <a:lvl2pPr marL="914400" lvl="1" indent="-381000" algn="l">
+            <a:lvl2pPr indent="-381000" lvl="1" marL="914400" algn="l">
               <a:spcBef>
                 <a:spcPts val="480"/>
               </a:spcBef>
@@ -5152,7 +5014,7 @@
               <a:buChar char="–"/>
               <a:defRPr sz="2400"/>
             </a:lvl2pPr>
-            <a:lvl3pPr marL="1371600" lvl="2" indent="-355600" algn="l">
+            <a:lvl3pPr indent="-355600" lvl="2" marL="1371600" algn="l">
               <a:spcBef>
                 <a:spcPts val="400"/>
               </a:spcBef>
@@ -5166,7 +5028,7 @@
               <a:buChar char="•"/>
               <a:defRPr sz="2000"/>
             </a:lvl3pPr>
-            <a:lvl4pPr marL="1828800" lvl="3" indent="-342900" algn="l">
+            <a:lvl4pPr indent="-342900" lvl="3" marL="1828800" algn="l">
               <a:spcBef>
                 <a:spcPts val="360"/>
               </a:spcBef>
@@ -5180,7 +5042,7 @@
               <a:buChar char="–"/>
               <a:defRPr sz="1800"/>
             </a:lvl4pPr>
-            <a:lvl5pPr marL="2286000" lvl="4" indent="-342900" algn="l">
+            <a:lvl5pPr indent="-342900" lvl="4" marL="2286000" algn="l">
               <a:spcBef>
                 <a:spcPts val="360"/>
               </a:spcBef>
@@ -5194,7 +5056,7 @@
               <a:buChar char="»"/>
               <a:defRPr sz="1800"/>
             </a:lvl5pPr>
-            <a:lvl6pPr marL="2743200" lvl="5" indent="-342900" algn="l">
+            <a:lvl6pPr indent="-342900" lvl="5" marL="2743200" algn="l">
               <a:spcBef>
                 <a:spcPts val="360"/>
               </a:spcBef>
@@ -5208,7 +5070,7 @@
               <a:buChar char="•"/>
               <a:defRPr sz="1800"/>
             </a:lvl6pPr>
-            <a:lvl7pPr marL="3200400" lvl="6" indent="-342900" algn="l">
+            <a:lvl7pPr indent="-342900" lvl="6" marL="3200400" algn="l">
               <a:spcBef>
                 <a:spcPts val="360"/>
               </a:spcBef>
@@ -5222,7 +5084,7 @@
               <a:buChar char="•"/>
               <a:defRPr sz="1800"/>
             </a:lvl7pPr>
-            <a:lvl8pPr marL="3657600" lvl="7" indent="-342900" algn="l">
+            <a:lvl8pPr indent="-342900" lvl="7" marL="3657600" algn="l">
               <a:spcBef>
                 <a:spcPts val="360"/>
               </a:spcBef>
@@ -5236,7 +5098,7 @@
               <a:buChar char="•"/>
               <a:defRPr sz="1800"/>
             </a:lvl8pPr>
-            <a:lvl9pPr marL="4114800" lvl="8" indent="-342900" algn="l">
+            <a:lvl9pPr indent="-342900" lvl="8" marL="4114800" algn="l">
               <a:spcBef>
                 <a:spcPts val="360"/>
               </a:spcBef>
@@ -5251,19 +5113,15 @@
               <a:defRPr sz="1800"/>
             </a:lvl9pPr>
           </a:lstStyle>
-          <a:p>
-            <a:endParaRPr/>
-          </a:p>
+          <a:p/>
         </p:txBody>
       </p:sp>
       <p:sp>
         <p:nvSpPr>
           <p:cNvPr id="37" name="Google Shape;37;p6"/>
-          <p:cNvSpPr txBox="1">
-            <a:spLocks noGrp="1"/>
-          </p:cNvSpPr>
+          <p:cNvSpPr txBox="1"/>
           <p:nvPr>
-            <p:ph type="dt" idx="10"/>
+            <p:ph idx="10" type="dt"/>
           </p:nvPr>
         </p:nvSpPr>
         <p:spPr>
@@ -5280,7 +5138,7 @@
           </a:ln>
         </p:spPr>
         <p:txBody>
-          <a:bodyPr spcFirstLastPara="1" wrap="square" lIns="91425" tIns="45700" rIns="91425" bIns="45700" anchor="ctr" anchorCtr="0">
+          <a:bodyPr anchorCtr="0" anchor="ctr" bIns="45700" lIns="91425" spcFirstLastPara="1" rIns="91425" wrap="square" tIns="45700">
             <a:noAutofit/>
           </a:bodyPr>
           <a:lstStyle>
@@ -5384,19 +5242,15 @@
               <a:defRPr/>
             </a:lvl9pPr>
           </a:lstStyle>
-          <a:p>
-            <a:endParaRPr/>
-          </a:p>
+          <a:p/>
         </p:txBody>
       </p:sp>
       <p:sp>
         <p:nvSpPr>
           <p:cNvPr id="38" name="Google Shape;38;p6"/>
-          <p:cNvSpPr txBox="1">
-            <a:spLocks noGrp="1"/>
-          </p:cNvSpPr>
+          <p:cNvSpPr txBox="1"/>
           <p:nvPr>
-            <p:ph type="ftr" idx="11"/>
+            <p:ph idx="11" type="ftr"/>
           </p:nvPr>
         </p:nvSpPr>
         <p:spPr>
@@ -5413,7 +5267,7 @@
           </a:ln>
         </p:spPr>
         <p:txBody>
-          <a:bodyPr spcFirstLastPara="1" wrap="square" lIns="91425" tIns="45700" rIns="91425" bIns="45700" anchor="ctr" anchorCtr="0">
+          <a:bodyPr anchorCtr="0" anchor="ctr" bIns="45700" lIns="91425" spcFirstLastPara="1" rIns="91425" wrap="square" tIns="45700">
             <a:noAutofit/>
           </a:bodyPr>
           <a:lstStyle>
@@ -5517,19 +5371,15 @@
               <a:defRPr/>
             </a:lvl9pPr>
           </a:lstStyle>
-          <a:p>
-            <a:endParaRPr/>
-          </a:p>
+          <a:p/>
         </p:txBody>
       </p:sp>
       <p:sp>
         <p:nvSpPr>
           <p:cNvPr id="39" name="Google Shape;39;p6"/>
-          <p:cNvSpPr txBox="1">
-            <a:spLocks noGrp="1"/>
-          </p:cNvSpPr>
+          <p:cNvSpPr txBox="1"/>
           <p:nvPr>
-            <p:ph type="sldNum" idx="12"/>
+            <p:ph idx="12" type="sldNum"/>
           </p:nvPr>
         </p:nvSpPr>
         <p:spPr>
@@ -5546,67 +5396,67 @@
           </a:ln>
         </p:spPr>
         <p:txBody>
-          <a:bodyPr spcFirstLastPara="1" wrap="square" lIns="91425" tIns="45700" rIns="91425" bIns="45700" anchor="ctr" anchorCtr="0">
+          <a:bodyPr anchorCtr="0" anchor="ctr" bIns="45700" lIns="91425" spcFirstLastPara="1" rIns="91425" wrap="square" tIns="45700">
             <a:noAutofit/>
           </a:bodyPr>
           <a:lstStyle>
-            <a:lvl1pPr marL="0" lvl="0" indent="0" algn="r">
+            <a:lvl1pPr indent="0" lvl="0" marL="0" algn="r">
               <a:spcBef>
                 <a:spcPts val="0"/>
               </a:spcBef>
               <a:buNone/>
               <a:defRPr/>
             </a:lvl1pPr>
-            <a:lvl2pPr marL="0" lvl="1" indent="0" algn="r">
+            <a:lvl2pPr indent="0" lvl="1" marL="0" algn="r">
               <a:spcBef>
                 <a:spcPts val="0"/>
               </a:spcBef>
               <a:buNone/>
               <a:defRPr/>
             </a:lvl2pPr>
-            <a:lvl3pPr marL="0" lvl="2" indent="0" algn="r">
+            <a:lvl3pPr indent="0" lvl="2" marL="0" algn="r">
               <a:spcBef>
                 <a:spcPts val="0"/>
               </a:spcBef>
               <a:buNone/>
               <a:defRPr/>
             </a:lvl3pPr>
-            <a:lvl4pPr marL="0" lvl="3" indent="0" algn="r">
+            <a:lvl4pPr indent="0" lvl="3" marL="0" algn="r">
               <a:spcBef>
                 <a:spcPts val="0"/>
               </a:spcBef>
               <a:buNone/>
               <a:defRPr/>
             </a:lvl4pPr>
-            <a:lvl5pPr marL="0" lvl="4" indent="0" algn="r">
+            <a:lvl5pPr indent="0" lvl="4" marL="0" algn="r">
               <a:spcBef>
                 <a:spcPts val="0"/>
               </a:spcBef>
               <a:buNone/>
               <a:defRPr/>
             </a:lvl5pPr>
-            <a:lvl6pPr marL="0" lvl="5" indent="0" algn="r">
+            <a:lvl6pPr indent="0" lvl="5" marL="0" algn="r">
               <a:spcBef>
                 <a:spcPts val="0"/>
               </a:spcBef>
               <a:buNone/>
               <a:defRPr/>
             </a:lvl6pPr>
-            <a:lvl7pPr marL="0" lvl="6" indent="0" algn="r">
+            <a:lvl7pPr indent="0" lvl="6" marL="0" algn="r">
               <a:spcBef>
                 <a:spcPts val="0"/>
               </a:spcBef>
               <a:buNone/>
               <a:defRPr/>
             </a:lvl7pPr>
-            <a:lvl8pPr marL="0" lvl="7" indent="0" algn="r">
+            <a:lvl8pPr indent="0" lvl="7" marL="0" algn="r">
               <a:spcBef>
                 <a:spcPts val="0"/>
               </a:spcBef>
               <a:buNone/>
               <a:defRPr/>
             </a:lvl8pPr>
-            <a:lvl9pPr marL="0" lvl="8" indent="0" algn="r">
+            <a:lvl9pPr indent="0" lvl="8" marL="0" algn="r">
               <a:spcBef>
                 <a:spcPts val="0"/>
               </a:spcBef>
@@ -5615,7 +5465,7 @@
             </a:lvl9pPr>
           </a:lstStyle>
           <a:p>
-            <a:pPr marL="0" lvl="0" indent="0" algn="r" rtl="0">
+            <a:pPr indent="0" lvl="0" marL="0" rtl="0" algn="r">
               <a:spcBef>
                 <a:spcPts val="0"/>
               </a:spcBef>
@@ -5641,11 +5491,11 @@
 </file>
 
 <file path=ppt/slideLayouts/slideLayout6.xml><?xml version="1.0" encoding="utf-8"?>
-<p:sldLayout xmlns:a="http://schemas.openxmlformats.org/drawingml/2006/main" xmlns:r="http://schemas.openxmlformats.org/officeDocument/2006/relationships" xmlns:p="http://schemas.openxmlformats.org/presentationml/2006/main" matchingName="Comparison" type="twoTxTwoObj">
+<p:sldLayout xmlns:a="http://schemas.openxmlformats.org/drawingml/2006/main" xmlns:r="http://schemas.openxmlformats.org/officeDocument/2006/relationships" xmlns:mc="http://schemas.openxmlformats.org/markup-compatibility/2006" xmlns:mv="urn:schemas-microsoft-com:mac:vml" xmlns:p="http://schemas.openxmlformats.org/presentationml/2006/main" xmlns:c="http://schemas.openxmlformats.org/drawingml/2006/chart" xmlns:dgm="http://schemas.openxmlformats.org/drawingml/2006/diagram" xmlns:o="urn:schemas-microsoft-com:office:office" xmlns:v="urn:schemas-microsoft-com:vml" xmlns:pvml="urn:schemas-microsoft-com:office:powerpoint" xmlns:com="http://schemas.openxmlformats.org/drawingml/2006/compatibility" xmlns:p14="http://schemas.microsoft.com/office/powerpoint/2010/main" xmlns:p15="http://schemas.microsoft.com/office/powerpoint/2012/main" xmlns:ahyp="http://schemas.microsoft.com/office/drawing/2018/hyperlinkcolor" matchingName="Comparison" type="twoTxTwoObj">
   <p:cSld name="TWO_OBJECTS_WITH_TEXT">
     <p:spTree>
       <p:nvGrpSpPr>
-        <p:cNvPr id="1" name="Shape 40"/>
+        <p:cNvPr id="40" name="Shape 40"/>
         <p:cNvGrpSpPr/>
         <p:nvPr/>
       </p:nvGrpSpPr>
@@ -5660,9 +5510,7 @@
       <p:sp>
         <p:nvSpPr>
           <p:cNvPr id="41" name="Google Shape;41;p7"/>
-          <p:cNvSpPr txBox="1">
-            <a:spLocks noGrp="1"/>
-          </p:cNvSpPr>
+          <p:cNvSpPr txBox="1"/>
           <p:nvPr>
             <p:ph type="title"/>
           </p:nvPr>
@@ -5681,7 +5529,7 @@
           </a:ln>
         </p:spPr>
         <p:txBody>
-          <a:bodyPr spcFirstLastPara="1" wrap="square" lIns="91425" tIns="45700" rIns="91425" bIns="45700" anchor="ctr" anchorCtr="0">
+          <a:bodyPr anchorCtr="0" anchor="ctr" bIns="45700" lIns="91425" spcFirstLastPara="1" rIns="91425" wrap="square" tIns="45700">
             <a:normAutofit/>
           </a:bodyPr>
           <a:lstStyle>
@@ -5789,19 +5637,15 @@
               <a:defRPr/>
             </a:lvl9pPr>
           </a:lstStyle>
-          <a:p>
-            <a:endParaRPr/>
-          </a:p>
+          <a:p/>
         </p:txBody>
       </p:sp>
       <p:sp>
         <p:nvSpPr>
           <p:cNvPr id="42" name="Google Shape;42;p7"/>
-          <p:cNvSpPr txBox="1">
-            <a:spLocks noGrp="1"/>
-          </p:cNvSpPr>
+          <p:cNvSpPr txBox="1"/>
           <p:nvPr>
-            <p:ph type="body" idx="1"/>
+            <p:ph idx="1" type="body"/>
           </p:nvPr>
         </p:nvSpPr>
         <p:spPr>
@@ -5818,11 +5662,11 @@
           </a:ln>
         </p:spPr>
         <p:txBody>
-          <a:bodyPr spcFirstLastPara="1" wrap="square" lIns="91425" tIns="45700" rIns="91425" bIns="45700" anchor="b" anchorCtr="0">
+          <a:bodyPr anchorCtr="0" anchor="b" bIns="45700" lIns="91425" spcFirstLastPara="1" rIns="91425" wrap="square" tIns="45700">
             <a:normAutofit/>
           </a:bodyPr>
           <a:lstStyle>
-            <a:lvl1pPr marL="457200" lvl="0" indent="-228600" algn="l">
+            <a:lvl1pPr indent="-228600" lvl="0" marL="457200" algn="l">
               <a:spcBef>
                 <a:spcPts val="480"/>
               </a:spcBef>
@@ -5834,9 +5678,9 @@
               </a:buClr>
               <a:buSzPts val="2400"/>
               <a:buNone/>
-              <a:defRPr sz="2400" b="1"/>
+              <a:defRPr b="1" sz="2400"/>
             </a:lvl1pPr>
-            <a:lvl2pPr marL="914400" lvl="1" indent="-228600" algn="l">
+            <a:lvl2pPr indent="-228600" lvl="1" marL="914400" algn="l">
               <a:spcBef>
                 <a:spcPts val="400"/>
               </a:spcBef>
@@ -5848,9 +5692,9 @@
               </a:buClr>
               <a:buSzPts val="2000"/>
               <a:buNone/>
-              <a:defRPr sz="2000" b="1"/>
+              <a:defRPr b="1" sz="2000"/>
             </a:lvl2pPr>
-            <a:lvl3pPr marL="1371600" lvl="2" indent="-228600" algn="l">
+            <a:lvl3pPr indent="-228600" lvl="2" marL="1371600" algn="l">
               <a:spcBef>
                 <a:spcPts val="360"/>
               </a:spcBef>
@@ -5862,9 +5706,9 @@
               </a:buClr>
               <a:buSzPts val="1800"/>
               <a:buNone/>
-              <a:defRPr sz="1800" b="1"/>
+              <a:defRPr b="1" sz="1800"/>
             </a:lvl3pPr>
-            <a:lvl4pPr marL="1828800" lvl="3" indent="-228600" algn="l">
+            <a:lvl4pPr indent="-228600" lvl="3" marL="1828800" algn="l">
               <a:spcBef>
                 <a:spcPts val="320"/>
               </a:spcBef>
@@ -5876,9 +5720,9 @@
               </a:buClr>
               <a:buSzPts val="1600"/>
               <a:buNone/>
-              <a:defRPr sz="1600" b="1"/>
+              <a:defRPr b="1" sz="1600"/>
             </a:lvl4pPr>
-            <a:lvl5pPr marL="2286000" lvl="4" indent="-228600" algn="l">
+            <a:lvl5pPr indent="-228600" lvl="4" marL="2286000" algn="l">
               <a:spcBef>
                 <a:spcPts val="320"/>
               </a:spcBef>
@@ -5890,9 +5734,9 @@
               </a:buClr>
               <a:buSzPts val="1600"/>
               <a:buNone/>
-              <a:defRPr sz="1600" b="1"/>
+              <a:defRPr b="1" sz="1600"/>
             </a:lvl5pPr>
-            <a:lvl6pPr marL="2743200" lvl="5" indent="-228600" algn="l">
+            <a:lvl6pPr indent="-228600" lvl="5" marL="2743200" algn="l">
               <a:spcBef>
                 <a:spcPts val="320"/>
               </a:spcBef>
@@ -5904,9 +5748,9 @@
               </a:buClr>
               <a:buSzPts val="1600"/>
               <a:buNone/>
-              <a:defRPr sz="1600" b="1"/>
+              <a:defRPr b="1" sz="1600"/>
             </a:lvl6pPr>
-            <a:lvl7pPr marL="3200400" lvl="6" indent="-228600" algn="l">
+            <a:lvl7pPr indent="-228600" lvl="6" marL="3200400" algn="l">
               <a:spcBef>
                 <a:spcPts val="320"/>
               </a:spcBef>
@@ -5918,9 +5762,9 @@
               </a:buClr>
               <a:buSzPts val="1600"/>
               <a:buNone/>
-              <a:defRPr sz="1600" b="1"/>
+              <a:defRPr b="1" sz="1600"/>
             </a:lvl7pPr>
-            <a:lvl8pPr marL="3657600" lvl="7" indent="-228600" algn="l">
+            <a:lvl8pPr indent="-228600" lvl="7" marL="3657600" algn="l">
               <a:spcBef>
                 <a:spcPts val="320"/>
               </a:spcBef>
@@ -5932,9 +5776,9 @@
               </a:buClr>
               <a:buSzPts val="1600"/>
               <a:buNone/>
-              <a:defRPr sz="1600" b="1"/>
+              <a:defRPr b="1" sz="1600"/>
             </a:lvl8pPr>
-            <a:lvl9pPr marL="4114800" lvl="8" indent="-228600" algn="l">
+            <a:lvl9pPr indent="-228600" lvl="8" marL="4114800" algn="l">
               <a:spcBef>
                 <a:spcPts val="320"/>
               </a:spcBef>
@@ -5946,22 +5790,18 @@
               </a:buClr>
               <a:buSzPts val="1600"/>
               <a:buNone/>
-              <a:defRPr sz="1600" b="1"/>
+              <a:defRPr b="1" sz="1600"/>
             </a:lvl9pPr>
           </a:lstStyle>
-          <a:p>
-            <a:endParaRPr/>
-          </a:p>
+          <a:p/>
         </p:txBody>
       </p:sp>
       <p:sp>
         <p:nvSpPr>
           <p:cNvPr id="43" name="Google Shape;43;p7"/>
-          <p:cNvSpPr txBox="1">
-            <a:spLocks noGrp="1"/>
-          </p:cNvSpPr>
+          <p:cNvSpPr txBox="1"/>
           <p:nvPr>
-            <p:ph type="body" idx="2"/>
+            <p:ph idx="2" type="body"/>
           </p:nvPr>
         </p:nvSpPr>
         <p:spPr>
@@ -5978,11 +5818,11 @@
           </a:ln>
         </p:spPr>
         <p:txBody>
-          <a:bodyPr spcFirstLastPara="1" wrap="square" lIns="91425" tIns="45700" rIns="91425" bIns="45700" anchor="t" anchorCtr="0">
+          <a:bodyPr anchorCtr="0" anchor="t" bIns="45700" lIns="91425" spcFirstLastPara="1" rIns="91425" wrap="square" tIns="45700">
             <a:normAutofit/>
           </a:bodyPr>
           <a:lstStyle>
-            <a:lvl1pPr marL="457200" lvl="0" indent="-381000" algn="l">
+            <a:lvl1pPr indent="-381000" lvl="0" marL="457200" algn="l">
               <a:spcBef>
                 <a:spcPts val="480"/>
               </a:spcBef>
@@ -5996,7 +5836,7 @@
               <a:buChar char="•"/>
               <a:defRPr sz="2400"/>
             </a:lvl1pPr>
-            <a:lvl2pPr marL="914400" lvl="1" indent="-355600" algn="l">
+            <a:lvl2pPr indent="-355600" lvl="1" marL="914400" algn="l">
               <a:spcBef>
                 <a:spcPts val="400"/>
               </a:spcBef>
@@ -6010,7 +5850,7 @@
               <a:buChar char="–"/>
               <a:defRPr sz="2000"/>
             </a:lvl2pPr>
-            <a:lvl3pPr marL="1371600" lvl="2" indent="-342900" algn="l">
+            <a:lvl3pPr indent="-342900" lvl="2" marL="1371600" algn="l">
               <a:spcBef>
                 <a:spcPts val="360"/>
               </a:spcBef>
@@ -6024,7 +5864,7 @@
               <a:buChar char="•"/>
               <a:defRPr sz="1800"/>
             </a:lvl3pPr>
-            <a:lvl4pPr marL="1828800" lvl="3" indent="-330200" algn="l">
+            <a:lvl4pPr indent="-330200" lvl="3" marL="1828800" algn="l">
               <a:spcBef>
                 <a:spcPts val="320"/>
               </a:spcBef>
@@ -6038,7 +5878,7 @@
               <a:buChar char="–"/>
               <a:defRPr sz="1600"/>
             </a:lvl4pPr>
-            <a:lvl5pPr marL="2286000" lvl="4" indent="-330200" algn="l">
+            <a:lvl5pPr indent="-330200" lvl="4" marL="2286000" algn="l">
               <a:spcBef>
                 <a:spcPts val="320"/>
               </a:spcBef>
@@ -6052,7 +5892,7 @@
               <a:buChar char="»"/>
               <a:defRPr sz="1600"/>
             </a:lvl5pPr>
-            <a:lvl6pPr marL="2743200" lvl="5" indent="-330200" algn="l">
+            <a:lvl6pPr indent="-330200" lvl="5" marL="2743200" algn="l">
               <a:spcBef>
                 <a:spcPts val="320"/>
               </a:spcBef>
@@ -6066,7 +5906,7 @@
               <a:buChar char="•"/>
               <a:defRPr sz="1600"/>
             </a:lvl6pPr>
-            <a:lvl7pPr marL="3200400" lvl="6" indent="-330200" algn="l">
+            <a:lvl7pPr indent="-330200" lvl="6" marL="3200400" algn="l">
               <a:spcBef>
                 <a:spcPts val="320"/>
               </a:spcBef>
@@ -6080,7 +5920,7 @@
               <a:buChar char="•"/>
               <a:defRPr sz="1600"/>
             </a:lvl7pPr>
-            <a:lvl8pPr marL="3657600" lvl="7" indent="-330200" algn="l">
+            <a:lvl8pPr indent="-330200" lvl="7" marL="3657600" algn="l">
               <a:spcBef>
                 <a:spcPts val="320"/>
               </a:spcBef>
@@ -6094,7 +5934,7 @@
               <a:buChar char="•"/>
               <a:defRPr sz="1600"/>
             </a:lvl8pPr>
-            <a:lvl9pPr marL="4114800" lvl="8" indent="-330200" algn="l">
+            <a:lvl9pPr indent="-330200" lvl="8" marL="4114800" algn="l">
               <a:spcBef>
                 <a:spcPts val="320"/>
               </a:spcBef>
@@ -6109,19 +5949,15 @@
               <a:defRPr sz="1600"/>
             </a:lvl9pPr>
           </a:lstStyle>
-          <a:p>
-            <a:endParaRPr/>
-          </a:p>
+          <a:p/>
         </p:txBody>
       </p:sp>
       <p:sp>
         <p:nvSpPr>
           <p:cNvPr id="44" name="Google Shape;44;p7"/>
-          <p:cNvSpPr txBox="1">
-            <a:spLocks noGrp="1"/>
-          </p:cNvSpPr>
+          <p:cNvSpPr txBox="1"/>
           <p:nvPr>
-            <p:ph type="body" idx="3"/>
+            <p:ph idx="3" type="body"/>
           </p:nvPr>
         </p:nvSpPr>
         <p:spPr>
@@ -6138,11 +5974,11 @@
           </a:ln>
         </p:spPr>
         <p:txBody>
-          <a:bodyPr spcFirstLastPara="1" wrap="square" lIns="91425" tIns="45700" rIns="91425" bIns="45700" anchor="b" anchorCtr="0">
+          <a:bodyPr anchorCtr="0" anchor="b" bIns="45700" lIns="91425" spcFirstLastPara="1" rIns="91425" wrap="square" tIns="45700">
             <a:normAutofit/>
           </a:bodyPr>
           <a:lstStyle>
-            <a:lvl1pPr marL="457200" lvl="0" indent="-228600" algn="l">
+            <a:lvl1pPr indent="-228600" lvl="0" marL="457200" algn="l">
               <a:spcBef>
                 <a:spcPts val="480"/>
               </a:spcBef>
@@ -6154,9 +5990,9 @@
               </a:buClr>
               <a:buSzPts val="2400"/>
               <a:buNone/>
-              <a:defRPr sz="2400" b="1"/>
+              <a:defRPr b="1" sz="2400"/>
             </a:lvl1pPr>
-            <a:lvl2pPr marL="914400" lvl="1" indent="-228600" algn="l">
+            <a:lvl2pPr indent="-228600" lvl="1" marL="914400" algn="l">
               <a:spcBef>
                 <a:spcPts val="400"/>
               </a:spcBef>
@@ -6168,9 +6004,9 @@
               </a:buClr>
               <a:buSzPts val="2000"/>
               <a:buNone/>
-              <a:defRPr sz="2000" b="1"/>
+              <a:defRPr b="1" sz="2000"/>
             </a:lvl2pPr>
-            <a:lvl3pPr marL="1371600" lvl="2" indent="-228600" algn="l">
+            <a:lvl3pPr indent="-228600" lvl="2" marL="1371600" algn="l">
               <a:spcBef>
                 <a:spcPts val="360"/>
               </a:spcBef>
@@ -6182,9 +6018,9 @@
               </a:buClr>
               <a:buSzPts val="1800"/>
               <a:buNone/>
-              <a:defRPr sz="1800" b="1"/>
+              <a:defRPr b="1" sz="1800"/>
             </a:lvl3pPr>
-            <a:lvl4pPr marL="1828800" lvl="3" indent="-228600" algn="l">
+            <a:lvl4pPr indent="-228600" lvl="3" marL="1828800" algn="l">
               <a:spcBef>
                 <a:spcPts val="320"/>
               </a:spcBef>
@@ -6196,9 +6032,9 @@
               </a:buClr>
               <a:buSzPts val="1600"/>
               <a:buNone/>
-              <a:defRPr sz="1600" b="1"/>
+              <a:defRPr b="1" sz="1600"/>
             </a:lvl4pPr>
-            <a:lvl5pPr marL="2286000" lvl="4" indent="-228600" algn="l">
+            <a:lvl5pPr indent="-228600" lvl="4" marL="2286000" algn="l">
               <a:spcBef>
                 <a:spcPts val="320"/>
               </a:spcBef>
@@ -6210,9 +6046,9 @@
               </a:buClr>
               <a:buSzPts val="1600"/>
               <a:buNone/>
-              <a:defRPr sz="1600" b="1"/>
+              <a:defRPr b="1" sz="1600"/>
             </a:lvl5pPr>
-            <a:lvl6pPr marL="2743200" lvl="5" indent="-228600" algn="l">
+            <a:lvl6pPr indent="-228600" lvl="5" marL="2743200" algn="l">
               <a:spcBef>
                 <a:spcPts val="320"/>
               </a:spcBef>
@@ -6224,9 +6060,9 @@
               </a:buClr>
               <a:buSzPts val="1600"/>
               <a:buNone/>
-              <a:defRPr sz="1600" b="1"/>
+              <a:defRPr b="1" sz="1600"/>
             </a:lvl6pPr>
-            <a:lvl7pPr marL="3200400" lvl="6" indent="-228600" algn="l">
+            <a:lvl7pPr indent="-228600" lvl="6" marL="3200400" algn="l">
               <a:spcBef>
                 <a:spcPts val="320"/>
               </a:spcBef>
@@ -6238,9 +6074,9 @@
               </a:buClr>
               <a:buSzPts val="1600"/>
               <a:buNone/>
-              <a:defRPr sz="1600" b="1"/>
+              <a:defRPr b="1" sz="1600"/>
             </a:lvl7pPr>
-            <a:lvl8pPr marL="3657600" lvl="7" indent="-228600" algn="l">
+            <a:lvl8pPr indent="-228600" lvl="7" marL="3657600" algn="l">
               <a:spcBef>
                 <a:spcPts val="320"/>
               </a:spcBef>
@@ -6252,9 +6088,9 @@
               </a:buClr>
               <a:buSzPts val="1600"/>
               <a:buNone/>
-              <a:defRPr sz="1600" b="1"/>
+              <a:defRPr b="1" sz="1600"/>
             </a:lvl8pPr>
-            <a:lvl9pPr marL="4114800" lvl="8" indent="-228600" algn="l">
+            <a:lvl9pPr indent="-228600" lvl="8" marL="4114800" algn="l">
               <a:spcBef>
                 <a:spcPts val="320"/>
               </a:spcBef>
@@ -6266,22 +6102,18 @@
               </a:buClr>
               <a:buSzPts val="1600"/>
               <a:buNone/>
-              <a:defRPr sz="1600" b="1"/>
+              <a:defRPr b="1" sz="1600"/>
             </a:lvl9pPr>
           </a:lstStyle>
-          <a:p>
-            <a:endParaRPr/>
-          </a:p>
+          <a:p/>
         </p:txBody>
       </p:sp>
       <p:sp>
         <p:nvSpPr>
           <p:cNvPr id="45" name="Google Shape;45;p7"/>
-          <p:cNvSpPr txBox="1">
-            <a:spLocks noGrp="1"/>
-          </p:cNvSpPr>
+          <p:cNvSpPr txBox="1"/>
           <p:nvPr>
-            <p:ph type="body" idx="4"/>
+            <p:ph idx="4" type="body"/>
           </p:nvPr>
         </p:nvSpPr>
         <p:spPr>
@@ -6298,11 +6130,11 @@
           </a:ln>
         </p:spPr>
         <p:txBody>
-          <a:bodyPr spcFirstLastPara="1" wrap="square" lIns="91425" tIns="45700" rIns="91425" bIns="45700" anchor="t" anchorCtr="0">
+          <a:bodyPr anchorCtr="0" anchor="t" bIns="45700" lIns="91425" spcFirstLastPara="1" rIns="91425" wrap="square" tIns="45700">
             <a:normAutofit/>
           </a:bodyPr>
           <a:lstStyle>
-            <a:lvl1pPr marL="457200" lvl="0" indent="-381000" algn="l">
+            <a:lvl1pPr indent="-381000" lvl="0" marL="457200" algn="l">
               <a:spcBef>
                 <a:spcPts val="480"/>
               </a:spcBef>
@@ -6316,7 +6148,7 @@
               <a:buChar char="•"/>
               <a:defRPr sz="2400"/>
             </a:lvl1pPr>
-            <a:lvl2pPr marL="914400" lvl="1" indent="-355600" algn="l">
+            <a:lvl2pPr indent="-355600" lvl="1" marL="914400" algn="l">
               <a:spcBef>
                 <a:spcPts val="400"/>
               </a:spcBef>
@@ -6330,7 +6162,7 @@
               <a:buChar char="–"/>
               <a:defRPr sz="2000"/>
             </a:lvl2pPr>
-            <a:lvl3pPr marL="1371600" lvl="2" indent="-342900" algn="l">
+            <a:lvl3pPr indent="-342900" lvl="2" marL="1371600" algn="l">
               <a:spcBef>
                 <a:spcPts val="360"/>
               </a:spcBef>
@@ -6344,7 +6176,7 @@
               <a:buChar char="•"/>
               <a:defRPr sz="1800"/>
             </a:lvl3pPr>
-            <a:lvl4pPr marL="1828800" lvl="3" indent="-330200" algn="l">
+            <a:lvl4pPr indent="-330200" lvl="3" marL="1828800" algn="l">
               <a:spcBef>
                 <a:spcPts val="320"/>
               </a:spcBef>
@@ -6358,7 +6190,7 @@
               <a:buChar char="–"/>
               <a:defRPr sz="1600"/>
             </a:lvl4pPr>
-            <a:lvl5pPr marL="2286000" lvl="4" indent="-330200" algn="l">
+            <a:lvl5pPr indent="-330200" lvl="4" marL="2286000" algn="l">
               <a:spcBef>
                 <a:spcPts val="320"/>
               </a:spcBef>
@@ -6372,7 +6204,7 @@
               <a:buChar char="»"/>
               <a:defRPr sz="1600"/>
             </a:lvl5pPr>
-            <a:lvl6pPr marL="2743200" lvl="5" indent="-330200" algn="l">
+            <a:lvl6pPr indent="-330200" lvl="5" marL="2743200" algn="l">
               <a:spcBef>
                 <a:spcPts val="320"/>
               </a:spcBef>
@@ -6386,7 +6218,7 @@
               <a:buChar char="•"/>
               <a:defRPr sz="1600"/>
             </a:lvl6pPr>
-            <a:lvl7pPr marL="3200400" lvl="6" indent="-330200" algn="l">
+            <a:lvl7pPr indent="-330200" lvl="6" marL="3200400" algn="l">
               <a:spcBef>
                 <a:spcPts val="320"/>
               </a:spcBef>
@@ -6400,7 +6232,7 @@
               <a:buChar char="•"/>
               <a:defRPr sz="1600"/>
             </a:lvl7pPr>
-            <a:lvl8pPr marL="3657600" lvl="7" indent="-330200" algn="l">
+            <a:lvl8pPr indent="-330200" lvl="7" marL="3657600" algn="l">
               <a:spcBef>
                 <a:spcPts val="320"/>
               </a:spcBef>
@@ -6414,7 +6246,7 @@
               <a:buChar char="•"/>
               <a:defRPr sz="1600"/>
             </a:lvl8pPr>
-            <a:lvl9pPr marL="4114800" lvl="8" indent="-330200" algn="l">
+            <a:lvl9pPr indent="-330200" lvl="8" marL="4114800" algn="l">
               <a:spcBef>
                 <a:spcPts val="320"/>
               </a:spcBef>
@@ -6429,19 +6261,15 @@
               <a:defRPr sz="1600"/>
             </a:lvl9pPr>
           </a:lstStyle>
-          <a:p>
-            <a:endParaRPr/>
-          </a:p>
+          <a:p/>
         </p:txBody>
       </p:sp>
       <p:sp>
         <p:nvSpPr>
           <p:cNvPr id="46" name="Google Shape;46;p7"/>
-          <p:cNvSpPr txBox="1">
-            <a:spLocks noGrp="1"/>
-          </p:cNvSpPr>
+          <p:cNvSpPr txBox="1"/>
           <p:nvPr>
-            <p:ph type="dt" idx="10"/>
+            <p:ph idx="10" type="dt"/>
           </p:nvPr>
         </p:nvSpPr>
         <p:spPr>
@@ -6458,7 +6286,7 @@
           </a:ln>
         </p:spPr>
         <p:txBody>
-          <a:bodyPr spcFirstLastPara="1" wrap="square" lIns="91425" tIns="45700" rIns="91425" bIns="45700" anchor="ctr" anchorCtr="0">
+          <a:bodyPr anchorCtr="0" anchor="ctr" bIns="45700" lIns="91425" spcFirstLastPara="1" rIns="91425" wrap="square" tIns="45700">
             <a:noAutofit/>
           </a:bodyPr>
           <a:lstStyle>
@@ -6562,19 +6390,15 @@
               <a:defRPr/>
             </a:lvl9pPr>
           </a:lstStyle>
-          <a:p>
-            <a:endParaRPr/>
-          </a:p>
+          <a:p/>
         </p:txBody>
       </p:sp>
       <p:sp>
         <p:nvSpPr>
           <p:cNvPr id="47" name="Google Shape;47;p7"/>
-          <p:cNvSpPr txBox="1">
-            <a:spLocks noGrp="1"/>
-          </p:cNvSpPr>
+          <p:cNvSpPr txBox="1"/>
           <p:nvPr>
-            <p:ph type="ftr" idx="11"/>
+            <p:ph idx="11" type="ftr"/>
           </p:nvPr>
         </p:nvSpPr>
         <p:spPr>
@@ -6591,7 +6415,7 @@
           </a:ln>
         </p:spPr>
         <p:txBody>
-          <a:bodyPr spcFirstLastPara="1" wrap="square" lIns="91425" tIns="45700" rIns="91425" bIns="45700" anchor="ctr" anchorCtr="0">
+          <a:bodyPr anchorCtr="0" anchor="ctr" bIns="45700" lIns="91425" spcFirstLastPara="1" rIns="91425" wrap="square" tIns="45700">
             <a:noAutofit/>
           </a:bodyPr>
           <a:lstStyle>
@@ -6695,19 +6519,15 @@
               <a:defRPr/>
             </a:lvl9pPr>
           </a:lstStyle>
-          <a:p>
-            <a:endParaRPr/>
-          </a:p>
+          <a:p/>
         </p:txBody>
       </p:sp>
       <p:sp>
         <p:nvSpPr>
           <p:cNvPr id="48" name="Google Shape;48;p7"/>
-          <p:cNvSpPr txBox="1">
-            <a:spLocks noGrp="1"/>
-          </p:cNvSpPr>
+          <p:cNvSpPr txBox="1"/>
           <p:nvPr>
-            <p:ph type="sldNum" idx="12"/>
+            <p:ph idx="12" type="sldNum"/>
           </p:nvPr>
         </p:nvSpPr>
         <p:spPr>
@@ -6724,67 +6544,67 @@
           </a:ln>
         </p:spPr>
         <p:txBody>
-          <a:bodyPr spcFirstLastPara="1" wrap="square" lIns="91425" tIns="45700" rIns="91425" bIns="45700" anchor="ctr" anchorCtr="0">
+          <a:bodyPr anchorCtr="0" anchor="ctr" bIns="45700" lIns="91425" spcFirstLastPara="1" rIns="91425" wrap="square" tIns="45700">
             <a:noAutofit/>
           </a:bodyPr>
           <a:lstStyle>
-            <a:lvl1pPr marL="0" lvl="0" indent="0" algn="r">
+            <a:lvl1pPr indent="0" lvl="0" marL="0" algn="r">
               <a:spcBef>
                 <a:spcPts val="0"/>
               </a:spcBef>
               <a:buNone/>
               <a:defRPr/>
             </a:lvl1pPr>
-            <a:lvl2pPr marL="0" lvl="1" indent="0" algn="r">
+            <a:lvl2pPr indent="0" lvl="1" marL="0" algn="r">
               <a:spcBef>
                 <a:spcPts val="0"/>
               </a:spcBef>
               <a:buNone/>
               <a:defRPr/>
             </a:lvl2pPr>
-            <a:lvl3pPr marL="0" lvl="2" indent="0" algn="r">
+            <a:lvl3pPr indent="0" lvl="2" marL="0" algn="r">
               <a:spcBef>
                 <a:spcPts val="0"/>
               </a:spcBef>
               <a:buNone/>
               <a:defRPr/>
             </a:lvl3pPr>
-            <a:lvl4pPr marL="0" lvl="3" indent="0" algn="r">
+            <a:lvl4pPr indent="0" lvl="3" marL="0" algn="r">
               <a:spcBef>
                 <a:spcPts val="0"/>
               </a:spcBef>
               <a:buNone/>
               <a:defRPr/>
             </a:lvl4pPr>
-            <a:lvl5pPr marL="0" lvl="4" indent="0" algn="r">
+            <a:lvl5pPr indent="0" lvl="4" marL="0" algn="r">
               <a:spcBef>
                 <a:spcPts val="0"/>
               </a:spcBef>
               <a:buNone/>
               <a:defRPr/>
             </a:lvl5pPr>
-            <a:lvl6pPr marL="0" lvl="5" indent="0" algn="r">
+            <a:lvl6pPr indent="0" lvl="5" marL="0" algn="r">
               <a:spcBef>
                 <a:spcPts val="0"/>
               </a:spcBef>
               <a:buNone/>
               <a:defRPr/>
             </a:lvl6pPr>
-            <a:lvl7pPr marL="0" lvl="6" indent="0" algn="r">
+            <a:lvl7pPr indent="0" lvl="6" marL="0" algn="r">
               <a:spcBef>
                 <a:spcPts val="0"/>
               </a:spcBef>
               <a:buNone/>
               <a:defRPr/>
             </a:lvl7pPr>
-            <a:lvl8pPr marL="0" lvl="7" indent="0" algn="r">
+            <a:lvl8pPr indent="0" lvl="7" marL="0" algn="r">
               <a:spcBef>
                 <a:spcPts val="0"/>
               </a:spcBef>
               <a:buNone/>
               <a:defRPr/>
             </a:lvl8pPr>
-            <a:lvl9pPr marL="0" lvl="8" indent="0" algn="r">
+            <a:lvl9pPr indent="0" lvl="8" marL="0" algn="r">
               <a:spcBef>
                 <a:spcPts val="0"/>
               </a:spcBef>
@@ -6793,7 +6613,7 @@
             </a:lvl9pPr>
           </a:lstStyle>
           <a:p>
-            <a:pPr marL="0" lvl="0" indent="0" algn="r" rtl="0">
+            <a:pPr indent="0" lvl="0" marL="0" rtl="0" algn="r">
               <a:spcBef>
                 <a:spcPts val="0"/>
               </a:spcBef>
@@ -6819,11 +6639,11 @@
 </file>
 
 <file path=ppt/slideLayouts/slideLayout7.xml><?xml version="1.0" encoding="utf-8"?>
-<p:sldLayout xmlns:a="http://schemas.openxmlformats.org/drawingml/2006/main" xmlns:r="http://schemas.openxmlformats.org/officeDocument/2006/relationships" xmlns:p="http://schemas.openxmlformats.org/presentationml/2006/main" matchingName="Title Only" type="titleOnly">
+<p:sldLayout xmlns:a="http://schemas.openxmlformats.org/drawingml/2006/main" xmlns:r="http://schemas.openxmlformats.org/officeDocument/2006/relationships" xmlns:mc="http://schemas.openxmlformats.org/markup-compatibility/2006" xmlns:mv="urn:schemas-microsoft-com:mac:vml" xmlns:p="http://schemas.openxmlformats.org/presentationml/2006/main" xmlns:c="http://schemas.openxmlformats.org/drawingml/2006/chart" xmlns:dgm="http://schemas.openxmlformats.org/drawingml/2006/diagram" xmlns:o="urn:schemas-microsoft-com:office:office" xmlns:v="urn:schemas-microsoft-com:vml" xmlns:pvml="urn:schemas-microsoft-com:office:powerpoint" xmlns:com="http://schemas.openxmlformats.org/drawingml/2006/compatibility" xmlns:p14="http://schemas.microsoft.com/office/powerpoint/2010/main" xmlns:p15="http://schemas.microsoft.com/office/powerpoint/2012/main" xmlns:ahyp="http://schemas.microsoft.com/office/drawing/2018/hyperlinkcolor" matchingName="Title Only" type="titleOnly">
   <p:cSld name="TITLE_ONLY">
     <p:spTree>
       <p:nvGrpSpPr>
-        <p:cNvPr id="1" name="Shape 49"/>
+        <p:cNvPr id="49" name="Shape 49"/>
         <p:cNvGrpSpPr/>
         <p:nvPr/>
       </p:nvGrpSpPr>
@@ -6838,9 +6658,7 @@
       <p:sp>
         <p:nvSpPr>
           <p:cNvPr id="50" name="Google Shape;50;p8"/>
-          <p:cNvSpPr txBox="1">
-            <a:spLocks noGrp="1"/>
-          </p:cNvSpPr>
+          <p:cNvSpPr txBox="1"/>
           <p:nvPr>
             <p:ph type="title"/>
           </p:nvPr>
@@ -6859,7 +6677,7 @@
           </a:ln>
         </p:spPr>
         <p:txBody>
-          <a:bodyPr spcFirstLastPara="1" wrap="square" lIns="91425" tIns="45700" rIns="91425" bIns="45700" anchor="ctr" anchorCtr="0">
+          <a:bodyPr anchorCtr="0" anchor="ctr" bIns="45700" lIns="91425" spcFirstLastPara="1" rIns="91425" wrap="square" tIns="45700">
             <a:normAutofit/>
           </a:bodyPr>
           <a:lstStyle>
@@ -6966,19 +6784,15 @@
               <a:defRPr/>
             </a:lvl9pPr>
           </a:lstStyle>
-          <a:p>
-            <a:endParaRPr/>
-          </a:p>
+          <a:p/>
         </p:txBody>
       </p:sp>
       <p:sp>
         <p:nvSpPr>
           <p:cNvPr id="51" name="Google Shape;51;p8"/>
-          <p:cNvSpPr txBox="1">
-            <a:spLocks noGrp="1"/>
-          </p:cNvSpPr>
+          <p:cNvSpPr txBox="1"/>
           <p:nvPr>
-            <p:ph type="dt" idx="10"/>
+            <p:ph idx="10" type="dt"/>
           </p:nvPr>
         </p:nvSpPr>
         <p:spPr>
@@ -6995,7 +6809,7 @@
           </a:ln>
         </p:spPr>
         <p:txBody>
-          <a:bodyPr spcFirstLastPara="1" wrap="square" lIns="91425" tIns="45700" rIns="91425" bIns="45700" anchor="ctr" anchorCtr="0">
+          <a:bodyPr anchorCtr="0" anchor="ctr" bIns="45700" lIns="91425" spcFirstLastPara="1" rIns="91425" wrap="square" tIns="45700">
             <a:noAutofit/>
           </a:bodyPr>
           <a:lstStyle>
@@ -7099,19 +6913,15 @@
               <a:defRPr/>
             </a:lvl9pPr>
           </a:lstStyle>
-          <a:p>
-            <a:endParaRPr/>
-          </a:p>
+          <a:p/>
         </p:txBody>
       </p:sp>
       <p:sp>
         <p:nvSpPr>
           <p:cNvPr id="52" name="Google Shape;52;p8"/>
-          <p:cNvSpPr txBox="1">
-            <a:spLocks noGrp="1"/>
-          </p:cNvSpPr>
+          <p:cNvSpPr txBox="1"/>
           <p:nvPr>
-            <p:ph type="ftr" idx="11"/>
+            <p:ph idx="11" type="ftr"/>
           </p:nvPr>
         </p:nvSpPr>
         <p:spPr>
@@ -7128,7 +6938,7 @@
           </a:ln>
         </p:spPr>
         <p:txBody>
-          <a:bodyPr spcFirstLastPara="1" wrap="square" lIns="91425" tIns="45700" rIns="91425" bIns="45700" anchor="ctr" anchorCtr="0">
+          <a:bodyPr anchorCtr="0" anchor="ctr" bIns="45700" lIns="91425" spcFirstLastPara="1" rIns="91425" wrap="square" tIns="45700">
             <a:noAutofit/>
           </a:bodyPr>
           <a:lstStyle>
@@ -7232,19 +7042,15 @@
               <a:defRPr/>
             </a:lvl9pPr>
           </a:lstStyle>
-          <a:p>
-            <a:endParaRPr/>
-          </a:p>
+          <a:p/>
         </p:txBody>
       </p:sp>
       <p:sp>
         <p:nvSpPr>
           <p:cNvPr id="53" name="Google Shape;53;p8"/>
-          <p:cNvSpPr txBox="1">
-            <a:spLocks noGrp="1"/>
-          </p:cNvSpPr>
+          <p:cNvSpPr txBox="1"/>
           <p:nvPr>
-            <p:ph type="sldNum" idx="12"/>
+            <p:ph idx="12" type="sldNum"/>
           </p:nvPr>
         </p:nvSpPr>
         <p:spPr>
@@ -7261,67 +7067,67 @@
           </a:ln>
         </p:spPr>
         <p:txBody>
-          <a:bodyPr spcFirstLastPara="1" wrap="square" lIns="91425" tIns="45700" rIns="91425" bIns="45700" anchor="ctr" anchorCtr="0">
+          <a:bodyPr anchorCtr="0" anchor="ctr" bIns="45700" lIns="91425" spcFirstLastPara="1" rIns="91425" wrap="square" tIns="45700">
             <a:noAutofit/>
           </a:bodyPr>
           <a:lstStyle>
-            <a:lvl1pPr marL="0" lvl="0" indent="0" algn="r">
+            <a:lvl1pPr indent="0" lvl="0" marL="0" algn="r">
               <a:spcBef>
                 <a:spcPts val="0"/>
               </a:spcBef>
               <a:buNone/>
               <a:defRPr/>
             </a:lvl1pPr>
-            <a:lvl2pPr marL="0" lvl="1" indent="0" algn="r">
+            <a:lvl2pPr indent="0" lvl="1" marL="0" algn="r">
               <a:spcBef>
                 <a:spcPts val="0"/>
               </a:spcBef>
               <a:buNone/>
               <a:defRPr/>
             </a:lvl2pPr>
-            <a:lvl3pPr marL="0" lvl="2" indent="0" algn="r">
+            <a:lvl3pPr indent="0" lvl="2" marL="0" algn="r">
               <a:spcBef>
                 <a:spcPts val="0"/>
               </a:spcBef>
               <a:buNone/>
               <a:defRPr/>
             </a:lvl3pPr>
-            <a:lvl4pPr marL="0" lvl="3" indent="0" algn="r">
+            <a:lvl4pPr indent="0" lvl="3" marL="0" algn="r">
               <a:spcBef>
                 <a:spcPts val="0"/>
               </a:spcBef>
               <a:buNone/>
               <a:defRPr/>
             </a:lvl4pPr>
-            <a:lvl5pPr marL="0" lvl="4" indent="0" algn="r">
+            <a:lvl5pPr indent="0" lvl="4" marL="0" algn="r">
               <a:spcBef>
                 <a:spcPts val="0"/>
               </a:spcBef>
               <a:buNone/>
               <a:defRPr/>
             </a:lvl5pPr>
-            <a:lvl6pPr marL="0" lvl="5" indent="0" algn="r">
+            <a:lvl6pPr indent="0" lvl="5" marL="0" algn="r">
               <a:spcBef>
                 <a:spcPts val="0"/>
               </a:spcBef>
               <a:buNone/>
               <a:defRPr/>
             </a:lvl6pPr>
-            <a:lvl7pPr marL="0" lvl="6" indent="0" algn="r">
+            <a:lvl7pPr indent="0" lvl="6" marL="0" algn="r">
               <a:spcBef>
                 <a:spcPts val="0"/>
               </a:spcBef>
               <a:buNone/>
               <a:defRPr/>
             </a:lvl7pPr>
-            <a:lvl8pPr marL="0" lvl="7" indent="0" algn="r">
+            <a:lvl8pPr indent="0" lvl="7" marL="0" algn="r">
               <a:spcBef>
                 <a:spcPts val="0"/>
               </a:spcBef>
               <a:buNone/>
               <a:defRPr/>
             </a:lvl8pPr>
-            <a:lvl9pPr marL="0" lvl="8" indent="0" algn="r">
+            <a:lvl9pPr indent="0" lvl="8" marL="0" algn="r">
               <a:spcBef>
                 <a:spcPts val="0"/>
               </a:spcBef>
@@ -7330,7 +7136,7 @@
             </a:lvl9pPr>
           </a:lstStyle>
           <a:p>
-            <a:pPr marL="0" lvl="0" indent="0" algn="r" rtl="0">
+            <a:pPr indent="0" lvl="0" marL="0" rtl="0" algn="r">
               <a:spcBef>
                 <a:spcPts val="0"/>
               </a:spcBef>
@@ -7356,11 +7162,11 @@
 </file>
 
 <file path=ppt/slideLayouts/slideLayout8.xml><?xml version="1.0" encoding="utf-8"?>
-<p:sldLayout xmlns:a="http://schemas.openxmlformats.org/drawingml/2006/main" xmlns:r="http://schemas.openxmlformats.org/officeDocument/2006/relationships" xmlns:p="http://schemas.openxmlformats.org/presentationml/2006/main" matchingName="Content with Caption" type="objTx">
+<p:sldLayout xmlns:a="http://schemas.openxmlformats.org/drawingml/2006/main" xmlns:r="http://schemas.openxmlformats.org/officeDocument/2006/relationships" xmlns:mc="http://schemas.openxmlformats.org/markup-compatibility/2006" xmlns:mv="urn:schemas-microsoft-com:mac:vml" xmlns:p="http://schemas.openxmlformats.org/presentationml/2006/main" xmlns:c="http://schemas.openxmlformats.org/drawingml/2006/chart" xmlns:dgm="http://schemas.openxmlformats.org/drawingml/2006/diagram" xmlns:o="urn:schemas-microsoft-com:office:office" xmlns:v="urn:schemas-microsoft-com:vml" xmlns:pvml="urn:schemas-microsoft-com:office:powerpoint" xmlns:com="http://schemas.openxmlformats.org/drawingml/2006/compatibility" xmlns:p14="http://schemas.microsoft.com/office/powerpoint/2010/main" xmlns:p15="http://schemas.microsoft.com/office/powerpoint/2012/main" xmlns:ahyp="http://schemas.microsoft.com/office/drawing/2018/hyperlinkcolor" matchingName="Content with Caption" type="objTx">
   <p:cSld name="OBJECT_WITH_CAPTION_TEXT">
     <p:spTree>
       <p:nvGrpSpPr>
-        <p:cNvPr id="1" name="Shape 54"/>
+        <p:cNvPr id="54" name="Shape 54"/>
         <p:cNvGrpSpPr/>
         <p:nvPr/>
       </p:nvGrpSpPr>
@@ -7375,9 +7181,7 @@
       <p:sp>
         <p:nvSpPr>
           <p:cNvPr id="55" name="Google Shape;55;p9"/>
-          <p:cNvSpPr txBox="1">
-            <a:spLocks noGrp="1"/>
-          </p:cNvSpPr>
+          <p:cNvSpPr txBox="1"/>
           <p:nvPr>
             <p:ph type="title"/>
           </p:nvPr>
@@ -7396,7 +7200,7 @@
           </a:ln>
         </p:spPr>
         <p:txBody>
-          <a:bodyPr spcFirstLastPara="1" wrap="square" lIns="91425" tIns="45700" rIns="91425" bIns="45700" anchor="b" anchorCtr="0">
+          <a:bodyPr anchorCtr="0" anchor="b" bIns="45700" lIns="91425" spcFirstLastPara="1" rIns="91425" wrap="square" tIns="45700">
             <a:normAutofit/>
           </a:bodyPr>
           <a:lstStyle>
@@ -7413,7 +7217,7 @@
               <a:buSzPts val="2000"/>
               <a:buFont typeface="Calibri"/>
               <a:buNone/>
-              <a:defRPr sz="2000" b="1"/>
+              <a:defRPr b="1" sz="2000"/>
             </a:lvl1pPr>
             <a:lvl2pPr lvl="1">
               <a:spcBef>
@@ -7504,19 +7308,15 @@
               <a:defRPr/>
             </a:lvl9pPr>
           </a:lstStyle>
-          <a:p>
-            <a:endParaRPr/>
-          </a:p>
+          <a:p/>
         </p:txBody>
       </p:sp>
       <p:sp>
         <p:nvSpPr>
           <p:cNvPr id="56" name="Google Shape;56;p9"/>
-          <p:cNvSpPr txBox="1">
-            <a:spLocks noGrp="1"/>
-          </p:cNvSpPr>
+          <p:cNvSpPr txBox="1"/>
           <p:nvPr>
-            <p:ph type="body" idx="1"/>
+            <p:ph idx="1" type="body"/>
           </p:nvPr>
         </p:nvSpPr>
         <p:spPr>
@@ -7533,11 +7333,11 @@
           </a:ln>
         </p:spPr>
         <p:txBody>
-          <a:bodyPr spcFirstLastPara="1" wrap="square" lIns="91425" tIns="45700" rIns="91425" bIns="45700" anchor="t" anchorCtr="0">
+          <a:bodyPr anchorCtr="0" anchor="t" bIns="45700" lIns="91425" spcFirstLastPara="1" rIns="91425" wrap="square" tIns="45700">
             <a:normAutofit/>
           </a:bodyPr>
           <a:lstStyle>
-            <a:lvl1pPr marL="457200" lvl="0" indent="-431800" algn="l">
+            <a:lvl1pPr indent="-431800" lvl="0" marL="457200" algn="l">
               <a:spcBef>
                 <a:spcPts val="640"/>
               </a:spcBef>
@@ -7551,7 +7351,7 @@
               <a:buChar char="•"/>
               <a:defRPr sz="3200"/>
             </a:lvl1pPr>
-            <a:lvl2pPr marL="914400" lvl="1" indent="-406400" algn="l">
+            <a:lvl2pPr indent="-406400" lvl="1" marL="914400" algn="l">
               <a:spcBef>
                 <a:spcPts val="560"/>
               </a:spcBef>
@@ -7565,7 +7365,7 @@
               <a:buChar char="–"/>
               <a:defRPr sz="2800"/>
             </a:lvl2pPr>
-            <a:lvl3pPr marL="1371600" lvl="2" indent="-381000" algn="l">
+            <a:lvl3pPr indent="-381000" lvl="2" marL="1371600" algn="l">
               <a:spcBef>
                 <a:spcPts val="480"/>
               </a:spcBef>
@@ -7579,7 +7379,7 @@
               <a:buChar char="•"/>
               <a:defRPr sz="2400"/>
             </a:lvl3pPr>
-            <a:lvl4pPr marL="1828800" lvl="3" indent="-355600" algn="l">
+            <a:lvl4pPr indent="-355600" lvl="3" marL="1828800" algn="l">
               <a:spcBef>
                 <a:spcPts val="400"/>
               </a:spcBef>
@@ -7593,7 +7393,7 @@
               <a:buChar char="–"/>
               <a:defRPr sz="2000"/>
             </a:lvl4pPr>
-            <a:lvl5pPr marL="2286000" lvl="4" indent="-355600" algn="l">
+            <a:lvl5pPr indent="-355600" lvl="4" marL="2286000" algn="l">
               <a:spcBef>
                 <a:spcPts val="400"/>
               </a:spcBef>
@@ -7607,7 +7407,7 @@
               <a:buChar char="»"/>
               <a:defRPr sz="2000"/>
             </a:lvl5pPr>
-            <a:lvl6pPr marL="2743200" lvl="5" indent="-355600" algn="l">
+            <a:lvl6pPr indent="-355600" lvl="5" marL="2743200" algn="l">
               <a:spcBef>
                 <a:spcPts val="400"/>
               </a:spcBef>
@@ -7621,7 +7421,7 @@
               <a:buChar char="•"/>
               <a:defRPr sz="2000"/>
             </a:lvl6pPr>
-            <a:lvl7pPr marL="3200400" lvl="6" indent="-355600" algn="l">
+            <a:lvl7pPr indent="-355600" lvl="6" marL="3200400" algn="l">
               <a:spcBef>
                 <a:spcPts val="400"/>
               </a:spcBef>
@@ -7635,7 +7435,7 @@
               <a:buChar char="•"/>
               <a:defRPr sz="2000"/>
             </a:lvl7pPr>
-            <a:lvl8pPr marL="3657600" lvl="7" indent="-355600" algn="l">
+            <a:lvl8pPr indent="-355600" lvl="7" marL="3657600" algn="l">
               <a:spcBef>
                 <a:spcPts val="400"/>
               </a:spcBef>
@@ -7649,7 +7449,7 @@
               <a:buChar char="•"/>
               <a:defRPr sz="2000"/>
             </a:lvl8pPr>
-            <a:lvl9pPr marL="4114800" lvl="8" indent="-355600" algn="l">
+            <a:lvl9pPr indent="-355600" lvl="8" marL="4114800" algn="l">
               <a:spcBef>
                 <a:spcPts val="400"/>
               </a:spcBef>
@@ -7664,19 +7464,15 @@
               <a:defRPr sz="2000"/>
             </a:lvl9pPr>
           </a:lstStyle>
-          <a:p>
-            <a:endParaRPr/>
-          </a:p>
+          <a:p/>
         </p:txBody>
       </p:sp>
       <p:sp>
         <p:nvSpPr>
           <p:cNvPr id="57" name="Google Shape;57;p9"/>
-          <p:cNvSpPr txBox="1">
-            <a:spLocks noGrp="1"/>
-          </p:cNvSpPr>
+          <p:cNvSpPr txBox="1"/>
           <p:nvPr>
-            <p:ph type="body" idx="2"/>
+            <p:ph idx="2" type="body"/>
           </p:nvPr>
         </p:nvSpPr>
         <p:spPr>
@@ -7693,11 +7489,11 @@
           </a:ln>
         </p:spPr>
         <p:txBody>
-          <a:bodyPr spcFirstLastPara="1" wrap="square" lIns="91425" tIns="45700" rIns="91425" bIns="45700" anchor="t" anchorCtr="0">
+          <a:bodyPr anchorCtr="0" anchor="t" bIns="45700" lIns="91425" spcFirstLastPara="1" rIns="91425" wrap="square" tIns="45700">
             <a:normAutofit/>
           </a:bodyPr>
           <a:lstStyle>
-            <a:lvl1pPr marL="457200" lvl="0" indent="-228600" algn="l">
+            <a:lvl1pPr indent="-228600" lvl="0" marL="457200" algn="l">
               <a:spcBef>
                 <a:spcPts val="280"/>
               </a:spcBef>
@@ -7711,7 +7507,7 @@
               <a:buNone/>
               <a:defRPr sz="1400"/>
             </a:lvl1pPr>
-            <a:lvl2pPr marL="914400" lvl="1" indent="-228600" algn="l">
+            <a:lvl2pPr indent="-228600" lvl="1" marL="914400" algn="l">
               <a:spcBef>
                 <a:spcPts val="240"/>
               </a:spcBef>
@@ -7725,7 +7521,7 @@
               <a:buNone/>
               <a:defRPr sz="1200"/>
             </a:lvl2pPr>
-            <a:lvl3pPr marL="1371600" lvl="2" indent="-228600" algn="l">
+            <a:lvl3pPr indent="-228600" lvl="2" marL="1371600" algn="l">
               <a:spcBef>
                 <a:spcPts val="200"/>
               </a:spcBef>
@@ -7739,7 +7535,7 @@
               <a:buNone/>
               <a:defRPr sz="1000"/>
             </a:lvl3pPr>
-            <a:lvl4pPr marL="1828800" lvl="3" indent="-228600" algn="l">
+            <a:lvl4pPr indent="-228600" lvl="3" marL="1828800" algn="l">
               <a:spcBef>
                 <a:spcPts val="180"/>
               </a:spcBef>
@@ -7753,7 +7549,7 @@
               <a:buNone/>
               <a:defRPr sz="900"/>
             </a:lvl4pPr>
-            <a:lvl5pPr marL="2286000" lvl="4" indent="-228600" algn="l">
+            <a:lvl5pPr indent="-228600" lvl="4" marL="2286000" algn="l">
               <a:spcBef>
                 <a:spcPts val="180"/>
               </a:spcBef>
@@ -7767,7 +7563,7 @@
               <a:buNone/>
               <a:defRPr sz="900"/>
             </a:lvl5pPr>
-            <a:lvl6pPr marL="2743200" lvl="5" indent="-228600" algn="l">
+            <a:lvl6pPr indent="-228600" lvl="5" marL="2743200" algn="l">
               <a:spcBef>
                 <a:spcPts val="180"/>
               </a:spcBef>
@@ -7781,7 +7577,7 @@
               <a:buNone/>
               <a:defRPr sz="900"/>
             </a:lvl6pPr>
-            <a:lvl7pPr marL="3200400" lvl="6" indent="-228600" algn="l">
+            <a:lvl7pPr indent="-228600" lvl="6" marL="3200400" algn="l">
               <a:spcBef>
                 <a:spcPts val="180"/>
               </a:spcBef>
@@ -7795,7 +7591,7 @@
               <a:buNone/>
               <a:defRPr sz="900"/>
             </a:lvl7pPr>
-            <a:lvl8pPr marL="3657600" lvl="7" indent="-228600" algn="l">
+            <a:lvl8pPr indent="-228600" lvl="7" marL="3657600" algn="l">
               <a:spcBef>
                 <a:spcPts val="180"/>
               </a:spcBef>
@@ -7809,7 +7605,7 @@
               <a:buNone/>
               <a:defRPr sz="900"/>
             </a:lvl8pPr>
-            <a:lvl9pPr marL="4114800" lvl="8" indent="-228600" algn="l">
+            <a:lvl9pPr indent="-228600" lvl="8" marL="4114800" algn="l">
               <a:spcBef>
                 <a:spcPts val="180"/>
               </a:spcBef>
@@ -7824,19 +7620,15 @@
               <a:defRPr sz="900"/>
             </a:lvl9pPr>
           </a:lstStyle>
-          <a:p>
-            <a:endParaRPr/>
-          </a:p>
+          <a:p/>
         </p:txBody>
       </p:sp>
       <p:sp>
         <p:nvSpPr>
           <p:cNvPr id="58" name="Google Shape;58;p9"/>
-          <p:cNvSpPr txBox="1">
-            <a:spLocks noGrp="1"/>
-          </p:cNvSpPr>
+          <p:cNvSpPr txBox="1"/>
           <p:nvPr>
-            <p:ph type="dt" idx="10"/>
+            <p:ph idx="10" type="dt"/>
           </p:nvPr>
         </p:nvSpPr>
         <p:spPr>
@@ -7853,7 +7645,7 @@
           </a:ln>
         </p:spPr>
         <p:txBody>
-          <a:bodyPr spcFirstLastPara="1" wrap="square" lIns="91425" tIns="45700" rIns="91425" bIns="45700" anchor="ctr" anchorCtr="0">
+          <a:bodyPr anchorCtr="0" anchor="ctr" bIns="45700" lIns="91425" spcFirstLastPara="1" rIns="91425" wrap="square" tIns="45700">
             <a:noAutofit/>
           </a:bodyPr>
           <a:lstStyle>
@@ -7957,19 +7749,15 @@
               <a:defRPr/>
             </a:lvl9pPr>
           </a:lstStyle>
-          <a:p>
-            <a:endParaRPr/>
-          </a:p>
+          <a:p/>
         </p:txBody>
       </p:sp>
       <p:sp>
         <p:nvSpPr>
           <p:cNvPr id="59" name="Google Shape;59;p9"/>
-          <p:cNvSpPr txBox="1">
-            <a:spLocks noGrp="1"/>
-          </p:cNvSpPr>
+          <p:cNvSpPr txBox="1"/>
           <p:nvPr>
-            <p:ph type="ftr" idx="11"/>
+            <p:ph idx="11" type="ftr"/>
           </p:nvPr>
         </p:nvSpPr>
         <p:spPr>
@@ -7986,7 +7774,7 @@
           </a:ln>
         </p:spPr>
         <p:txBody>
-          <a:bodyPr spcFirstLastPara="1" wrap="square" lIns="91425" tIns="45700" rIns="91425" bIns="45700" anchor="ctr" anchorCtr="0">
+          <a:bodyPr anchorCtr="0" anchor="ctr" bIns="45700" lIns="91425" spcFirstLastPara="1" rIns="91425" wrap="square" tIns="45700">
             <a:noAutofit/>
           </a:bodyPr>
           <a:lstStyle>
@@ -8090,19 +7878,15 @@
               <a:defRPr/>
             </a:lvl9pPr>
           </a:lstStyle>
-          <a:p>
-            <a:endParaRPr/>
-          </a:p>
+          <a:p/>
         </p:txBody>
       </p:sp>
       <p:sp>
         <p:nvSpPr>
           <p:cNvPr id="60" name="Google Shape;60;p9"/>
-          <p:cNvSpPr txBox="1">
-            <a:spLocks noGrp="1"/>
-          </p:cNvSpPr>
+          <p:cNvSpPr txBox="1"/>
           <p:nvPr>
-            <p:ph type="sldNum" idx="12"/>
+            <p:ph idx="12" type="sldNum"/>
           </p:nvPr>
         </p:nvSpPr>
         <p:spPr>
@@ -8119,67 +7903,67 @@
           </a:ln>
         </p:spPr>
         <p:txBody>
-          <a:bodyPr spcFirstLastPara="1" wrap="square" lIns="91425" tIns="45700" rIns="91425" bIns="45700" anchor="ctr" anchorCtr="0">
+          <a:bodyPr anchorCtr="0" anchor="ctr" bIns="45700" lIns="91425" spcFirstLastPara="1" rIns="91425" wrap="square" tIns="45700">
             <a:noAutofit/>
           </a:bodyPr>
           <a:lstStyle>
-            <a:lvl1pPr marL="0" lvl="0" indent="0" algn="r">
+            <a:lvl1pPr indent="0" lvl="0" marL="0" algn="r">
               <a:spcBef>
                 <a:spcPts val="0"/>
               </a:spcBef>
               <a:buNone/>
               <a:defRPr/>
             </a:lvl1pPr>
-            <a:lvl2pPr marL="0" lvl="1" indent="0" algn="r">
+            <a:lvl2pPr indent="0" lvl="1" marL="0" algn="r">
               <a:spcBef>
                 <a:spcPts val="0"/>
               </a:spcBef>
               <a:buNone/>
               <a:defRPr/>
             </a:lvl2pPr>
-            <a:lvl3pPr marL="0" lvl="2" indent="0" algn="r">
+            <a:lvl3pPr indent="0" lvl="2" marL="0" algn="r">
               <a:spcBef>
                 <a:spcPts val="0"/>
               </a:spcBef>
               <a:buNone/>
               <a:defRPr/>
             </a:lvl3pPr>
-            <a:lvl4pPr marL="0" lvl="3" indent="0" algn="r">
+            <a:lvl4pPr indent="0" lvl="3" marL="0" algn="r">
               <a:spcBef>
                 <a:spcPts val="0"/>
               </a:spcBef>
               <a:buNone/>
               <a:defRPr/>
             </a:lvl4pPr>
-            <a:lvl5pPr marL="0" lvl="4" indent="0" algn="r">
+            <a:lvl5pPr indent="0" lvl="4" marL="0" algn="r">
               <a:spcBef>
                 <a:spcPts val="0"/>
               </a:spcBef>
               <a:buNone/>
               <a:defRPr/>
             </a:lvl5pPr>
-            <a:lvl6pPr marL="0" lvl="5" indent="0" algn="r">
+            <a:lvl6pPr indent="0" lvl="5" marL="0" algn="r">
               <a:spcBef>
                 <a:spcPts val="0"/>
               </a:spcBef>
               <a:buNone/>
               <a:defRPr/>
             </a:lvl6pPr>
-            <a:lvl7pPr marL="0" lvl="6" indent="0" algn="r">
+            <a:lvl7pPr indent="0" lvl="6" marL="0" algn="r">
               <a:spcBef>
                 <a:spcPts val="0"/>
               </a:spcBef>
               <a:buNone/>
               <a:defRPr/>
             </a:lvl7pPr>
-            <a:lvl8pPr marL="0" lvl="7" indent="0" algn="r">
+            <a:lvl8pPr indent="0" lvl="7" marL="0" algn="r">
               <a:spcBef>
                 <a:spcPts val="0"/>
               </a:spcBef>
               <a:buNone/>
               <a:defRPr/>
             </a:lvl8pPr>
-            <a:lvl9pPr marL="0" lvl="8" indent="0" algn="r">
+            <a:lvl9pPr indent="0" lvl="8" marL="0" algn="r">
               <a:spcBef>
                 <a:spcPts val="0"/>
               </a:spcBef>
@@ -8188,7 +7972,7 @@
             </a:lvl9pPr>
           </a:lstStyle>
           <a:p>
-            <a:pPr marL="0" lvl="0" indent="0" algn="r" rtl="0">
+            <a:pPr indent="0" lvl="0" marL="0" rtl="0" algn="r">
               <a:spcBef>
                 <a:spcPts val="0"/>
               </a:spcBef>
@@ -8214,11 +7998,11 @@
 </file>
 
 <file path=ppt/slideLayouts/slideLayout9.xml><?xml version="1.0" encoding="utf-8"?>
-<p:sldLayout xmlns:a="http://schemas.openxmlformats.org/drawingml/2006/main" xmlns:r="http://schemas.openxmlformats.org/officeDocument/2006/relationships" xmlns:p="http://schemas.openxmlformats.org/presentationml/2006/main" matchingName="Picture with Caption" type="picTx">
+<p:sldLayout xmlns:a="http://schemas.openxmlformats.org/drawingml/2006/main" xmlns:r="http://schemas.openxmlformats.org/officeDocument/2006/relationships" xmlns:mc="http://schemas.openxmlformats.org/markup-compatibility/2006" xmlns:mv="urn:schemas-microsoft-com:mac:vml" xmlns:p="http://schemas.openxmlformats.org/presentationml/2006/main" xmlns:c="http://schemas.openxmlformats.org/drawingml/2006/chart" xmlns:dgm="http://schemas.openxmlformats.org/drawingml/2006/diagram" xmlns:o="urn:schemas-microsoft-com:office:office" xmlns:v="urn:schemas-microsoft-com:vml" xmlns:pvml="urn:schemas-microsoft-com:office:powerpoint" xmlns:com="http://schemas.openxmlformats.org/drawingml/2006/compatibility" xmlns:p14="http://schemas.microsoft.com/office/powerpoint/2010/main" xmlns:p15="http://schemas.microsoft.com/office/powerpoint/2012/main" xmlns:ahyp="http://schemas.microsoft.com/office/drawing/2018/hyperlinkcolor" matchingName="Picture with Caption" type="picTx">
   <p:cSld name="PICTURE_WITH_CAPTION_TEXT">
     <p:spTree>
       <p:nvGrpSpPr>
-        <p:cNvPr id="1" name="Shape 61"/>
+        <p:cNvPr id="61" name="Shape 61"/>
         <p:cNvGrpSpPr/>
         <p:nvPr/>
       </p:nvGrpSpPr>
@@ -8233,9 +8017,7 @@
       <p:sp>
         <p:nvSpPr>
           <p:cNvPr id="62" name="Google Shape;62;p10"/>
-          <p:cNvSpPr txBox="1">
-            <a:spLocks noGrp="1"/>
-          </p:cNvSpPr>
+          <p:cNvSpPr txBox="1"/>
           <p:nvPr>
             <p:ph type="title"/>
           </p:nvPr>
@@ -8254,7 +8036,7 @@
           </a:ln>
         </p:spPr>
         <p:txBody>
-          <a:bodyPr spcFirstLastPara="1" wrap="square" lIns="91425" tIns="45700" rIns="91425" bIns="45700" anchor="b" anchorCtr="0">
+          <a:bodyPr anchorCtr="0" anchor="b" bIns="45700" lIns="91425" spcFirstLastPara="1" rIns="91425" wrap="square" tIns="45700">
             <a:normAutofit/>
           </a:bodyPr>
           <a:lstStyle>
@@ -8271,7 +8053,7 @@
               <a:buSzPts val="2000"/>
               <a:buFont typeface="Calibri"/>
               <a:buNone/>
-              <a:defRPr sz="2000" b="1"/>
+              <a:defRPr b="1" sz="2000"/>
             </a:lvl1pPr>
             <a:lvl2pPr lvl="1">
               <a:spcBef>
@@ -8362,19 +8144,15 @@
               <a:defRPr/>
             </a:lvl9pPr>
           </a:lstStyle>
-          <a:p>
-            <a:endParaRPr/>
-          </a:p>
+          <a:p/>
         </p:txBody>
       </p:sp>
       <p:sp>
         <p:nvSpPr>
           <p:cNvPr id="63" name="Google Shape;63;p10"/>
-          <p:cNvSpPr>
-            <a:spLocks noGrp="1"/>
-          </p:cNvSpPr>
+          <p:cNvSpPr/>
           <p:nvPr>
-            <p:ph type="pic" idx="2"/>
+            <p:ph idx="2" type="pic"/>
           </p:nvPr>
         </p:nvSpPr>
         <p:spPr>
@@ -8394,11 +8172,9 @@
       <p:sp>
         <p:nvSpPr>
           <p:cNvPr id="64" name="Google Shape;64;p10"/>
-          <p:cNvSpPr txBox="1">
-            <a:spLocks noGrp="1"/>
-          </p:cNvSpPr>
+          <p:cNvSpPr txBox="1"/>
           <p:nvPr>
-            <p:ph type="body" idx="1"/>
+            <p:ph idx="1" type="body"/>
           </p:nvPr>
         </p:nvSpPr>
         <p:spPr>
@@ -8415,11 +8191,11 @@
           </a:ln>
         </p:spPr>
         <p:txBody>
-          <a:bodyPr spcFirstLastPara="1" wrap="square" lIns="91425" tIns="45700" rIns="91425" bIns="45700" anchor="t" anchorCtr="0">
+          <a:bodyPr anchorCtr="0" anchor="t" bIns="45700" lIns="91425" spcFirstLastPara="1" rIns="91425" wrap="square" tIns="45700">
             <a:normAutofit/>
           </a:bodyPr>
           <a:lstStyle>
-            <a:lvl1pPr marL="457200" lvl="0" indent="-228600" algn="l">
+            <a:lvl1pPr indent="-228600" lvl="0" marL="457200" algn="l">
               <a:spcBef>
                 <a:spcPts val="280"/>
               </a:spcBef>
@@ -8433,7 +8209,7 @@
               <a:buNone/>
               <a:defRPr sz="1400"/>
             </a:lvl1pPr>
-            <a:lvl2pPr marL="914400" lvl="1" indent="-228600" algn="l">
+            <a:lvl2pPr indent="-228600" lvl="1" marL="914400" algn="l">
               <a:spcBef>
                 <a:spcPts val="240"/>
               </a:spcBef>
@@ -8447,7 +8223,7 @@
               <a:buNone/>
               <a:defRPr sz="1200"/>
             </a:lvl2pPr>
-            <a:lvl3pPr marL="1371600" lvl="2" indent="-228600" algn="l">
+            <a:lvl3pPr indent="-228600" lvl="2" marL="1371600" algn="l">
               <a:spcBef>
                 <a:spcPts val="200"/>
               </a:spcBef>
@@ -8461,7 +8237,7 @@
               <a:buNone/>
               <a:defRPr sz="1000"/>
             </a:lvl3pPr>
-            <a:lvl4pPr marL="1828800" lvl="3" indent="-228600" algn="l">
+            <a:lvl4pPr indent="-228600" lvl="3" marL="1828800" algn="l">
               <a:spcBef>
                 <a:spcPts val="180"/>
               </a:spcBef>
@@ -8475,7 +8251,7 @@
               <a:buNone/>
               <a:defRPr sz="900"/>
             </a:lvl4pPr>
-            <a:lvl5pPr marL="2286000" lvl="4" indent="-228600" algn="l">
+            <a:lvl5pPr indent="-228600" lvl="4" marL="2286000" algn="l">
               <a:spcBef>
                 <a:spcPts val="180"/>
               </a:spcBef>
@@ -8489,7 +8265,7 @@
               <a:buNone/>
               <a:defRPr sz="900"/>
             </a:lvl5pPr>
-            <a:lvl6pPr marL="2743200" lvl="5" indent="-228600" algn="l">
+            <a:lvl6pPr indent="-228600" lvl="5" marL="2743200" algn="l">
               <a:spcBef>
                 <a:spcPts val="180"/>
               </a:spcBef>
@@ -8503,7 +8279,7 @@
               <a:buNone/>
               <a:defRPr sz="900"/>
             </a:lvl6pPr>
-            <a:lvl7pPr marL="3200400" lvl="6" indent="-228600" algn="l">
+            <a:lvl7pPr indent="-228600" lvl="6" marL="3200400" algn="l">
               <a:spcBef>
                 <a:spcPts val="180"/>
               </a:spcBef>
@@ -8517,7 +8293,7 @@
               <a:buNone/>
               <a:defRPr sz="900"/>
             </a:lvl7pPr>
-            <a:lvl8pPr marL="3657600" lvl="7" indent="-228600" algn="l">
+            <a:lvl8pPr indent="-228600" lvl="7" marL="3657600" algn="l">
               <a:spcBef>
                 <a:spcPts val="180"/>
               </a:spcBef>
@@ -8531,7 +8307,7 @@
               <a:buNone/>
               <a:defRPr sz="900"/>
             </a:lvl8pPr>
-            <a:lvl9pPr marL="4114800" lvl="8" indent="-228600" algn="l">
+            <a:lvl9pPr indent="-228600" lvl="8" marL="4114800" algn="l">
               <a:spcBef>
                 <a:spcPts val="180"/>
               </a:spcBef>
@@ -8546,19 +8322,15 @@
               <a:defRPr sz="900"/>
             </a:lvl9pPr>
           </a:lstStyle>
-          <a:p>
-            <a:endParaRPr/>
-          </a:p>
+          <a:p/>
         </p:txBody>
       </p:sp>
       <p:sp>
         <p:nvSpPr>
           <p:cNvPr id="65" name="Google Shape;65;p10"/>
-          <p:cNvSpPr txBox="1">
-            <a:spLocks noGrp="1"/>
-          </p:cNvSpPr>
+          <p:cNvSpPr txBox="1"/>
           <p:nvPr>
-            <p:ph type="dt" idx="10"/>
+            <p:ph idx="10" type="dt"/>
           </p:nvPr>
         </p:nvSpPr>
         <p:spPr>
@@ -8575,7 +8347,7 @@
           </a:ln>
         </p:spPr>
         <p:txBody>
-          <a:bodyPr spcFirstLastPara="1" wrap="square" lIns="91425" tIns="45700" rIns="91425" bIns="45700" anchor="ctr" anchorCtr="0">
+          <a:bodyPr anchorCtr="0" anchor="ctr" bIns="45700" lIns="91425" spcFirstLastPara="1" rIns="91425" wrap="square" tIns="45700">
             <a:noAutofit/>
           </a:bodyPr>
           <a:lstStyle>
@@ -8679,19 +8451,15 @@
               <a:defRPr/>
             </a:lvl9pPr>
           </a:lstStyle>
-          <a:p>
-            <a:endParaRPr/>
-          </a:p>
+          <a:p/>
         </p:txBody>
       </p:sp>
       <p:sp>
         <p:nvSpPr>
           <p:cNvPr id="66" name="Google Shape;66;p10"/>
-          <p:cNvSpPr txBox="1">
-            <a:spLocks noGrp="1"/>
-          </p:cNvSpPr>
+          <p:cNvSpPr txBox="1"/>
           <p:nvPr>
-            <p:ph type="ftr" idx="11"/>
+            <p:ph idx="11" type="ftr"/>
           </p:nvPr>
         </p:nvSpPr>
         <p:spPr>
@@ -8708,7 +8476,7 @@
           </a:ln>
         </p:spPr>
         <p:txBody>
-          <a:bodyPr spcFirstLastPara="1" wrap="square" lIns="91425" tIns="45700" rIns="91425" bIns="45700" anchor="ctr" anchorCtr="0">
+          <a:bodyPr anchorCtr="0" anchor="ctr" bIns="45700" lIns="91425" spcFirstLastPara="1" rIns="91425" wrap="square" tIns="45700">
             <a:noAutofit/>
           </a:bodyPr>
           <a:lstStyle>
@@ -8812,19 +8580,15 @@
               <a:defRPr/>
             </a:lvl9pPr>
           </a:lstStyle>
-          <a:p>
-            <a:endParaRPr/>
-          </a:p>
+          <a:p/>
         </p:txBody>
       </p:sp>
       <p:sp>
         <p:nvSpPr>
           <p:cNvPr id="67" name="Google Shape;67;p10"/>
-          <p:cNvSpPr txBox="1">
-            <a:spLocks noGrp="1"/>
-          </p:cNvSpPr>
+          <p:cNvSpPr txBox="1"/>
           <p:nvPr>
-            <p:ph type="sldNum" idx="12"/>
+            <p:ph idx="12" type="sldNum"/>
           </p:nvPr>
         </p:nvSpPr>
         <p:spPr>
@@ -8841,67 +8605,67 @@
           </a:ln>
         </p:spPr>
         <p:txBody>
-          <a:bodyPr spcFirstLastPara="1" wrap="square" lIns="91425" tIns="45700" rIns="91425" bIns="45700" anchor="ctr" anchorCtr="0">
+          <a:bodyPr anchorCtr="0" anchor="ctr" bIns="45700" lIns="91425" spcFirstLastPara="1" rIns="91425" wrap="square" tIns="45700">
             <a:noAutofit/>
           </a:bodyPr>
           <a:lstStyle>
-            <a:lvl1pPr marL="0" lvl="0" indent="0" algn="r">
+            <a:lvl1pPr indent="0" lvl="0" marL="0" algn="r">
               <a:spcBef>
                 <a:spcPts val="0"/>
               </a:spcBef>
               <a:buNone/>
               <a:defRPr/>
             </a:lvl1pPr>
-            <a:lvl2pPr marL="0" lvl="1" indent="0" algn="r">
+            <a:lvl2pPr indent="0" lvl="1" marL="0" algn="r">
               <a:spcBef>
                 <a:spcPts val="0"/>
               </a:spcBef>
               <a:buNone/>
               <a:defRPr/>
             </a:lvl2pPr>
-            <a:lvl3pPr marL="0" lvl="2" indent="0" algn="r">
+            <a:lvl3pPr indent="0" lvl="2" marL="0" algn="r">
               <a:spcBef>
                 <a:spcPts val="0"/>
               </a:spcBef>
               <a:buNone/>
               <a:defRPr/>
             </a:lvl3pPr>
-            <a:lvl4pPr marL="0" lvl="3" indent="0" algn="r">
+            <a:lvl4pPr indent="0" lvl="3" marL="0" algn="r">
               <a:spcBef>
                 <a:spcPts val="0"/>
               </a:spcBef>
               <a:buNone/>
               <a:defRPr/>
             </a:lvl4pPr>
-            <a:lvl5pPr marL="0" lvl="4" indent="0" algn="r">
+            <a:lvl5pPr indent="0" lvl="4" marL="0" algn="r">
               <a:spcBef>
                 <a:spcPts val="0"/>
               </a:spcBef>
               <a:buNone/>
               <a:defRPr/>
             </a:lvl5pPr>
-            <a:lvl6pPr marL="0" lvl="5" indent="0" algn="r">
+            <a:lvl6pPr indent="0" lvl="5" marL="0" algn="r">
               <a:spcBef>
                 <a:spcPts val="0"/>
               </a:spcBef>
               <a:buNone/>
               <a:defRPr/>
             </a:lvl6pPr>
-            <a:lvl7pPr marL="0" lvl="6" indent="0" algn="r">
+            <a:lvl7pPr indent="0" lvl="6" marL="0" algn="r">
               <a:spcBef>
                 <a:spcPts val="0"/>
               </a:spcBef>
               <a:buNone/>
               <a:defRPr/>
             </a:lvl7pPr>
-            <a:lvl8pPr marL="0" lvl="7" indent="0" algn="r">
+            <a:lvl8pPr indent="0" lvl="7" marL="0" algn="r">
               <a:spcBef>
                 <a:spcPts val="0"/>
               </a:spcBef>
               <a:buNone/>
               <a:defRPr/>
             </a:lvl8pPr>
-            <a:lvl9pPr marL="0" lvl="8" indent="0" algn="r">
+            <a:lvl9pPr indent="0" lvl="8" marL="0" algn="r">
               <a:spcBef>
                 <a:spcPts val="0"/>
               </a:spcBef>
@@ -8910,7 +8674,7 @@
             </a:lvl9pPr>
           </a:lstStyle>
           <a:p>
-            <a:pPr marL="0" lvl="0" indent="0" algn="r" rtl="0">
+            <a:pPr indent="0" lvl="0" marL="0" rtl="0" algn="r">
               <a:spcBef>
                 <a:spcPts val="0"/>
               </a:spcBef>
@@ -8936,19 +8700,18 @@
 </file>
 
 <file path=ppt/slideMasters/slideMaster1.xml><?xml version="1.0" encoding="utf-8"?>
-<p:sldMaster xmlns:a="http://schemas.openxmlformats.org/drawingml/2006/main" xmlns:r="http://schemas.openxmlformats.org/officeDocument/2006/relationships" xmlns:p="http://schemas.openxmlformats.org/presentationml/2006/main">
+<p:sldMaster xmlns:a="http://schemas.openxmlformats.org/drawingml/2006/main" xmlns:r="http://schemas.openxmlformats.org/officeDocument/2006/relationships" xmlns:mc="http://schemas.openxmlformats.org/markup-compatibility/2006" xmlns:mv="urn:schemas-microsoft-com:mac:vml" xmlns:p="http://schemas.openxmlformats.org/presentationml/2006/main" xmlns:c="http://schemas.openxmlformats.org/drawingml/2006/chart" xmlns:dgm="http://schemas.openxmlformats.org/drawingml/2006/diagram" xmlns:o="urn:schemas-microsoft-com:office:office" xmlns:v="urn:schemas-microsoft-com:vml" xmlns:pvml="urn:schemas-microsoft-com:office:powerpoint" xmlns:com="http://schemas.openxmlformats.org/drawingml/2006/compatibility" xmlns:p14="http://schemas.microsoft.com/office/powerpoint/2010/main" xmlns:p15="http://schemas.microsoft.com/office/powerpoint/2012/main" xmlns:ahyp="http://schemas.microsoft.com/office/drawing/2018/hyperlinkcolor">
   <p:cSld>
     <p:bg>
       <p:bgPr>
         <a:solidFill>
           <a:schemeClr val="lt1"/>
         </a:solidFill>
-        <a:effectLst/>
       </p:bgPr>
     </p:bg>
     <p:spTree>
       <p:nvGrpSpPr>
-        <p:cNvPr id="1" name="Shape 5"/>
+        <p:cNvPr id="5" name="Shape 5"/>
         <p:cNvGrpSpPr/>
         <p:nvPr/>
       </p:nvGrpSpPr>
@@ -8963,9 +8726,7 @@
       <p:sp>
         <p:nvSpPr>
           <p:cNvPr id="6" name="Google Shape;6;p1"/>
-          <p:cNvSpPr txBox="1">
-            <a:spLocks noGrp="1"/>
-          </p:cNvSpPr>
+          <p:cNvSpPr txBox="1"/>
           <p:nvPr>
             <p:ph type="title"/>
           </p:nvPr>
@@ -8984,11 +8745,11 @@
           </a:ln>
         </p:spPr>
         <p:txBody>
-          <a:bodyPr spcFirstLastPara="1" wrap="square" lIns="91425" tIns="45700" rIns="91425" bIns="45700" anchor="ctr" anchorCtr="0">
+          <a:bodyPr anchorCtr="0" anchor="ctr" bIns="45700" lIns="91425" spcFirstLastPara="1" rIns="91425" wrap="square" tIns="45700">
             <a:normAutofit/>
           </a:bodyPr>
           <a:lstStyle>
-            <a:lvl1pPr marR="0" lvl="0" algn="ctr" rtl="0">
+            <a:lvl1pPr lvl="0" marR="0" rtl="0" algn="ctr">
               <a:spcBef>
                 <a:spcPts val="0"/>
               </a:spcBef>
@@ -9001,7 +8762,7 @@
               <a:buSzPts val="4400"/>
               <a:buFont typeface="Calibri"/>
               <a:buNone/>
-              <a:defRPr sz="4400" b="0" i="0" u="none" strike="noStrike" cap="none">
+              <a:defRPr b="0" i="0" sz="4400" u="none" cap="none" strike="noStrike">
                 <a:solidFill>
                   <a:schemeClr val="dk1"/>
                 </a:solidFill>
@@ -9100,19 +8861,15 @@
               <a:defRPr sz="1800"/>
             </a:lvl9pPr>
           </a:lstStyle>
-          <a:p>
-            <a:endParaRPr/>
-          </a:p>
+          <a:p/>
         </p:txBody>
       </p:sp>
       <p:sp>
         <p:nvSpPr>
           <p:cNvPr id="7" name="Google Shape;7;p1"/>
-          <p:cNvSpPr txBox="1">
-            <a:spLocks noGrp="1"/>
-          </p:cNvSpPr>
+          <p:cNvSpPr txBox="1"/>
           <p:nvPr>
-            <p:ph type="body" idx="1"/>
+            <p:ph idx="1" type="body"/>
           </p:nvPr>
         </p:nvSpPr>
         <p:spPr>
@@ -9129,11 +8886,11 @@
           </a:ln>
         </p:spPr>
         <p:txBody>
-          <a:bodyPr spcFirstLastPara="1" wrap="square" lIns="91425" tIns="45700" rIns="91425" bIns="45700" anchor="t" anchorCtr="0">
+          <a:bodyPr anchorCtr="0" anchor="t" bIns="45700" lIns="91425" spcFirstLastPara="1" rIns="91425" wrap="square" tIns="45700">
             <a:normAutofit/>
           </a:bodyPr>
           <a:lstStyle>
-            <a:lvl1pPr marL="457200" marR="0" lvl="0" indent="-431800" algn="l" rtl="0">
+            <a:lvl1pPr indent="-431800" lvl="0" marL="457200" marR="0" rtl="0" algn="l">
               <a:spcBef>
                 <a:spcPts val="640"/>
               </a:spcBef>
@@ -9146,7 +8903,7 @@
               <a:buSzPts val="3200"/>
               <a:buFont typeface="Arial"/>
               <a:buChar char="•"/>
-              <a:defRPr sz="3200" b="0" i="0" u="none" strike="noStrike" cap="none">
+              <a:defRPr b="0" i="0" sz="3200" u="none" cap="none" strike="noStrike">
                 <a:solidFill>
                   <a:schemeClr val="dk1"/>
                 </a:solidFill>
@@ -9156,7 +8913,7 @@
                 <a:sym typeface="Calibri"/>
               </a:defRPr>
             </a:lvl1pPr>
-            <a:lvl2pPr marL="914400" marR="0" lvl="1" indent="-406400" algn="l" rtl="0">
+            <a:lvl2pPr indent="-406400" lvl="1" marL="914400" marR="0" rtl="0" algn="l">
               <a:spcBef>
                 <a:spcPts val="560"/>
               </a:spcBef>
@@ -9169,7 +8926,7 @@
               <a:buSzPts val="2800"/>
               <a:buFont typeface="Arial"/>
               <a:buChar char="–"/>
-              <a:defRPr sz="2800" b="0" i="0" u="none" strike="noStrike" cap="none">
+              <a:defRPr b="0" i="0" sz="2800" u="none" cap="none" strike="noStrike">
                 <a:solidFill>
                   <a:schemeClr val="dk1"/>
                 </a:solidFill>
@@ -9179,7 +8936,7 @@
                 <a:sym typeface="Calibri"/>
               </a:defRPr>
             </a:lvl2pPr>
-            <a:lvl3pPr marL="1371600" marR="0" lvl="2" indent="-381000" algn="l" rtl="0">
+            <a:lvl3pPr indent="-381000" lvl="2" marL="1371600" marR="0" rtl="0" algn="l">
               <a:spcBef>
                 <a:spcPts val="480"/>
               </a:spcBef>
@@ -9192,7 +8949,7 @@
               <a:buSzPts val="2400"/>
               <a:buFont typeface="Arial"/>
               <a:buChar char="•"/>
-              <a:defRPr sz="2400" b="0" i="0" u="none" strike="noStrike" cap="none">
+              <a:defRPr b="0" i="0" sz="2400" u="none" cap="none" strike="noStrike">
                 <a:solidFill>
                   <a:schemeClr val="dk1"/>
                 </a:solidFill>
@@ -9202,7 +8959,7 @@
                 <a:sym typeface="Calibri"/>
               </a:defRPr>
             </a:lvl3pPr>
-            <a:lvl4pPr marL="1828800" marR="0" lvl="3" indent="-355600" algn="l" rtl="0">
+            <a:lvl4pPr indent="-355600" lvl="3" marL="1828800" marR="0" rtl="0" algn="l">
               <a:spcBef>
                 <a:spcPts val="400"/>
               </a:spcBef>
@@ -9215,7 +8972,7 @@
               <a:buSzPts val="2000"/>
               <a:buFont typeface="Arial"/>
               <a:buChar char="–"/>
-              <a:defRPr sz="2000" b="0" i="0" u="none" strike="noStrike" cap="none">
+              <a:defRPr b="0" i="0" sz="2000" u="none" cap="none" strike="noStrike">
                 <a:solidFill>
                   <a:schemeClr val="dk1"/>
                 </a:solidFill>
@@ -9225,7 +8982,7 @@
                 <a:sym typeface="Calibri"/>
               </a:defRPr>
             </a:lvl4pPr>
-            <a:lvl5pPr marL="2286000" marR="0" lvl="4" indent="-355600" algn="l" rtl="0">
+            <a:lvl5pPr indent="-355600" lvl="4" marL="2286000" marR="0" rtl="0" algn="l">
               <a:spcBef>
                 <a:spcPts val="400"/>
               </a:spcBef>
@@ -9238,7 +8995,7 @@
               <a:buSzPts val="2000"/>
               <a:buFont typeface="Arial"/>
               <a:buChar char="»"/>
-              <a:defRPr sz="2000" b="0" i="0" u="none" strike="noStrike" cap="none">
+              <a:defRPr b="0" i="0" sz="2000" u="none" cap="none" strike="noStrike">
                 <a:solidFill>
                   <a:schemeClr val="dk1"/>
                 </a:solidFill>
@@ -9248,7 +9005,7 @@
                 <a:sym typeface="Calibri"/>
               </a:defRPr>
             </a:lvl5pPr>
-            <a:lvl6pPr marL="2743200" marR="0" lvl="5" indent="-355600" algn="l" rtl="0">
+            <a:lvl6pPr indent="-355600" lvl="5" marL="2743200" marR="0" rtl="0" algn="l">
               <a:spcBef>
                 <a:spcPts val="400"/>
               </a:spcBef>
@@ -9261,7 +9018,7 @@
               <a:buSzPts val="2000"/>
               <a:buFont typeface="Arial"/>
               <a:buChar char="•"/>
-              <a:defRPr sz="2000" b="0" i="0" u="none" strike="noStrike" cap="none">
+              <a:defRPr b="0" i="0" sz="2000" u="none" cap="none" strike="noStrike">
                 <a:solidFill>
                   <a:schemeClr val="dk1"/>
                 </a:solidFill>
@@ -9271,7 +9028,7 @@
                 <a:sym typeface="Calibri"/>
               </a:defRPr>
             </a:lvl6pPr>
-            <a:lvl7pPr marL="3200400" marR="0" lvl="6" indent="-355600" algn="l" rtl="0">
+            <a:lvl7pPr indent="-355600" lvl="6" marL="3200400" marR="0" rtl="0" algn="l">
               <a:spcBef>
                 <a:spcPts val="400"/>
               </a:spcBef>
@@ -9284,7 +9041,7 @@
               <a:buSzPts val="2000"/>
               <a:buFont typeface="Arial"/>
               <a:buChar char="•"/>
-              <a:defRPr sz="2000" b="0" i="0" u="none" strike="noStrike" cap="none">
+              <a:defRPr b="0" i="0" sz="2000" u="none" cap="none" strike="noStrike">
                 <a:solidFill>
                   <a:schemeClr val="dk1"/>
                 </a:solidFill>
@@ -9294,7 +9051,7 @@
                 <a:sym typeface="Calibri"/>
               </a:defRPr>
             </a:lvl7pPr>
-            <a:lvl8pPr marL="3657600" marR="0" lvl="7" indent="-355600" algn="l" rtl="0">
+            <a:lvl8pPr indent="-355600" lvl="7" marL="3657600" marR="0" rtl="0" algn="l">
               <a:spcBef>
                 <a:spcPts val="400"/>
               </a:spcBef>
@@ -9307,7 +9064,7 @@
               <a:buSzPts val="2000"/>
               <a:buFont typeface="Arial"/>
               <a:buChar char="•"/>
-              <a:defRPr sz="2000" b="0" i="0" u="none" strike="noStrike" cap="none">
+              <a:defRPr b="0" i="0" sz="2000" u="none" cap="none" strike="noStrike">
                 <a:solidFill>
                   <a:schemeClr val="dk1"/>
                 </a:solidFill>
@@ -9317,7 +9074,7 @@
                 <a:sym typeface="Calibri"/>
               </a:defRPr>
             </a:lvl8pPr>
-            <a:lvl9pPr marL="4114800" marR="0" lvl="8" indent="-355600" algn="l" rtl="0">
+            <a:lvl9pPr indent="-355600" lvl="8" marL="4114800" marR="0" rtl="0" algn="l">
               <a:spcBef>
                 <a:spcPts val="400"/>
               </a:spcBef>
@@ -9330,7 +9087,7 @@
               <a:buSzPts val="2000"/>
               <a:buFont typeface="Arial"/>
               <a:buChar char="•"/>
-              <a:defRPr sz="2000" b="0" i="0" u="none" strike="noStrike" cap="none">
+              <a:defRPr b="0" i="0" sz="2000" u="none" cap="none" strike="noStrike">
                 <a:solidFill>
                   <a:schemeClr val="dk1"/>
                 </a:solidFill>
@@ -9341,19 +9098,15 @@
               </a:defRPr>
             </a:lvl9pPr>
           </a:lstStyle>
-          <a:p>
-            <a:endParaRPr/>
-          </a:p>
+          <a:p/>
         </p:txBody>
       </p:sp>
       <p:sp>
         <p:nvSpPr>
           <p:cNvPr id="8" name="Google Shape;8;p1"/>
-          <p:cNvSpPr txBox="1">
-            <a:spLocks noGrp="1"/>
-          </p:cNvSpPr>
+          <p:cNvSpPr txBox="1"/>
           <p:nvPr>
-            <p:ph type="dt" idx="10"/>
+            <p:ph idx="10" type="dt"/>
           </p:nvPr>
         </p:nvSpPr>
         <p:spPr>
@@ -9370,20 +9123,20 @@
           </a:ln>
         </p:spPr>
         <p:txBody>
-          <a:bodyPr spcFirstLastPara="1" wrap="square" lIns="91425" tIns="45700" rIns="91425" bIns="45700" anchor="ctr" anchorCtr="0">
+          <a:bodyPr anchorCtr="0" anchor="ctr" bIns="45700" lIns="91425" spcFirstLastPara="1" rIns="91425" wrap="square" tIns="45700">
             <a:noAutofit/>
           </a:bodyPr>
           <a:lstStyle>
-            <a:lvl1pPr marR="0" lvl="0" algn="l" rtl="0">
-              <a:spcBef>
-                <a:spcPts val="0"/>
-              </a:spcBef>
-              <a:spcAft>
-                <a:spcPts val="0"/>
-              </a:spcAft>
-              <a:buSzPts val="1400"/>
-              <a:buNone/>
-              <a:defRPr sz="1200" b="0" i="0" u="none" strike="noStrike" cap="none">
+            <a:lvl1pPr lvl="0" marR="0" rtl="0" algn="l">
+              <a:spcBef>
+                <a:spcPts val="0"/>
+              </a:spcBef>
+              <a:spcAft>
+                <a:spcPts val="0"/>
+              </a:spcAft>
+              <a:buSzPts val="1400"/>
+              <a:buNone/>
+              <a:defRPr b="0" i="0" sz="1200" u="none" cap="none" strike="noStrike">
                 <a:solidFill>
                   <a:srgbClr val="888888"/>
                 </a:solidFill>
@@ -9393,16 +9146,16 @@
                 <a:sym typeface="Calibri"/>
               </a:defRPr>
             </a:lvl1pPr>
-            <a:lvl2pPr marR="0" lvl="1" algn="l" rtl="0">
-              <a:spcBef>
-                <a:spcPts val="0"/>
-              </a:spcBef>
-              <a:spcAft>
-                <a:spcPts val="0"/>
-              </a:spcAft>
-              <a:buSzPts val="1400"/>
-              <a:buNone/>
-              <a:defRPr sz="1800" b="0" i="0" u="none" strike="noStrike" cap="none">
+            <a:lvl2pPr lvl="1" marR="0" rtl="0" algn="l">
+              <a:spcBef>
+                <a:spcPts val="0"/>
+              </a:spcBef>
+              <a:spcAft>
+                <a:spcPts val="0"/>
+              </a:spcAft>
+              <a:buSzPts val="1400"/>
+              <a:buNone/>
+              <a:defRPr b="0" i="0" sz="1800" u="none" cap="none" strike="noStrike">
                 <a:solidFill>
                   <a:schemeClr val="dk1"/>
                 </a:solidFill>
@@ -9412,16 +9165,16 @@
                 <a:sym typeface="Calibri"/>
               </a:defRPr>
             </a:lvl2pPr>
-            <a:lvl3pPr marR="0" lvl="2" algn="l" rtl="0">
-              <a:spcBef>
-                <a:spcPts val="0"/>
-              </a:spcBef>
-              <a:spcAft>
-                <a:spcPts val="0"/>
-              </a:spcAft>
-              <a:buSzPts val="1400"/>
-              <a:buNone/>
-              <a:defRPr sz="1800" b="0" i="0" u="none" strike="noStrike" cap="none">
+            <a:lvl3pPr lvl="2" marR="0" rtl="0" algn="l">
+              <a:spcBef>
+                <a:spcPts val="0"/>
+              </a:spcBef>
+              <a:spcAft>
+                <a:spcPts val="0"/>
+              </a:spcAft>
+              <a:buSzPts val="1400"/>
+              <a:buNone/>
+              <a:defRPr b="0" i="0" sz="1800" u="none" cap="none" strike="noStrike">
                 <a:solidFill>
                   <a:schemeClr val="dk1"/>
                 </a:solidFill>
@@ -9431,16 +9184,16 @@
                 <a:sym typeface="Calibri"/>
               </a:defRPr>
             </a:lvl3pPr>
-            <a:lvl4pPr marR="0" lvl="3" algn="l" rtl="0">
-              <a:spcBef>
-                <a:spcPts val="0"/>
-              </a:spcBef>
-              <a:spcAft>
-                <a:spcPts val="0"/>
-              </a:spcAft>
-              <a:buSzPts val="1400"/>
-              <a:buNone/>
-              <a:defRPr sz="1800" b="0" i="0" u="none" strike="noStrike" cap="none">
+            <a:lvl4pPr lvl="3" marR="0" rtl="0" algn="l">
+              <a:spcBef>
+                <a:spcPts val="0"/>
+              </a:spcBef>
+              <a:spcAft>
+                <a:spcPts val="0"/>
+              </a:spcAft>
+              <a:buSzPts val="1400"/>
+              <a:buNone/>
+              <a:defRPr b="0" i="0" sz="1800" u="none" cap="none" strike="noStrike">
                 <a:solidFill>
                   <a:schemeClr val="dk1"/>
                 </a:solidFill>
@@ -9450,16 +9203,16 @@
                 <a:sym typeface="Calibri"/>
               </a:defRPr>
             </a:lvl4pPr>
-            <a:lvl5pPr marR="0" lvl="4" algn="l" rtl="0">
-              <a:spcBef>
-                <a:spcPts val="0"/>
-              </a:spcBef>
-              <a:spcAft>
-                <a:spcPts val="0"/>
-              </a:spcAft>
-              <a:buSzPts val="1400"/>
-              <a:buNone/>
-              <a:defRPr sz="1800" b="0" i="0" u="none" strike="noStrike" cap="none">
+            <a:lvl5pPr lvl="4" marR="0" rtl="0" algn="l">
+              <a:spcBef>
+                <a:spcPts val="0"/>
+              </a:spcBef>
+              <a:spcAft>
+                <a:spcPts val="0"/>
+              </a:spcAft>
+              <a:buSzPts val="1400"/>
+              <a:buNone/>
+              <a:defRPr b="0" i="0" sz="1800" u="none" cap="none" strike="noStrike">
                 <a:solidFill>
                   <a:schemeClr val="dk1"/>
                 </a:solidFill>
@@ -9469,16 +9222,16 @@
                 <a:sym typeface="Calibri"/>
               </a:defRPr>
             </a:lvl5pPr>
-            <a:lvl6pPr marR="0" lvl="5" algn="l" rtl="0">
-              <a:spcBef>
-                <a:spcPts val="0"/>
-              </a:spcBef>
-              <a:spcAft>
-                <a:spcPts val="0"/>
-              </a:spcAft>
-              <a:buSzPts val="1400"/>
-              <a:buNone/>
-              <a:defRPr sz="1800" b="0" i="0" u="none" strike="noStrike" cap="none">
+            <a:lvl6pPr lvl="5" marR="0" rtl="0" algn="l">
+              <a:spcBef>
+                <a:spcPts val="0"/>
+              </a:spcBef>
+              <a:spcAft>
+                <a:spcPts val="0"/>
+              </a:spcAft>
+              <a:buSzPts val="1400"/>
+              <a:buNone/>
+              <a:defRPr b="0" i="0" sz="1800" u="none" cap="none" strike="noStrike">
                 <a:solidFill>
                   <a:schemeClr val="dk1"/>
                 </a:solidFill>
@@ -9488,16 +9241,16 @@
                 <a:sym typeface="Calibri"/>
               </a:defRPr>
             </a:lvl6pPr>
-            <a:lvl7pPr marR="0" lvl="6" algn="l" rtl="0">
-              <a:spcBef>
-                <a:spcPts val="0"/>
-              </a:spcBef>
-              <a:spcAft>
-                <a:spcPts val="0"/>
-              </a:spcAft>
-              <a:buSzPts val="1400"/>
-              <a:buNone/>
-              <a:defRPr sz="1800" b="0" i="0" u="none" strike="noStrike" cap="none">
+            <a:lvl7pPr lvl="6" marR="0" rtl="0" algn="l">
+              <a:spcBef>
+                <a:spcPts val="0"/>
+              </a:spcBef>
+              <a:spcAft>
+                <a:spcPts val="0"/>
+              </a:spcAft>
+              <a:buSzPts val="1400"/>
+              <a:buNone/>
+              <a:defRPr b="0" i="0" sz="1800" u="none" cap="none" strike="noStrike">
                 <a:solidFill>
                   <a:schemeClr val="dk1"/>
                 </a:solidFill>
@@ -9507,16 +9260,16 @@
                 <a:sym typeface="Calibri"/>
               </a:defRPr>
             </a:lvl7pPr>
-            <a:lvl8pPr marR="0" lvl="7" algn="l" rtl="0">
-              <a:spcBef>
-                <a:spcPts val="0"/>
-              </a:spcBef>
-              <a:spcAft>
-                <a:spcPts val="0"/>
-              </a:spcAft>
-              <a:buSzPts val="1400"/>
-              <a:buNone/>
-              <a:defRPr sz="1800" b="0" i="0" u="none" strike="noStrike" cap="none">
+            <a:lvl8pPr lvl="7" marR="0" rtl="0" algn="l">
+              <a:spcBef>
+                <a:spcPts val="0"/>
+              </a:spcBef>
+              <a:spcAft>
+                <a:spcPts val="0"/>
+              </a:spcAft>
+              <a:buSzPts val="1400"/>
+              <a:buNone/>
+              <a:defRPr b="0" i="0" sz="1800" u="none" cap="none" strike="noStrike">
                 <a:solidFill>
                   <a:schemeClr val="dk1"/>
                 </a:solidFill>
@@ -9526,16 +9279,16 @@
                 <a:sym typeface="Calibri"/>
               </a:defRPr>
             </a:lvl8pPr>
-            <a:lvl9pPr marR="0" lvl="8" algn="l" rtl="0">
-              <a:spcBef>
-                <a:spcPts val="0"/>
-              </a:spcBef>
-              <a:spcAft>
-                <a:spcPts val="0"/>
-              </a:spcAft>
-              <a:buSzPts val="1400"/>
-              <a:buNone/>
-              <a:defRPr sz="1800" b="0" i="0" u="none" strike="noStrike" cap="none">
+            <a:lvl9pPr lvl="8" marR="0" rtl="0" algn="l">
+              <a:spcBef>
+                <a:spcPts val="0"/>
+              </a:spcBef>
+              <a:spcAft>
+                <a:spcPts val="0"/>
+              </a:spcAft>
+              <a:buSzPts val="1400"/>
+              <a:buNone/>
+              <a:defRPr b="0" i="0" sz="1800" u="none" cap="none" strike="noStrike">
                 <a:solidFill>
                   <a:schemeClr val="dk1"/>
                 </a:solidFill>
@@ -9546,19 +9299,15 @@
               </a:defRPr>
             </a:lvl9pPr>
           </a:lstStyle>
-          <a:p>
-            <a:endParaRPr/>
-          </a:p>
+          <a:p/>
         </p:txBody>
       </p:sp>
       <p:sp>
         <p:nvSpPr>
           <p:cNvPr id="9" name="Google Shape;9;p1"/>
-          <p:cNvSpPr txBox="1">
-            <a:spLocks noGrp="1"/>
-          </p:cNvSpPr>
+          <p:cNvSpPr txBox="1"/>
           <p:nvPr>
-            <p:ph type="ftr" idx="11"/>
+            <p:ph idx="11" type="ftr"/>
           </p:nvPr>
         </p:nvSpPr>
         <p:spPr>
@@ -9575,20 +9324,20 @@
           </a:ln>
         </p:spPr>
         <p:txBody>
-          <a:bodyPr spcFirstLastPara="1" wrap="square" lIns="91425" tIns="45700" rIns="91425" bIns="45700" anchor="ctr" anchorCtr="0">
+          <a:bodyPr anchorCtr="0" anchor="ctr" bIns="45700" lIns="91425" spcFirstLastPara="1" rIns="91425" wrap="square" tIns="45700">
             <a:noAutofit/>
           </a:bodyPr>
           <a:lstStyle>
-            <a:lvl1pPr marR="0" lvl="0" algn="ctr" rtl="0">
-              <a:spcBef>
-                <a:spcPts val="0"/>
-              </a:spcBef>
-              <a:spcAft>
-                <a:spcPts val="0"/>
-              </a:spcAft>
-              <a:buSzPts val="1400"/>
-              <a:buNone/>
-              <a:defRPr sz="1200" b="0" i="0" u="none" strike="noStrike" cap="none">
+            <a:lvl1pPr lvl="0" marR="0" rtl="0" algn="ctr">
+              <a:spcBef>
+                <a:spcPts val="0"/>
+              </a:spcBef>
+              <a:spcAft>
+                <a:spcPts val="0"/>
+              </a:spcAft>
+              <a:buSzPts val="1400"/>
+              <a:buNone/>
+              <a:defRPr b="0" i="0" sz="1200" u="none" cap="none" strike="noStrike">
                 <a:solidFill>
                   <a:srgbClr val="888888"/>
                 </a:solidFill>
@@ -9598,16 +9347,16 @@
                 <a:sym typeface="Calibri"/>
               </a:defRPr>
             </a:lvl1pPr>
-            <a:lvl2pPr marR="0" lvl="1" algn="l" rtl="0">
-              <a:spcBef>
-                <a:spcPts val="0"/>
-              </a:spcBef>
-              <a:spcAft>
-                <a:spcPts val="0"/>
-              </a:spcAft>
-              <a:buSzPts val="1400"/>
-              <a:buNone/>
-              <a:defRPr sz="1800" b="0" i="0" u="none" strike="noStrike" cap="none">
+            <a:lvl2pPr lvl="1" marR="0" rtl="0" algn="l">
+              <a:spcBef>
+                <a:spcPts val="0"/>
+              </a:spcBef>
+              <a:spcAft>
+                <a:spcPts val="0"/>
+              </a:spcAft>
+              <a:buSzPts val="1400"/>
+              <a:buNone/>
+              <a:defRPr b="0" i="0" sz="1800" u="none" cap="none" strike="noStrike">
                 <a:solidFill>
                   <a:schemeClr val="dk1"/>
                 </a:solidFill>
@@ -9617,16 +9366,16 @@
                 <a:sym typeface="Calibri"/>
               </a:defRPr>
             </a:lvl2pPr>
-            <a:lvl3pPr marR="0" lvl="2" algn="l" rtl="0">
-              <a:spcBef>
-                <a:spcPts val="0"/>
-              </a:spcBef>
-              <a:spcAft>
-                <a:spcPts val="0"/>
-              </a:spcAft>
-              <a:buSzPts val="1400"/>
-              <a:buNone/>
-              <a:defRPr sz="1800" b="0" i="0" u="none" strike="noStrike" cap="none">
+            <a:lvl3pPr lvl="2" marR="0" rtl="0" algn="l">
+              <a:spcBef>
+                <a:spcPts val="0"/>
+              </a:spcBef>
+              <a:spcAft>
+                <a:spcPts val="0"/>
+              </a:spcAft>
+              <a:buSzPts val="1400"/>
+              <a:buNone/>
+              <a:defRPr b="0" i="0" sz="1800" u="none" cap="none" strike="noStrike">
                 <a:solidFill>
                   <a:schemeClr val="dk1"/>
                 </a:solidFill>
@@ -9636,16 +9385,16 @@
                 <a:sym typeface="Calibri"/>
               </a:defRPr>
             </a:lvl3pPr>
-            <a:lvl4pPr marR="0" lvl="3" algn="l" rtl="0">
-              <a:spcBef>
-                <a:spcPts val="0"/>
-              </a:spcBef>
-              <a:spcAft>
-                <a:spcPts val="0"/>
-              </a:spcAft>
-              <a:buSzPts val="1400"/>
-              <a:buNone/>
-              <a:defRPr sz="1800" b="0" i="0" u="none" strike="noStrike" cap="none">
+            <a:lvl4pPr lvl="3" marR="0" rtl="0" algn="l">
+              <a:spcBef>
+                <a:spcPts val="0"/>
+              </a:spcBef>
+              <a:spcAft>
+                <a:spcPts val="0"/>
+              </a:spcAft>
+              <a:buSzPts val="1400"/>
+              <a:buNone/>
+              <a:defRPr b="0" i="0" sz="1800" u="none" cap="none" strike="noStrike">
                 <a:solidFill>
                   <a:schemeClr val="dk1"/>
                 </a:solidFill>
@@ -9655,16 +9404,16 @@
                 <a:sym typeface="Calibri"/>
               </a:defRPr>
             </a:lvl4pPr>
-            <a:lvl5pPr marR="0" lvl="4" algn="l" rtl="0">
-              <a:spcBef>
-                <a:spcPts val="0"/>
-              </a:spcBef>
-              <a:spcAft>
-                <a:spcPts val="0"/>
-              </a:spcAft>
-              <a:buSzPts val="1400"/>
-              <a:buNone/>
-              <a:defRPr sz="1800" b="0" i="0" u="none" strike="noStrike" cap="none">
+            <a:lvl5pPr lvl="4" marR="0" rtl="0" algn="l">
+              <a:spcBef>
+                <a:spcPts val="0"/>
+              </a:spcBef>
+              <a:spcAft>
+                <a:spcPts val="0"/>
+              </a:spcAft>
+              <a:buSzPts val="1400"/>
+              <a:buNone/>
+              <a:defRPr b="0" i="0" sz="1800" u="none" cap="none" strike="noStrike">
                 <a:solidFill>
                   <a:schemeClr val="dk1"/>
                 </a:solidFill>
@@ -9674,16 +9423,16 @@
                 <a:sym typeface="Calibri"/>
               </a:defRPr>
             </a:lvl5pPr>
-            <a:lvl6pPr marR="0" lvl="5" algn="l" rtl="0">
-              <a:spcBef>
-                <a:spcPts val="0"/>
-              </a:spcBef>
-              <a:spcAft>
-                <a:spcPts val="0"/>
-              </a:spcAft>
-              <a:buSzPts val="1400"/>
-              <a:buNone/>
-              <a:defRPr sz="1800" b="0" i="0" u="none" strike="noStrike" cap="none">
+            <a:lvl6pPr lvl="5" marR="0" rtl="0" algn="l">
+              <a:spcBef>
+                <a:spcPts val="0"/>
+              </a:spcBef>
+              <a:spcAft>
+                <a:spcPts val="0"/>
+              </a:spcAft>
+              <a:buSzPts val="1400"/>
+              <a:buNone/>
+              <a:defRPr b="0" i="0" sz="1800" u="none" cap="none" strike="noStrike">
                 <a:solidFill>
                   <a:schemeClr val="dk1"/>
                 </a:solidFill>
@@ -9693,16 +9442,16 @@
                 <a:sym typeface="Calibri"/>
               </a:defRPr>
             </a:lvl6pPr>
-            <a:lvl7pPr marR="0" lvl="6" algn="l" rtl="0">
-              <a:spcBef>
-                <a:spcPts val="0"/>
-              </a:spcBef>
-              <a:spcAft>
-                <a:spcPts val="0"/>
-              </a:spcAft>
-              <a:buSzPts val="1400"/>
-              <a:buNone/>
-              <a:defRPr sz="1800" b="0" i="0" u="none" strike="noStrike" cap="none">
+            <a:lvl7pPr lvl="6" marR="0" rtl="0" algn="l">
+              <a:spcBef>
+                <a:spcPts val="0"/>
+              </a:spcBef>
+              <a:spcAft>
+                <a:spcPts val="0"/>
+              </a:spcAft>
+              <a:buSzPts val="1400"/>
+              <a:buNone/>
+              <a:defRPr b="0" i="0" sz="1800" u="none" cap="none" strike="noStrike">
                 <a:solidFill>
                   <a:schemeClr val="dk1"/>
                 </a:solidFill>
@@ -9712,16 +9461,16 @@
                 <a:sym typeface="Calibri"/>
               </a:defRPr>
             </a:lvl7pPr>
-            <a:lvl8pPr marR="0" lvl="7" algn="l" rtl="0">
-              <a:spcBef>
-                <a:spcPts val="0"/>
-              </a:spcBef>
-              <a:spcAft>
-                <a:spcPts val="0"/>
-              </a:spcAft>
-              <a:buSzPts val="1400"/>
-              <a:buNone/>
-              <a:defRPr sz="1800" b="0" i="0" u="none" strike="noStrike" cap="none">
+            <a:lvl8pPr lvl="7" marR="0" rtl="0" algn="l">
+              <a:spcBef>
+                <a:spcPts val="0"/>
+              </a:spcBef>
+              <a:spcAft>
+                <a:spcPts val="0"/>
+              </a:spcAft>
+              <a:buSzPts val="1400"/>
+              <a:buNone/>
+              <a:defRPr b="0" i="0" sz="1800" u="none" cap="none" strike="noStrike">
                 <a:solidFill>
                   <a:schemeClr val="dk1"/>
                 </a:solidFill>
@@ -9731,16 +9480,16 @@
                 <a:sym typeface="Calibri"/>
               </a:defRPr>
             </a:lvl8pPr>
-            <a:lvl9pPr marR="0" lvl="8" algn="l" rtl="0">
-              <a:spcBef>
-                <a:spcPts val="0"/>
-              </a:spcBef>
-              <a:spcAft>
-                <a:spcPts val="0"/>
-              </a:spcAft>
-              <a:buSzPts val="1400"/>
-              <a:buNone/>
-              <a:defRPr sz="1800" b="0" i="0" u="none" strike="noStrike" cap="none">
+            <a:lvl9pPr lvl="8" marR="0" rtl="0" algn="l">
+              <a:spcBef>
+                <a:spcPts val="0"/>
+              </a:spcBef>
+              <a:spcAft>
+                <a:spcPts val="0"/>
+              </a:spcAft>
+              <a:buSzPts val="1400"/>
+              <a:buNone/>
+              <a:defRPr b="0" i="0" sz="1800" u="none" cap="none" strike="noStrike">
                 <a:solidFill>
                   <a:schemeClr val="dk1"/>
                 </a:solidFill>
@@ -9751,19 +9500,15 @@
               </a:defRPr>
             </a:lvl9pPr>
           </a:lstStyle>
-          <a:p>
-            <a:endParaRPr/>
-          </a:p>
+          <a:p/>
         </p:txBody>
       </p:sp>
       <p:sp>
         <p:nvSpPr>
           <p:cNvPr id="10" name="Google Shape;10;p1"/>
-          <p:cNvSpPr txBox="1">
-            <a:spLocks noGrp="1"/>
-          </p:cNvSpPr>
+          <p:cNvSpPr txBox="1"/>
           <p:nvPr>
-            <p:ph type="sldNum" idx="12"/>
+            <p:ph idx="12" type="sldNum"/>
           </p:nvPr>
         </p:nvSpPr>
         <p:spPr>
@@ -9780,16 +9525,16 @@
           </a:ln>
         </p:spPr>
         <p:txBody>
-          <a:bodyPr spcFirstLastPara="1" wrap="square" lIns="91425" tIns="45700" rIns="91425" bIns="45700" anchor="ctr" anchorCtr="0">
+          <a:bodyPr anchorCtr="0" anchor="ctr" bIns="45700" lIns="91425" spcFirstLastPara="1" rIns="91425" wrap="square" tIns="45700">
             <a:noAutofit/>
           </a:bodyPr>
           <a:lstStyle>
-            <a:lvl1pPr marL="0" marR="0" lvl="0" indent="0" algn="r" rtl="0">
-              <a:spcBef>
-                <a:spcPts val="0"/>
-              </a:spcBef>
-              <a:buNone/>
-              <a:defRPr sz="1200" b="0" i="0" u="none" strike="noStrike" cap="none">
+            <a:lvl1pPr indent="0" lvl="0" marL="0" marR="0" rtl="0" algn="r">
+              <a:spcBef>
+                <a:spcPts val="0"/>
+              </a:spcBef>
+              <a:buNone/>
+              <a:defRPr b="0" i="0" sz="1200" u="none" cap="none" strike="noStrike">
                 <a:solidFill>
                   <a:srgbClr val="888888"/>
                 </a:solidFill>
@@ -9799,12 +9544,12 @@
                 <a:sym typeface="Calibri"/>
               </a:defRPr>
             </a:lvl1pPr>
-            <a:lvl2pPr marL="0" marR="0" lvl="1" indent="0" algn="r" rtl="0">
-              <a:spcBef>
-                <a:spcPts val="0"/>
-              </a:spcBef>
-              <a:buNone/>
-              <a:defRPr sz="1200" b="0" i="0" u="none" strike="noStrike" cap="none">
+            <a:lvl2pPr indent="0" lvl="1" marL="0" marR="0" rtl="0" algn="r">
+              <a:spcBef>
+                <a:spcPts val="0"/>
+              </a:spcBef>
+              <a:buNone/>
+              <a:defRPr b="0" i="0" sz="1200" u="none" cap="none" strike="noStrike">
                 <a:solidFill>
                   <a:srgbClr val="888888"/>
                 </a:solidFill>
@@ -9814,12 +9559,12 @@
                 <a:sym typeface="Calibri"/>
               </a:defRPr>
             </a:lvl2pPr>
-            <a:lvl3pPr marL="0" marR="0" lvl="2" indent="0" algn="r" rtl="0">
-              <a:spcBef>
-                <a:spcPts val="0"/>
-              </a:spcBef>
-              <a:buNone/>
-              <a:defRPr sz="1200" b="0" i="0" u="none" strike="noStrike" cap="none">
+            <a:lvl3pPr indent="0" lvl="2" marL="0" marR="0" rtl="0" algn="r">
+              <a:spcBef>
+                <a:spcPts val="0"/>
+              </a:spcBef>
+              <a:buNone/>
+              <a:defRPr b="0" i="0" sz="1200" u="none" cap="none" strike="noStrike">
                 <a:solidFill>
                   <a:srgbClr val="888888"/>
                 </a:solidFill>
@@ -9829,12 +9574,12 @@
                 <a:sym typeface="Calibri"/>
               </a:defRPr>
             </a:lvl3pPr>
-            <a:lvl4pPr marL="0" marR="0" lvl="3" indent="0" algn="r" rtl="0">
-              <a:spcBef>
-                <a:spcPts val="0"/>
-              </a:spcBef>
-              <a:buNone/>
-              <a:defRPr sz="1200" b="0" i="0" u="none" strike="noStrike" cap="none">
+            <a:lvl4pPr indent="0" lvl="3" marL="0" marR="0" rtl="0" algn="r">
+              <a:spcBef>
+                <a:spcPts val="0"/>
+              </a:spcBef>
+              <a:buNone/>
+              <a:defRPr b="0" i="0" sz="1200" u="none" cap="none" strike="noStrike">
                 <a:solidFill>
                   <a:srgbClr val="888888"/>
                 </a:solidFill>
@@ -9844,12 +9589,12 @@
                 <a:sym typeface="Calibri"/>
               </a:defRPr>
             </a:lvl4pPr>
-            <a:lvl5pPr marL="0" marR="0" lvl="4" indent="0" algn="r" rtl="0">
-              <a:spcBef>
-                <a:spcPts val="0"/>
-              </a:spcBef>
-              <a:buNone/>
-              <a:defRPr sz="1200" b="0" i="0" u="none" strike="noStrike" cap="none">
+            <a:lvl5pPr indent="0" lvl="4" marL="0" marR="0" rtl="0" algn="r">
+              <a:spcBef>
+                <a:spcPts val="0"/>
+              </a:spcBef>
+              <a:buNone/>
+              <a:defRPr b="0" i="0" sz="1200" u="none" cap="none" strike="noStrike">
                 <a:solidFill>
                   <a:srgbClr val="888888"/>
                 </a:solidFill>
@@ -9859,12 +9604,12 @@
                 <a:sym typeface="Calibri"/>
               </a:defRPr>
             </a:lvl5pPr>
-            <a:lvl6pPr marL="0" marR="0" lvl="5" indent="0" algn="r" rtl="0">
-              <a:spcBef>
-                <a:spcPts val="0"/>
-              </a:spcBef>
-              <a:buNone/>
-              <a:defRPr sz="1200" b="0" i="0" u="none" strike="noStrike" cap="none">
+            <a:lvl6pPr indent="0" lvl="5" marL="0" marR="0" rtl="0" algn="r">
+              <a:spcBef>
+                <a:spcPts val="0"/>
+              </a:spcBef>
+              <a:buNone/>
+              <a:defRPr b="0" i="0" sz="1200" u="none" cap="none" strike="noStrike">
                 <a:solidFill>
                   <a:srgbClr val="888888"/>
                 </a:solidFill>
@@ -9874,12 +9619,12 @@
                 <a:sym typeface="Calibri"/>
               </a:defRPr>
             </a:lvl6pPr>
-            <a:lvl7pPr marL="0" marR="0" lvl="6" indent="0" algn="r" rtl="0">
-              <a:spcBef>
-                <a:spcPts val="0"/>
-              </a:spcBef>
-              <a:buNone/>
-              <a:defRPr sz="1200" b="0" i="0" u="none" strike="noStrike" cap="none">
+            <a:lvl7pPr indent="0" lvl="6" marL="0" marR="0" rtl="0" algn="r">
+              <a:spcBef>
+                <a:spcPts val="0"/>
+              </a:spcBef>
+              <a:buNone/>
+              <a:defRPr b="0" i="0" sz="1200" u="none" cap="none" strike="noStrike">
                 <a:solidFill>
                   <a:srgbClr val="888888"/>
                 </a:solidFill>
@@ -9889,12 +9634,12 @@
                 <a:sym typeface="Calibri"/>
               </a:defRPr>
             </a:lvl7pPr>
-            <a:lvl8pPr marL="0" marR="0" lvl="7" indent="0" algn="r" rtl="0">
-              <a:spcBef>
-                <a:spcPts val="0"/>
-              </a:spcBef>
-              <a:buNone/>
-              <a:defRPr sz="1200" b="0" i="0" u="none" strike="noStrike" cap="none">
+            <a:lvl8pPr indent="0" lvl="7" marL="0" marR="0" rtl="0" algn="r">
+              <a:spcBef>
+                <a:spcPts val="0"/>
+              </a:spcBef>
+              <a:buNone/>
+              <a:defRPr b="0" i="0" sz="1200" u="none" cap="none" strike="noStrike">
                 <a:solidFill>
                   <a:srgbClr val="888888"/>
                 </a:solidFill>
@@ -9904,12 +9649,12 @@
                 <a:sym typeface="Calibri"/>
               </a:defRPr>
             </a:lvl8pPr>
-            <a:lvl9pPr marL="0" marR="0" lvl="8" indent="0" algn="r" rtl="0">
-              <a:spcBef>
-                <a:spcPts val="0"/>
-              </a:spcBef>
-              <a:buNone/>
-              <a:defRPr sz="1200" b="0" i="0" u="none" strike="noStrike" cap="none">
+            <a:lvl9pPr indent="0" lvl="8" marL="0" marR="0" rtl="0" algn="r">
+              <a:spcBef>
+                <a:spcPts val="0"/>
+              </a:spcBef>
+              <a:buNone/>
+              <a:defRPr b="0" i="0" sz="1200" u="none" cap="none" strike="noStrike">
                 <a:solidFill>
                   <a:srgbClr val="888888"/>
                 </a:solidFill>
@@ -9921,7 +9666,7 @@
             </a:lvl9pPr>
           </a:lstStyle>
           <a:p>
-            <a:pPr marL="0" lvl="0" indent="0" algn="r" rtl="0">
+            <a:pPr indent="0" lvl="0" marL="0" rtl="0" algn="r">
               <a:spcBef>
                 <a:spcPts val="0"/>
               </a:spcBef>
@@ -9940,7 +9685,7 @@
       </p:sp>
     </p:spTree>
   </p:cSld>
-  <p:clrMap bg1="lt1" tx1="dk1" bg2="dk2" tx2="lt2" accent1="accent1" accent2="accent2" accent3="accent3" accent4="accent4" accent5="accent5" accent6="accent6" hlink="hlink" folHlink="folHlink"/>
+  <p:clrMap accent1="accent1" accent2="accent2" accent3="accent3" accent4="accent4" accent5="accent5" accent6="accent6" bg1="lt1" bg2="dk2" tx1="dk1" tx2="lt2" folHlink="folHlink" hlink="hlink"/>
   <p:sldLayoutIdLst>
     <p:sldLayoutId id="2147483648" r:id="rId1"/>
     <p:sldLayoutId id="2147483649" r:id="rId2"/>
@@ -9954,10 +9699,10 @@
     <p:sldLayoutId id="2147483657" r:id="rId10"/>
     <p:sldLayoutId id="2147483658" r:id="rId11"/>
   </p:sldLayoutIdLst>
-  <p:hf sldNum="0" hdr="0" ftr="0" dt="0"/>
+  <p:hf dt="0" ftr="0" hdr="0" sldNum="0"/>
   <p:txStyles>
     <p:titleStyle>
-      <a:defPPr marR="0" lvl="0" algn="l" rtl="0">
+      <a:defPPr lvl="0" marR="0" rtl="0" algn="l">
         <a:lnSpc>
           <a:spcPct val="100000"/>
         </a:lnSpc>
@@ -9968,7 +9713,7 @@
           <a:spcPts val="0"/>
         </a:spcAft>
       </a:defPPr>
-      <a:lvl1pPr marR="0" lvl="0" algn="l" rtl="0">
+      <a:lvl1pPr lvl="0" marR="0" rtl="0" algn="l">
         <a:lnSpc>
           <a:spcPct val="100000"/>
         </a:lnSpc>
@@ -9982,7 +9727,7 @@
           <a:srgbClr val="000000"/>
         </a:buClr>
         <a:buFont typeface="Arial"/>
-        <a:defRPr sz="1400" b="0" i="0" u="none" strike="noStrike" cap="none">
+        <a:defRPr b="0" i="0" sz="1400" u="none" cap="none" strike="noStrike">
           <a:solidFill>
             <a:srgbClr val="000000"/>
           </a:solidFill>
@@ -9992,7 +9737,7 @@
           <a:sym typeface="Arial"/>
         </a:defRPr>
       </a:lvl1pPr>
-      <a:lvl2pPr marR="0" lvl="1" algn="l" rtl="0">
+      <a:lvl2pPr lvl="1" marR="0" rtl="0" algn="l">
         <a:lnSpc>
           <a:spcPct val="100000"/>
         </a:lnSpc>
@@ -10006,7 +9751,7 @@
           <a:srgbClr val="000000"/>
         </a:buClr>
         <a:buFont typeface="Arial"/>
-        <a:defRPr sz="1400" b="0" i="0" u="none" strike="noStrike" cap="none">
+        <a:defRPr b="0" i="0" sz="1400" u="none" cap="none" strike="noStrike">
           <a:solidFill>
             <a:srgbClr val="000000"/>
           </a:solidFill>
@@ -10016,7 +9761,7 @@
           <a:sym typeface="Arial"/>
         </a:defRPr>
       </a:lvl2pPr>
-      <a:lvl3pPr marR="0" lvl="2" algn="l" rtl="0">
+      <a:lvl3pPr lvl="2" marR="0" rtl="0" algn="l">
         <a:lnSpc>
           <a:spcPct val="100000"/>
         </a:lnSpc>
@@ -10030,7 +9775,7 @@
           <a:srgbClr val="000000"/>
         </a:buClr>
         <a:buFont typeface="Arial"/>
-        <a:defRPr sz="1400" b="0" i="0" u="none" strike="noStrike" cap="none">
+        <a:defRPr b="0" i="0" sz="1400" u="none" cap="none" strike="noStrike">
           <a:solidFill>
             <a:srgbClr val="000000"/>
           </a:solidFill>
@@ -10040,7 +9785,7 @@
           <a:sym typeface="Arial"/>
         </a:defRPr>
       </a:lvl3pPr>
-      <a:lvl4pPr marR="0" lvl="3" algn="l" rtl="0">
+      <a:lvl4pPr lvl="3" marR="0" rtl="0" algn="l">
         <a:lnSpc>
           <a:spcPct val="100000"/>
         </a:lnSpc>
@@ -10054,7 +9799,7 @@
           <a:srgbClr val="000000"/>
         </a:buClr>
         <a:buFont typeface="Arial"/>
-        <a:defRPr sz="1400" b="0" i="0" u="none" strike="noStrike" cap="none">
+        <a:defRPr b="0" i="0" sz="1400" u="none" cap="none" strike="noStrike">
           <a:solidFill>
             <a:srgbClr val="000000"/>
           </a:solidFill>
@@ -10064,7 +9809,7 @@
           <a:sym typeface="Arial"/>
         </a:defRPr>
       </a:lvl4pPr>
-      <a:lvl5pPr marR="0" lvl="4" algn="l" rtl="0">
+      <a:lvl5pPr lvl="4" marR="0" rtl="0" algn="l">
         <a:lnSpc>
           <a:spcPct val="100000"/>
         </a:lnSpc>
@@ -10078,7 +9823,7 @@
           <a:srgbClr val="000000"/>
         </a:buClr>
         <a:buFont typeface="Arial"/>
-        <a:defRPr sz="1400" b="0" i="0" u="none" strike="noStrike" cap="none">
+        <a:defRPr b="0" i="0" sz="1400" u="none" cap="none" strike="noStrike">
           <a:solidFill>
             <a:srgbClr val="000000"/>
           </a:solidFill>
@@ -10088,7 +9833,7 @@
           <a:sym typeface="Arial"/>
         </a:defRPr>
       </a:lvl5pPr>
-      <a:lvl6pPr marR="0" lvl="5" algn="l" rtl="0">
+      <a:lvl6pPr lvl="5" marR="0" rtl="0" algn="l">
         <a:lnSpc>
           <a:spcPct val="100000"/>
         </a:lnSpc>
@@ -10102,7 +9847,7 @@
           <a:srgbClr val="000000"/>
         </a:buClr>
         <a:buFont typeface="Arial"/>
-        <a:defRPr sz="1400" b="0" i="0" u="none" strike="noStrike" cap="none">
+        <a:defRPr b="0" i="0" sz="1400" u="none" cap="none" strike="noStrike">
           <a:solidFill>
             <a:srgbClr val="000000"/>
           </a:solidFill>
@@ -10112,7 +9857,7 @@
           <a:sym typeface="Arial"/>
         </a:defRPr>
       </a:lvl6pPr>
-      <a:lvl7pPr marR="0" lvl="6" algn="l" rtl="0">
+      <a:lvl7pPr lvl="6" marR="0" rtl="0" algn="l">
         <a:lnSpc>
           <a:spcPct val="100000"/>
         </a:lnSpc>
@@ -10126,7 +9871,7 @@
           <a:srgbClr val="000000"/>
         </a:buClr>
         <a:buFont typeface="Arial"/>
-        <a:defRPr sz="1400" b="0" i="0" u="none" strike="noStrike" cap="none">
+        <a:defRPr b="0" i="0" sz="1400" u="none" cap="none" strike="noStrike">
           <a:solidFill>
             <a:srgbClr val="000000"/>
           </a:solidFill>
@@ -10136,7 +9881,7 @@
           <a:sym typeface="Arial"/>
         </a:defRPr>
       </a:lvl7pPr>
-      <a:lvl8pPr marR="0" lvl="7" algn="l" rtl="0">
+      <a:lvl8pPr lvl="7" marR="0" rtl="0" algn="l">
         <a:lnSpc>
           <a:spcPct val="100000"/>
         </a:lnSpc>
@@ -10150,7 +9895,7 @@
           <a:srgbClr val="000000"/>
         </a:buClr>
         <a:buFont typeface="Arial"/>
-        <a:defRPr sz="1400" b="0" i="0" u="none" strike="noStrike" cap="none">
+        <a:defRPr b="0" i="0" sz="1400" u="none" cap="none" strike="noStrike">
           <a:solidFill>
             <a:srgbClr val="000000"/>
           </a:solidFill>
@@ -10160,7 +9905,7 @@
           <a:sym typeface="Arial"/>
         </a:defRPr>
       </a:lvl8pPr>
-      <a:lvl9pPr marR="0" lvl="8" algn="l" rtl="0">
+      <a:lvl9pPr lvl="8" marR="0" rtl="0" algn="l">
         <a:lnSpc>
           <a:spcPct val="100000"/>
         </a:lnSpc>
@@ -10174,7 +9919,7 @@
           <a:srgbClr val="000000"/>
         </a:buClr>
         <a:buFont typeface="Arial"/>
-        <a:defRPr sz="1400" b="0" i="0" u="none" strike="noStrike" cap="none">
+        <a:defRPr b="0" i="0" sz="1400" u="none" cap="none" strike="noStrike">
           <a:solidFill>
             <a:srgbClr val="000000"/>
           </a:solidFill>
@@ -10186,7 +9931,7 @@
       </a:lvl9pPr>
     </p:titleStyle>
     <p:bodyStyle>
-      <a:defPPr marR="0" lvl="0" algn="l" rtl="0">
+      <a:defPPr lvl="0" marR="0" rtl="0" algn="l">
         <a:lnSpc>
           <a:spcPct val="100000"/>
         </a:lnSpc>
@@ -10197,7 +9942,7 @@
           <a:spcPts val="0"/>
         </a:spcAft>
       </a:defPPr>
-      <a:lvl1pPr marR="0" lvl="0" algn="l" rtl="0">
+      <a:lvl1pPr lvl="0" marR="0" rtl="0" algn="l">
         <a:lnSpc>
           <a:spcPct val="100000"/>
         </a:lnSpc>
@@ -10211,7 +9956,7 @@
           <a:srgbClr val="000000"/>
         </a:buClr>
         <a:buFont typeface="Arial"/>
-        <a:defRPr sz="1400" b="0" i="0" u="none" strike="noStrike" cap="none">
+        <a:defRPr b="0" i="0" sz="1400" u="none" cap="none" strike="noStrike">
           <a:solidFill>
             <a:srgbClr val="000000"/>
           </a:solidFill>
@@ -10221,7 +9966,7 @@
           <a:sym typeface="Arial"/>
         </a:defRPr>
       </a:lvl1pPr>
-      <a:lvl2pPr marR="0" lvl="1" algn="l" rtl="0">
+      <a:lvl2pPr lvl="1" marR="0" rtl="0" algn="l">
         <a:lnSpc>
           <a:spcPct val="100000"/>
         </a:lnSpc>
@@ -10235,7 +9980,7 @@
           <a:srgbClr val="000000"/>
         </a:buClr>
         <a:buFont typeface="Arial"/>
-        <a:defRPr sz="1400" b="0" i="0" u="none" strike="noStrike" cap="none">
+        <a:defRPr b="0" i="0" sz="1400" u="none" cap="none" strike="noStrike">
           <a:solidFill>
             <a:srgbClr val="000000"/>
           </a:solidFill>
@@ -10245,7 +9990,7 @@
           <a:sym typeface="Arial"/>
         </a:defRPr>
       </a:lvl2pPr>
-      <a:lvl3pPr marR="0" lvl="2" algn="l" rtl="0">
+      <a:lvl3pPr lvl="2" marR="0" rtl="0" algn="l">
         <a:lnSpc>
           <a:spcPct val="100000"/>
         </a:lnSpc>
@@ -10259,7 +10004,7 @@
           <a:srgbClr val="000000"/>
         </a:buClr>
         <a:buFont typeface="Arial"/>
-        <a:defRPr sz="1400" b="0" i="0" u="none" strike="noStrike" cap="none">
+        <a:defRPr b="0" i="0" sz="1400" u="none" cap="none" strike="noStrike">
           <a:solidFill>
             <a:srgbClr val="000000"/>
           </a:solidFill>
@@ -10269,7 +10014,7 @@
           <a:sym typeface="Arial"/>
         </a:defRPr>
       </a:lvl3pPr>
-      <a:lvl4pPr marR="0" lvl="3" algn="l" rtl="0">
+      <a:lvl4pPr lvl="3" marR="0" rtl="0" algn="l">
         <a:lnSpc>
           <a:spcPct val="100000"/>
         </a:lnSpc>
@@ -10283,7 +10028,7 @@
           <a:srgbClr val="000000"/>
         </a:buClr>
         <a:buFont typeface="Arial"/>
-        <a:defRPr sz="1400" b="0" i="0" u="none" strike="noStrike" cap="none">
+        <a:defRPr b="0" i="0" sz="1400" u="none" cap="none" strike="noStrike">
           <a:solidFill>
             <a:srgbClr val="000000"/>
           </a:solidFill>
@@ -10293,7 +10038,7 @@
           <a:sym typeface="Arial"/>
         </a:defRPr>
       </a:lvl4pPr>
-      <a:lvl5pPr marR="0" lvl="4" algn="l" rtl="0">
+      <a:lvl5pPr lvl="4" marR="0" rtl="0" algn="l">
         <a:lnSpc>
           <a:spcPct val="100000"/>
         </a:lnSpc>
@@ -10307,7 +10052,7 @@
           <a:srgbClr val="000000"/>
         </a:buClr>
         <a:buFont typeface="Arial"/>
-        <a:defRPr sz="1400" b="0" i="0" u="none" strike="noStrike" cap="none">
+        <a:defRPr b="0" i="0" sz="1400" u="none" cap="none" strike="noStrike">
           <a:solidFill>
             <a:srgbClr val="000000"/>
           </a:solidFill>
@@ -10317,7 +10062,7 @@
           <a:sym typeface="Arial"/>
         </a:defRPr>
       </a:lvl5pPr>
-      <a:lvl6pPr marR="0" lvl="5" algn="l" rtl="0">
+      <a:lvl6pPr lvl="5" marR="0" rtl="0" algn="l">
         <a:lnSpc>
           <a:spcPct val="100000"/>
         </a:lnSpc>
@@ -10331,7 +10076,7 @@
           <a:srgbClr val="000000"/>
         </a:buClr>
         <a:buFont typeface="Arial"/>
-        <a:defRPr sz="1400" b="0" i="0" u="none" strike="noStrike" cap="none">
+        <a:defRPr b="0" i="0" sz="1400" u="none" cap="none" strike="noStrike">
           <a:solidFill>
             <a:srgbClr val="000000"/>
           </a:solidFill>
@@ -10341,7 +10086,7 @@
           <a:sym typeface="Arial"/>
         </a:defRPr>
       </a:lvl6pPr>
-      <a:lvl7pPr marR="0" lvl="6" algn="l" rtl="0">
+      <a:lvl7pPr lvl="6" marR="0" rtl="0" algn="l">
         <a:lnSpc>
           <a:spcPct val="100000"/>
         </a:lnSpc>
@@ -10355,7 +10100,7 @@
           <a:srgbClr val="000000"/>
         </a:buClr>
         <a:buFont typeface="Arial"/>
-        <a:defRPr sz="1400" b="0" i="0" u="none" strike="noStrike" cap="none">
+        <a:defRPr b="0" i="0" sz="1400" u="none" cap="none" strike="noStrike">
           <a:solidFill>
             <a:srgbClr val="000000"/>
           </a:solidFill>
@@ -10365,7 +10110,7 @@
           <a:sym typeface="Arial"/>
         </a:defRPr>
       </a:lvl7pPr>
-      <a:lvl8pPr marR="0" lvl="7" algn="l" rtl="0">
+      <a:lvl8pPr lvl="7" marR="0" rtl="0" algn="l">
         <a:lnSpc>
           <a:spcPct val="100000"/>
         </a:lnSpc>
@@ -10379,7 +10124,7 @@
           <a:srgbClr val="000000"/>
         </a:buClr>
         <a:buFont typeface="Arial"/>
-        <a:defRPr sz="1400" b="0" i="0" u="none" strike="noStrike" cap="none">
+        <a:defRPr b="0" i="0" sz="1400" u="none" cap="none" strike="noStrike">
           <a:solidFill>
             <a:srgbClr val="000000"/>
           </a:solidFill>
@@ -10389,7 +10134,7 @@
           <a:sym typeface="Arial"/>
         </a:defRPr>
       </a:lvl8pPr>
-      <a:lvl9pPr marR="0" lvl="8" algn="l" rtl="0">
+      <a:lvl9pPr lvl="8" marR="0" rtl="0" algn="l">
         <a:lnSpc>
           <a:spcPct val="100000"/>
         </a:lnSpc>
@@ -10403,7 +10148,7 @@
           <a:srgbClr val="000000"/>
         </a:buClr>
         <a:buFont typeface="Arial"/>
-        <a:defRPr sz="1400" b="0" i="0" u="none" strike="noStrike" cap="none">
+        <a:defRPr b="0" i="0" sz="1400" u="none" cap="none" strike="noStrike">
           <a:solidFill>
             <a:srgbClr val="000000"/>
           </a:solidFill>
@@ -10415,7 +10160,7 @@
       </a:lvl9pPr>
     </p:bodyStyle>
     <p:otherStyle>
-      <a:defPPr marR="0" lvl="0" algn="l" rtl="0">
+      <a:defPPr lvl="0" marR="0" rtl="0" algn="l">
         <a:lnSpc>
           <a:spcPct val="100000"/>
         </a:lnSpc>
@@ -10426,7 +10171,7 @@
           <a:spcPts val="0"/>
         </a:spcAft>
       </a:defPPr>
-      <a:lvl1pPr marR="0" lvl="0" algn="l" rtl="0">
+      <a:lvl1pPr lvl="0" marR="0" rtl="0" algn="l">
         <a:lnSpc>
           <a:spcPct val="100000"/>
         </a:lnSpc>
@@ -10440,7 +10185,7 @@
           <a:srgbClr val="000000"/>
         </a:buClr>
         <a:buFont typeface="Arial"/>
-        <a:defRPr sz="1400" b="0" i="0" u="none" strike="noStrike" cap="none">
+        <a:defRPr b="0" i="0" sz="1400" u="none" cap="none" strike="noStrike">
           <a:solidFill>
             <a:srgbClr val="000000"/>
           </a:solidFill>
@@ -10450,7 +10195,7 @@
           <a:sym typeface="Arial"/>
         </a:defRPr>
       </a:lvl1pPr>
-      <a:lvl2pPr marR="0" lvl="1" algn="l" rtl="0">
+      <a:lvl2pPr lvl="1" marR="0" rtl="0" algn="l">
         <a:lnSpc>
           <a:spcPct val="100000"/>
         </a:lnSpc>
@@ -10464,7 +10209,7 @@
           <a:srgbClr val="000000"/>
         </a:buClr>
         <a:buFont typeface="Arial"/>
-        <a:defRPr sz="1400" b="0" i="0" u="none" strike="noStrike" cap="none">
+        <a:defRPr b="0" i="0" sz="1400" u="none" cap="none" strike="noStrike">
           <a:solidFill>
             <a:srgbClr val="000000"/>
           </a:solidFill>
@@ -10474,7 +10219,7 @@
           <a:sym typeface="Arial"/>
         </a:defRPr>
       </a:lvl2pPr>
-      <a:lvl3pPr marR="0" lvl="2" algn="l" rtl="0">
+      <a:lvl3pPr lvl="2" marR="0" rtl="0" algn="l">
         <a:lnSpc>
           <a:spcPct val="100000"/>
         </a:lnSpc>
@@ -10488,7 +10233,7 @@
           <a:srgbClr val="000000"/>
         </a:buClr>
         <a:buFont typeface="Arial"/>
-        <a:defRPr sz="1400" b="0" i="0" u="none" strike="noStrike" cap="none">
+        <a:defRPr b="0" i="0" sz="1400" u="none" cap="none" strike="noStrike">
           <a:solidFill>
             <a:srgbClr val="000000"/>
           </a:solidFill>
@@ -10498,7 +10243,7 @@
           <a:sym typeface="Arial"/>
         </a:defRPr>
       </a:lvl3pPr>
-      <a:lvl4pPr marR="0" lvl="3" algn="l" rtl="0">
+      <a:lvl4pPr lvl="3" marR="0" rtl="0" algn="l">
         <a:lnSpc>
           <a:spcPct val="100000"/>
         </a:lnSpc>
@@ -10512,7 +10257,7 @@
           <a:srgbClr val="000000"/>
         </a:buClr>
         <a:buFont typeface="Arial"/>
-        <a:defRPr sz="1400" b="0" i="0" u="none" strike="noStrike" cap="none">
+        <a:defRPr b="0" i="0" sz="1400" u="none" cap="none" strike="noStrike">
           <a:solidFill>
             <a:srgbClr val="000000"/>
           </a:solidFill>
@@ -10522,7 +10267,7 @@
           <a:sym typeface="Arial"/>
         </a:defRPr>
       </a:lvl4pPr>
-      <a:lvl5pPr marR="0" lvl="4" algn="l" rtl="0">
+      <a:lvl5pPr lvl="4" marR="0" rtl="0" algn="l">
         <a:lnSpc>
           <a:spcPct val="100000"/>
         </a:lnSpc>
@@ -10536,7 +10281,7 @@
           <a:srgbClr val="000000"/>
         </a:buClr>
         <a:buFont typeface="Arial"/>
-        <a:defRPr sz="1400" b="0" i="0" u="none" strike="noStrike" cap="none">
+        <a:defRPr b="0" i="0" sz="1400" u="none" cap="none" strike="noStrike">
           <a:solidFill>
             <a:srgbClr val="000000"/>
           </a:solidFill>
@@ -10546,7 +10291,7 @@
           <a:sym typeface="Arial"/>
         </a:defRPr>
       </a:lvl5pPr>
-      <a:lvl6pPr marR="0" lvl="5" algn="l" rtl="0">
+      <a:lvl6pPr lvl="5" marR="0" rtl="0" algn="l">
         <a:lnSpc>
           <a:spcPct val="100000"/>
         </a:lnSpc>
@@ -10560,7 +10305,7 @@
           <a:srgbClr val="000000"/>
         </a:buClr>
         <a:buFont typeface="Arial"/>
-        <a:defRPr sz="1400" b="0" i="0" u="none" strike="noStrike" cap="none">
+        <a:defRPr b="0" i="0" sz="1400" u="none" cap="none" strike="noStrike">
           <a:solidFill>
             <a:srgbClr val="000000"/>
           </a:solidFill>
@@ -10570,7 +10315,7 @@
           <a:sym typeface="Arial"/>
         </a:defRPr>
       </a:lvl6pPr>
-      <a:lvl7pPr marR="0" lvl="6" algn="l" rtl="0">
+      <a:lvl7pPr lvl="6" marR="0" rtl="0" algn="l">
         <a:lnSpc>
           <a:spcPct val="100000"/>
         </a:lnSpc>
@@ -10584,7 +10329,7 @@
           <a:srgbClr val="000000"/>
         </a:buClr>
         <a:buFont typeface="Arial"/>
-        <a:defRPr sz="1400" b="0" i="0" u="none" strike="noStrike" cap="none">
+        <a:defRPr b="0" i="0" sz="1400" u="none" cap="none" strike="noStrike">
           <a:solidFill>
             <a:srgbClr val="000000"/>
           </a:solidFill>
@@ -10594,7 +10339,7 @@
           <a:sym typeface="Arial"/>
         </a:defRPr>
       </a:lvl7pPr>
-      <a:lvl8pPr marR="0" lvl="7" algn="l" rtl="0">
+      <a:lvl8pPr lvl="7" marR="0" rtl="0" algn="l">
         <a:lnSpc>
           <a:spcPct val="100000"/>
         </a:lnSpc>
@@ -10608,7 +10353,7 @@
           <a:srgbClr val="000000"/>
         </a:buClr>
         <a:buFont typeface="Arial"/>
-        <a:defRPr sz="1400" b="0" i="0" u="none" strike="noStrike" cap="none">
+        <a:defRPr b="0" i="0" sz="1400" u="none" cap="none" strike="noStrike">
           <a:solidFill>
             <a:srgbClr val="000000"/>
           </a:solidFill>
@@ -10618,7 +10363,7 @@
           <a:sym typeface="Arial"/>
         </a:defRPr>
       </a:lvl8pPr>
-      <a:lvl9pPr marR="0" lvl="8" algn="l" rtl="0">
+      <a:lvl9pPr lvl="8" marR="0" rtl="0" algn="l">
         <a:lnSpc>
           <a:spcPct val="100000"/>
         </a:lnSpc>
@@ -10632,7 +10377,7 @@
           <a:srgbClr val="000000"/>
         </a:buClr>
         <a:buFont typeface="Arial"/>
-        <a:defRPr sz="1400" b="0" i="0" u="none" strike="noStrike" cap="none">
+        <a:defRPr b="0" i="0" sz="1400" u="none" cap="none" strike="noStrike">
           <a:solidFill>
             <a:srgbClr val="000000"/>
           </a:solidFill>
@@ -10648,11 +10393,11 @@
 </file>
 
 <file path=ppt/slides/slide1.xml><?xml version="1.0" encoding="utf-8"?>
-<p:sld xmlns:a="http://schemas.openxmlformats.org/drawingml/2006/main" xmlns:r="http://schemas.openxmlformats.org/officeDocument/2006/relationships" xmlns:p="http://schemas.openxmlformats.org/presentationml/2006/main">
+<p:sld xmlns:a="http://schemas.openxmlformats.org/drawingml/2006/main" xmlns:r="http://schemas.openxmlformats.org/officeDocument/2006/relationships" xmlns:mc="http://schemas.openxmlformats.org/markup-compatibility/2006" xmlns:mv="urn:schemas-microsoft-com:mac:vml" xmlns:p="http://schemas.openxmlformats.org/presentationml/2006/main" xmlns:c="http://schemas.openxmlformats.org/drawingml/2006/chart" xmlns:dgm="http://schemas.openxmlformats.org/drawingml/2006/diagram" xmlns:o="urn:schemas-microsoft-com:office:office" xmlns:v="urn:schemas-microsoft-com:vml" xmlns:pvml="urn:schemas-microsoft-com:office:powerpoint" xmlns:com="http://schemas.openxmlformats.org/drawingml/2006/compatibility" xmlns:p14="http://schemas.microsoft.com/office/powerpoint/2010/main" xmlns:p15="http://schemas.microsoft.com/office/powerpoint/2012/main" xmlns:ahyp="http://schemas.microsoft.com/office/drawing/2018/hyperlinkcolor">
   <p:cSld>
     <p:spTree>
       <p:nvGrpSpPr>
-        <p:cNvPr id="1" name="Shape 83"/>
+        <p:cNvPr id="83" name="Shape 83"/>
         <p:cNvGrpSpPr/>
         <p:nvPr/>
       </p:nvGrpSpPr>
@@ -10698,12 +10443,12 @@
             </a:ln>
           </p:spPr>
           <p:txBody>
-            <a:bodyPr spcFirstLastPara="1" wrap="square" lIns="0" tIns="0" rIns="0" bIns="0" anchor="t" anchorCtr="0">
+            <a:bodyPr anchorCtr="0" anchor="t" bIns="0" lIns="0" spcFirstLastPara="1" rIns="0" wrap="square" tIns="0">
               <a:spAutoFit/>
             </a:bodyPr>
             <a:lstStyle/>
             <a:p>
-              <a:pPr marL="0" marR="0" lvl="0" indent="0" algn="ctr" rtl="0">
+              <a:pPr indent="0" lvl="0" marL="0" marR="0" rtl="0" algn="ctr">
                 <a:lnSpc>
                   <a:spcPct val="146037"/>
                 </a:lnSpc>
@@ -10716,7 +10461,7 @@
                 <a:buNone/>
               </a:pPr>
               <a:r>
-                <a:rPr lang="ar-EG" sz="2105" b="0" i="0" u="none" strike="noStrike" cap="none">
+                <a:rPr b="0" i="0" lang="ar-EG" sz="2105" u="none" cap="none" strike="noStrike">
                   <a:solidFill>
                     <a:srgbClr val="5F6368"/>
                   </a:solidFill>
@@ -10730,7 +10475,7 @@
               <a:endParaRPr sz="1645"/>
             </a:p>
             <a:p>
-              <a:pPr marL="0" marR="0" lvl="0" indent="0" algn="ctr" rtl="0">
+              <a:pPr indent="0" lvl="0" marL="0" marR="0" rtl="0" algn="ctr">
                 <a:lnSpc>
                   <a:spcPct val="146083"/>
                 </a:lnSpc>
@@ -10743,7 +10488,7 @@
                 <a:buNone/>
               </a:pPr>
               <a:r>
-                <a:rPr lang="ar-EG" sz="1410" b="0" i="0" u="none" strike="noStrike" cap="none">
+                <a:rPr b="0" i="0" lang="ar-EG" sz="1410" u="none" cap="none" strike="noStrike">
                   <a:solidFill>
                     <a:srgbClr val="5F6368"/>
                   </a:solidFill>
@@ -10770,13 +10515,9 @@
               <a:ext cx="1502853" cy="705691"/>
             </a:xfrm>
             <a:custGeom>
-              <a:avLst/>
-              <a:gdLst/>
-              <a:ahLst/>
-              <a:cxnLst/>
-              <a:rect l="l" t="t" r="r" b="b"/>
+              <a:rect b="b" l="l" r="r" t="t"/>
               <a:pathLst>
-                <a:path w="1502853" h="705691" extrusionOk="0">
+                <a:path extrusionOk="0" h="705691" w="1502853">
                   <a:moveTo>
                     <a:pt x="0" y="0"/>
                   </a:moveTo>
@@ -10801,7 +10542,7 @@
                 <a:alphaModFix/>
               </a:blip>
               <a:stretch>
-                <a:fillRect l="-17900" t="-94125" r="-17004" b="-93148"/>
+                <a:fillRect b="-93148" l="-17900" r="-17004" t="-94125"/>
               </a:stretch>
             </a:blipFill>
             <a:ln>
@@ -10825,7 +10566,7 @@
             <a:avLst/>
           </a:prstGeom>
           <a:noFill/>
-          <a:ln w="390525" cap="rnd" cmpd="sng">
+          <a:ln cap="rnd" cmpd="sng" w="390525">
             <a:solidFill>
               <a:srgbClr val="F9AB00">
                 <a:alpha val="36862"/>
@@ -10833,8 +10574,8 @@
             </a:solidFill>
             <a:prstDash val="solid"/>
             <a:round/>
-            <a:headEnd type="none" w="sm" len="sm"/>
-            <a:tailEnd type="none" w="sm" len="sm"/>
+            <a:headEnd len="sm" w="sm" type="none"/>
+            <a:tailEnd len="sm" w="sm" type="none"/>
           </a:ln>
         </p:spPr>
       </p:cxnSp>
@@ -10846,7 +10587,7 @@
         </p:nvSpPr>
         <p:spPr>
           <a:xfrm>
-            <a:off x="3072179" y="1820569"/>
+            <a:off x="3012420" y="1817008"/>
             <a:ext cx="9530100" cy="1120800"/>
           </a:xfrm>
           <a:prstGeom prst="rect">
@@ -10858,12 +10599,12 @@
           </a:ln>
         </p:spPr>
         <p:txBody>
-          <a:bodyPr spcFirstLastPara="1" wrap="square" lIns="0" tIns="0" rIns="0" bIns="0" anchor="t" anchorCtr="0">
+          <a:bodyPr anchorCtr="0" anchor="t" bIns="0" lIns="0" spcFirstLastPara="1" rIns="0" wrap="square" tIns="0">
             <a:spAutoFit/>
           </a:bodyPr>
           <a:lstStyle/>
           <a:p>
-            <a:pPr marL="0" marR="0" lvl="0" indent="0" algn="ctr" rtl="1">
+            <a:pPr indent="0" lvl="0" marL="0" marR="0" rtl="1" algn="ctr">
               <a:lnSpc>
                 <a:spcPct val="140016"/>
               </a:lnSpc>
@@ -10876,7 +10617,7 @@
               <a:buNone/>
             </a:pPr>
             <a:r>
-              <a:rPr lang="ar-EG" sz="7282" b="1" i="0" u="none" strike="noStrike" cap="none">
+              <a:rPr b="1" i="0" lang="ar-EG" sz="7282" u="none" cap="none" strike="noStrike">
                 <a:solidFill>
                   <a:srgbClr val="34A853"/>
                 </a:solidFill>
@@ -10884,12 +10625,12 @@
                 <a:ea typeface="Tajawal"/>
                 <a:cs typeface="Tajawal"/>
                 <a:sym typeface="Tajawal"/>
-                <a:rtl/>
+                <a:rtl val="1"/>
               </a:rPr>
               <a:t>شهادة </a:t>
             </a:r>
             <a:r>
-              <a:rPr lang="ar-EG" sz="7282" b="1">
+              <a:rPr b="1" lang="ar-EG" sz="7282">
                 <a:solidFill>
                   <a:srgbClr val="34A853"/>
                 </a:solidFill>
@@ -10897,12 +10638,12 @@
                 <a:ea typeface="Tajawal"/>
                 <a:cs typeface="Tajawal"/>
                 <a:sym typeface="Tajawal"/>
-                <a:rtl/>
+                <a:rtl val="1"/>
               </a:rPr>
               <a:t>حضور</a:t>
             </a:r>
             <a:r>
-              <a:rPr lang="ar-EG" sz="7282" b="1" i="0" u="none" strike="noStrike" cap="none">
+              <a:rPr b="1" i="0" lang="ar-EG" sz="7282" u="none" cap="none" strike="noStrike">
                 <a:solidFill>
                   <a:srgbClr val="34A853"/>
                 </a:solidFill>
@@ -10910,7 +10651,7 @@
                 <a:ea typeface="Tajawal"/>
                 <a:cs typeface="Tajawal"/>
                 <a:sym typeface="Tajawal"/>
-                <a:rtl/>
+                <a:rtl val="1"/>
               </a:rPr>
               <a:t> </a:t>
             </a:r>
@@ -10938,12 +10679,12 @@
           </a:ln>
         </p:spPr>
         <p:txBody>
-          <a:bodyPr spcFirstLastPara="1" wrap="square" lIns="0" tIns="0" rIns="0" bIns="0" anchor="t" anchorCtr="0">
+          <a:bodyPr anchorCtr="0" anchor="t" bIns="0" lIns="0" spcFirstLastPara="1" rIns="0" wrap="square" tIns="0">
             <a:spAutoFit/>
           </a:bodyPr>
           <a:lstStyle/>
           <a:p>
-            <a:pPr marL="0" marR="0" lvl="0" indent="0" algn="ctr" rtl="1">
+            <a:pPr indent="0" lvl="0" marL="0" marR="0" rtl="1" algn="ctr">
               <a:lnSpc>
                 <a:spcPct val="139975"/>
               </a:lnSpc>
@@ -10956,7 +10697,7 @@
               <a:buNone/>
             </a:pPr>
             <a:r>
-              <a:rPr lang="ar-EG" sz="2444" b="1" i="0" u="none" strike="noStrike" cap="none">
+              <a:rPr b="1" i="0" lang="ar-EG" sz="2444" u="none" cap="none" strike="noStrike">
                 <a:solidFill>
                   <a:srgbClr val="4586F2"/>
                 </a:solidFill>
@@ -10964,12 +10705,12 @@
                 <a:ea typeface="Tajawal Medium"/>
                 <a:cs typeface="Tajawal Medium"/>
                 <a:sym typeface="Tajawal Medium"/>
-                <a:rtl/>
+                <a:rtl val="1"/>
               </a:rPr>
               <a:t>تشهد مجموعة قوقل للطلبة المطورين بأن الطالب</a:t>
             </a:r>
             <a:r>
-              <a:rPr lang="ar-EG" sz="2444" b="1">
+              <a:rPr b="1" lang="ar-EG" sz="2444">
                 <a:solidFill>
                   <a:srgbClr val="4586F2"/>
                 </a:solidFill>
@@ -10977,12 +10718,12 @@
                 <a:ea typeface="Tajawal Medium"/>
                 <a:cs typeface="Tajawal Medium"/>
                 <a:sym typeface="Tajawal Medium"/>
-                <a:rtl/>
+                <a:rtl val="1"/>
               </a:rPr>
               <a:t>/ة</a:t>
             </a:r>
             <a:r>
-              <a:rPr lang="ar-EG" sz="2444" b="1" i="0" u="none" strike="noStrike" cap="none">
+              <a:rPr b="1" i="0" lang="ar-EG" sz="2444" u="none" cap="none" strike="noStrike">
                 <a:solidFill>
                   <a:srgbClr val="4586F2"/>
                 </a:solidFill>
@@ -10990,7 +10731,7 @@
                 <a:ea typeface="Tajawal Medium"/>
                 <a:cs typeface="Tajawal Medium"/>
                 <a:sym typeface="Tajawal Medium"/>
-                <a:rtl/>
+                <a:rtl val="1"/>
               </a:rPr>
               <a:t> :</a:t>
             </a:r>
@@ -11018,12 +10759,12 @@
           </a:ln>
         </p:spPr>
         <p:txBody>
-          <a:bodyPr spcFirstLastPara="1" wrap="square" lIns="0" tIns="0" rIns="0" bIns="0" anchor="t" anchorCtr="0">
+          <a:bodyPr anchorCtr="0" anchor="t" bIns="0" lIns="0" spcFirstLastPara="1" rIns="0" wrap="square" tIns="0">
             <a:noAutofit/>
           </a:bodyPr>
           <a:lstStyle/>
           <a:p>
-            <a:pPr marL="0" marR="0" lvl="0" indent="0" algn="ctr" rtl="0">
+            <a:pPr indent="0" lvl="0" marL="0" marR="0" rtl="0" algn="ctr">
               <a:lnSpc>
                 <a:spcPct val="139991"/>
               </a:lnSpc>
@@ -11036,7 +10777,7 @@
               <a:buNone/>
             </a:pPr>
             <a:r>
-              <a:rPr lang="ar-EG" sz="3296" b="1">
+              <a:rPr b="1" lang="ar-EG" sz="3296">
                 <a:solidFill>
                   <a:srgbClr val="E74437"/>
                 </a:solidFill>
@@ -11060,7 +10801,7 @@
         <p:spPr>
           <a:xfrm>
             <a:off x="3257150" y="7243950"/>
-            <a:ext cx="9484500" cy="987300"/>
+            <a:ext cx="9484500" cy="1114500"/>
           </a:xfrm>
           <a:prstGeom prst="rect">
             <a:avLst/>
@@ -11071,12 +10812,12 @@
           </a:ln>
         </p:spPr>
         <p:txBody>
-          <a:bodyPr spcFirstLastPara="1" wrap="square" lIns="0" tIns="0" rIns="0" bIns="0" anchor="t" anchorCtr="0">
+          <a:bodyPr anchorCtr="0" anchor="t" bIns="0" lIns="0" spcFirstLastPara="1" rIns="0" wrap="square" tIns="0">
             <a:spAutoFit/>
           </a:bodyPr>
           <a:lstStyle/>
           <a:p>
-            <a:pPr marL="0" marR="0" lvl="0" indent="0" algn="ctr" rtl="1">
+            <a:pPr indent="0" lvl="0" marL="0" marR="0" rtl="1" algn="ctr">
               <a:lnSpc>
                 <a:spcPct val="140016"/>
               </a:lnSpc>
@@ -11089,7 +10830,7 @@
               <a:buNone/>
             </a:pPr>
             <a:r>
-              <a:rPr lang="ar-EG" sz="2839" b="1" i="0" u="none" strike="noStrike" cap="none">
+              <a:rPr b="1" i="0" lang="ar-EG" sz="3600" u="none" cap="none" strike="noStrike">
                 <a:solidFill>
                   <a:srgbClr val="34A853"/>
                 </a:solidFill>
@@ -11097,12 +10838,12 @@
                 <a:ea typeface="Tajawal Medium"/>
                 <a:cs typeface="Tajawal Medium"/>
                 <a:sym typeface="Tajawal Medium"/>
-                <a:rtl/>
+                <a:rtl val="1"/>
               </a:rPr>
               <a:t>قد </a:t>
             </a:r>
             <a:r>
-              <a:rPr lang="ar-EG" sz="2839" b="1">
+              <a:rPr b="1" lang="ar-EG" sz="3600">
                 <a:solidFill>
                   <a:srgbClr val="34A853"/>
                 </a:solidFill>
@@ -11110,11 +10851,11 @@
                 <a:ea typeface="Tajawal Medium"/>
                 <a:cs typeface="Tajawal Medium"/>
                 <a:sym typeface="Tajawal Medium"/>
-                <a:rtl/>
+                <a:rtl val="1"/>
               </a:rPr>
               <a:t>حضر/ت &lt;&lt;event_name&gt;&gt;</a:t>
             </a:r>
-            <a:endParaRPr sz="2839" b="1" i="0" u="none" strike="noStrike" cap="none">
+            <a:endParaRPr b="1" i="0" sz="3600" u="none" cap="none" strike="noStrike">
               <a:solidFill>
                 <a:srgbClr val="34A853"/>
               </a:solidFill>
@@ -11122,11 +10863,11 @@
               <a:ea typeface="Tajawal Medium"/>
               <a:cs typeface="Tajawal Medium"/>
               <a:sym typeface="Tajawal Medium"/>
-              <a:rtl/>
+              <a:rtl val="1"/>
             </a:endParaRPr>
           </a:p>
           <a:p>
-            <a:pPr marL="0" marR="0" lvl="0" indent="0" algn="ctr" rtl="1">
+            <a:pPr indent="0" lvl="0" marL="0" marR="0" rtl="1" algn="ctr">
               <a:lnSpc>
                 <a:spcPct val="140016"/>
               </a:lnSpc>
@@ -11139,7 +10880,7 @@
               <a:buNone/>
             </a:pPr>
             <a:r>
-              <a:rPr lang="ar-EG" sz="2439" i="0" u="none" strike="noStrike" cap="none">
+              <a:rPr b="1" lang="ar-EG" sz="2200">
                 <a:solidFill>
                   <a:srgbClr val="34A853"/>
                 </a:solidFill>
@@ -11147,12 +10888,12 @@
                 <a:ea typeface="Tajawal"/>
                 <a:cs typeface="Tajawal"/>
                 <a:sym typeface="Tajawal"/>
-                <a:rtl/>
+                <a:rtl val="1"/>
               </a:rPr>
-              <a:t>نتم</a:t>
+              <a:t>بتاريخ &lt;&lt;event_date&gt;&gt; </a:t>
             </a:r>
             <a:r>
-              <a:rPr lang="ar-EG" sz="2439">
+              <a:rPr b="1" i="0" lang="ar-EG" sz="2200" u="none" cap="none" strike="noStrike">
                 <a:solidFill>
                   <a:srgbClr val="34A853"/>
                 </a:solidFill>
@@ -11160,12 +10901,12 @@
                 <a:ea typeface="Tajawal"/>
                 <a:cs typeface="Tajawal"/>
                 <a:sym typeface="Tajawal"/>
-                <a:rtl/>
+                <a:rtl val="1"/>
               </a:rPr>
-              <a:t>نى</a:t>
+              <a:t>نتم</a:t>
             </a:r>
             <a:r>
-              <a:rPr lang="ar-EG" sz="2439" i="0" u="none" strike="noStrike" cap="none">
+              <a:rPr b="1" lang="ar-EG" sz="2200">
                 <a:solidFill>
                   <a:srgbClr val="34A853"/>
                 </a:solidFill>
@@ -11173,12 +10914,12 @@
                 <a:ea typeface="Tajawal"/>
                 <a:cs typeface="Tajawal"/>
                 <a:sym typeface="Tajawal"/>
-                <a:rtl/>
+                <a:rtl val="1"/>
               </a:rPr>
-              <a:t> دوام التوفيق والنجاح في مسيرته</a:t>
+              <a:t>نى</a:t>
             </a:r>
             <a:r>
-              <a:rPr lang="ar-EG" sz="2439">
+              <a:rPr b="1" i="0" lang="ar-EG" sz="2200" u="none" cap="none" strike="noStrike">
                 <a:solidFill>
                   <a:srgbClr val="34A853"/>
                 </a:solidFill>
@@ -11186,12 +10927,12 @@
                 <a:ea typeface="Tajawal"/>
                 <a:cs typeface="Tajawal"/>
                 <a:sym typeface="Tajawal"/>
-                <a:rtl/>
+                <a:rtl val="1"/>
               </a:rPr>
-              <a:t>م</a:t>
+              <a:t> دوام التوفيق والنجاح في مسيرته</a:t>
             </a:r>
             <a:r>
-              <a:rPr lang="ar-EG" sz="2439" i="0" u="none" strike="noStrike" cap="none">
+              <a:rPr b="1" lang="ar-EG" sz="2200">
                 <a:solidFill>
                   <a:srgbClr val="34A853"/>
                 </a:solidFill>
@@ -11199,11 +10940,24 @@
                 <a:ea typeface="Tajawal"/>
                 <a:cs typeface="Tajawal"/>
                 <a:sym typeface="Tajawal"/>
-                <a:rtl/>
+                <a:rtl val="1"/>
+              </a:rPr>
+              <a:t>م</a:t>
+            </a:r>
+            <a:r>
+              <a:rPr b="1" i="0" lang="ar-EG" sz="2200" u="none" cap="none" strike="noStrike">
+                <a:solidFill>
+                  <a:srgbClr val="34A853"/>
+                </a:solidFill>
+                <a:latin typeface="Tajawal"/>
+                <a:ea typeface="Tajawal"/>
+                <a:cs typeface="Tajawal"/>
+                <a:sym typeface="Tajawal"/>
+                <a:rtl val="1"/>
               </a:rPr>
               <a:t> المهنية.</a:t>
             </a:r>
-            <a:endParaRPr/>
+            <a:endParaRPr b="1" sz="2200"/>
           </a:p>
         </p:txBody>
       </p:sp>
@@ -11233,13 +10987,9 @@
               <a:ext cx="1598826" cy="1953009"/>
             </a:xfrm>
             <a:custGeom>
-              <a:avLst/>
-              <a:gdLst/>
-              <a:ahLst/>
-              <a:cxnLst/>
-              <a:rect l="l" t="t" r="r" b="b"/>
+              <a:rect b="b" l="l" r="r" t="t"/>
               <a:pathLst>
-                <a:path w="1598826" h="1953009" extrusionOk="0">
+                <a:path extrusionOk="0" h="1953009" w="1598826">
                   <a:moveTo>
                     <a:pt x="122702" y="0"/>
                   </a:moveTo>
@@ -11304,12 +11054,12 @@
             </a:ln>
           </p:spPr>
           <p:txBody>
-            <a:bodyPr spcFirstLastPara="1" wrap="square" lIns="91425" tIns="91425" rIns="91425" bIns="91425" anchor="ctr" anchorCtr="0">
+            <a:bodyPr anchorCtr="0" anchor="ctr" bIns="91425" lIns="91425" spcFirstLastPara="1" rIns="91425" wrap="square" tIns="91425">
               <a:noAutofit/>
             </a:bodyPr>
             <a:lstStyle/>
             <a:p>
-              <a:pPr marL="0" lvl="0" indent="0" algn="l" rtl="0">
+              <a:pPr indent="0" lvl="0" marL="0" rtl="0" algn="l">
                 <a:spcBef>
                   <a:spcPts val="0"/>
                 </a:spcBef>
@@ -11318,6 +11068,9 @@
                 </a:spcAft>
                 <a:buNone/>
               </a:pPr>
+              <a:r>
+                <a:t/>
+              </a:r>
               <a:endParaRPr/>
             </a:p>
           </p:txBody>
@@ -11342,12 +11095,12 @@
             </a:ln>
           </p:spPr>
           <p:txBody>
-            <a:bodyPr spcFirstLastPara="1" wrap="square" lIns="50800" tIns="50800" rIns="50800" bIns="50800" anchor="ctr" anchorCtr="0">
+            <a:bodyPr anchorCtr="0" anchor="ctr" bIns="50800" lIns="50800" spcFirstLastPara="1" rIns="50800" wrap="square" tIns="50800">
               <a:noAutofit/>
             </a:bodyPr>
             <a:lstStyle/>
             <a:p>
-              <a:pPr marL="0" marR="0" lvl="0" indent="0" algn="ctr" rtl="0">
+              <a:pPr indent="0" lvl="0" marL="0" marR="0" rtl="0" algn="ctr">
                 <a:lnSpc>
                   <a:spcPct val="145555"/>
                 </a:lnSpc>
@@ -11359,7 +11112,10 @@
                 </a:spcAft>
                 <a:buNone/>
               </a:pPr>
-              <a:endParaRPr sz="1800" b="0" i="0" u="none" strike="noStrike" cap="none">
+              <a:r>
+                <a:t/>
+              </a:r>
+              <a:endParaRPr b="0" i="0" sz="1800" u="none" cap="none" strike="noStrike">
                 <a:solidFill>
                   <a:schemeClr val="dk1"/>
                 </a:solidFill>
@@ -11398,13 +11154,9 @@
               <a:ext cx="1598826" cy="2269388"/>
             </a:xfrm>
             <a:custGeom>
-              <a:avLst/>
-              <a:gdLst/>
-              <a:ahLst/>
-              <a:cxnLst/>
-              <a:rect l="l" t="t" r="r" b="b"/>
+              <a:rect b="b" l="l" r="r" t="t"/>
               <a:pathLst>
-                <a:path w="1598826" h="2269388" extrusionOk="0">
+                <a:path extrusionOk="0" h="2269388" w="1598826">
                   <a:moveTo>
                     <a:pt x="122702" y="0"/>
                   </a:moveTo>
@@ -11469,12 +11221,12 @@
             </a:ln>
           </p:spPr>
           <p:txBody>
-            <a:bodyPr spcFirstLastPara="1" wrap="square" lIns="91425" tIns="91425" rIns="91425" bIns="91425" anchor="ctr" anchorCtr="0">
+            <a:bodyPr anchorCtr="0" anchor="ctr" bIns="91425" lIns="91425" spcFirstLastPara="1" rIns="91425" wrap="square" tIns="91425">
               <a:noAutofit/>
             </a:bodyPr>
             <a:lstStyle/>
             <a:p>
-              <a:pPr marL="0" lvl="0" indent="0" algn="l" rtl="0">
+              <a:pPr indent="0" lvl="0" marL="0" rtl="0" algn="l">
                 <a:spcBef>
                   <a:spcPts val="0"/>
                 </a:spcBef>
@@ -11483,6 +11235,9 @@
                 </a:spcAft>
                 <a:buNone/>
               </a:pPr>
+              <a:r>
+                <a:t/>
+              </a:r>
               <a:endParaRPr/>
             </a:p>
           </p:txBody>
@@ -11507,12 +11262,12 @@
             </a:ln>
           </p:spPr>
           <p:txBody>
-            <a:bodyPr spcFirstLastPara="1" wrap="square" lIns="50800" tIns="50800" rIns="50800" bIns="50800" anchor="ctr" anchorCtr="0">
+            <a:bodyPr anchorCtr="0" anchor="ctr" bIns="50800" lIns="50800" spcFirstLastPara="1" rIns="50800" wrap="square" tIns="50800">
               <a:noAutofit/>
             </a:bodyPr>
             <a:lstStyle/>
             <a:p>
-              <a:pPr marL="0" marR="0" lvl="0" indent="0" algn="ctr" rtl="0">
+              <a:pPr indent="0" lvl="0" marL="0" marR="0" rtl="0" algn="ctr">
                 <a:lnSpc>
                   <a:spcPct val="145555"/>
                 </a:lnSpc>
@@ -11524,7 +11279,10 @@
                 </a:spcAft>
                 <a:buNone/>
               </a:pPr>
-              <a:endParaRPr sz="1800" b="0" i="0" u="none" strike="noStrike" cap="none">
+              <a:r>
+                <a:t/>
+              </a:r>
+              <a:endParaRPr b="0" i="0" sz="1800" u="none" cap="none" strike="noStrike">
                 <a:solidFill>
                   <a:schemeClr val="dk1"/>
                 </a:solidFill>
@@ -11563,13 +11321,9 @@
               <a:ext cx="1598826" cy="1800406"/>
             </a:xfrm>
             <a:custGeom>
-              <a:avLst/>
-              <a:gdLst/>
-              <a:ahLst/>
-              <a:cxnLst/>
-              <a:rect l="l" t="t" r="r" b="b"/>
+              <a:rect b="b" l="l" r="r" t="t"/>
               <a:pathLst>
-                <a:path w="1598826" h="1800406" extrusionOk="0">
+                <a:path extrusionOk="0" h="1800406" w="1598826">
                   <a:moveTo>
                     <a:pt x="122702" y="0"/>
                   </a:moveTo>
@@ -11634,12 +11388,12 @@
             </a:ln>
           </p:spPr>
           <p:txBody>
-            <a:bodyPr spcFirstLastPara="1" wrap="square" lIns="91425" tIns="91425" rIns="91425" bIns="91425" anchor="ctr" anchorCtr="0">
+            <a:bodyPr anchorCtr="0" anchor="ctr" bIns="91425" lIns="91425" spcFirstLastPara="1" rIns="91425" wrap="square" tIns="91425">
               <a:noAutofit/>
             </a:bodyPr>
             <a:lstStyle/>
             <a:p>
-              <a:pPr marL="0" lvl="0" indent="0" algn="l" rtl="0">
+              <a:pPr indent="0" lvl="0" marL="0" rtl="0" algn="l">
                 <a:spcBef>
                   <a:spcPts val="0"/>
                 </a:spcBef>
@@ -11648,6 +11402,9 @@
                 </a:spcAft>
                 <a:buNone/>
               </a:pPr>
+              <a:r>
+                <a:t/>
+              </a:r>
               <a:endParaRPr/>
             </a:p>
           </p:txBody>
@@ -11672,12 +11429,12 @@
             </a:ln>
           </p:spPr>
           <p:txBody>
-            <a:bodyPr spcFirstLastPara="1" wrap="square" lIns="50800" tIns="50800" rIns="50800" bIns="50800" anchor="ctr" anchorCtr="0">
+            <a:bodyPr anchorCtr="0" anchor="ctr" bIns="50800" lIns="50800" spcFirstLastPara="1" rIns="50800" wrap="square" tIns="50800">
               <a:noAutofit/>
             </a:bodyPr>
             <a:lstStyle/>
             <a:p>
-              <a:pPr marL="0" marR="0" lvl="0" indent="0" algn="ctr" rtl="0">
+              <a:pPr indent="0" lvl="0" marL="0" marR="0" rtl="0" algn="ctr">
                 <a:lnSpc>
                   <a:spcPct val="145555"/>
                 </a:lnSpc>
@@ -11689,7 +11446,10 @@
                 </a:spcAft>
                 <a:buNone/>
               </a:pPr>
-              <a:endParaRPr sz="1800" b="0" i="0" u="none" strike="noStrike" cap="none">
+              <a:r>
+                <a:t/>
+              </a:r>
+              <a:endParaRPr b="0" i="0" sz="1800" u="none" cap="none" strike="noStrike">
                 <a:solidFill>
                   <a:schemeClr val="dk1"/>
                 </a:solidFill>
@@ -11728,13 +11488,9 @@
               <a:ext cx="551682" cy="3942607"/>
             </a:xfrm>
             <a:custGeom>
-              <a:avLst/>
-              <a:gdLst/>
-              <a:ahLst/>
-              <a:cxnLst/>
-              <a:rect l="l" t="t" r="r" b="b"/>
+              <a:rect b="b" l="l" r="r" t="t"/>
               <a:pathLst>
-                <a:path w="551682" h="3942607" extrusionOk="0">
+                <a:path extrusionOk="0" h="3942607" w="551682">
                   <a:moveTo>
                     <a:pt x="551682" y="0"/>
                   </a:moveTo>
@@ -11785,12 +11541,12 @@
             </a:ln>
           </p:spPr>
           <p:txBody>
-            <a:bodyPr spcFirstLastPara="1" wrap="square" lIns="53500" tIns="53500" rIns="53500" bIns="53500" anchor="ctr" anchorCtr="0">
+            <a:bodyPr anchorCtr="0" anchor="ctr" bIns="53500" lIns="53500" spcFirstLastPara="1" rIns="53500" wrap="square" tIns="53500">
               <a:noAutofit/>
             </a:bodyPr>
             <a:lstStyle/>
             <a:p>
-              <a:pPr marL="0" marR="0" lvl="0" indent="0" algn="ctr" rtl="0">
+              <a:pPr indent="0" lvl="0" marL="0" marR="0" rtl="0" algn="ctr">
                 <a:lnSpc>
                   <a:spcPct val="93166"/>
                 </a:lnSpc>
@@ -11802,7 +11558,10 @@
                 </a:spcAft>
                 <a:buNone/>
               </a:pPr>
-              <a:endParaRPr sz="1800" b="0" i="0" u="none" strike="noStrike" cap="none">
+              <a:r>
+                <a:t/>
+              </a:r>
+              <a:endParaRPr b="0" i="0" sz="1800" u="none" cap="none" strike="noStrike">
                 <a:solidFill>
                   <a:schemeClr val="dk1"/>
                 </a:solidFill>
@@ -11841,13 +11600,9 @@
               <a:ext cx="2163734" cy="2163734"/>
             </a:xfrm>
             <a:custGeom>
-              <a:avLst/>
-              <a:gdLst/>
-              <a:ahLst/>
-              <a:cxnLst/>
-              <a:rect l="l" t="t" r="r" b="b"/>
+              <a:rect b="b" l="l" r="r" t="t"/>
               <a:pathLst>
-                <a:path w="2163734" h="2163734" extrusionOk="0">
+                <a:path extrusionOk="0" h="2163734" w="2163734">
                   <a:moveTo>
                     <a:pt x="0" y="0"/>
                   </a:moveTo>
@@ -11872,7 +11627,7 @@
                 <a:alphaModFix/>
               </a:blip>
               <a:stretch>
-                <a:fillRect/>
+                <a:fillRect b="0" l="0" r="0" t="0"/>
               </a:stretch>
             </a:blipFill>
             <a:ln>
@@ -11892,13 +11647,9 @@
               <a:ext cx="1364253" cy="634532"/>
             </a:xfrm>
             <a:custGeom>
-              <a:avLst/>
-              <a:gdLst/>
-              <a:ahLst/>
-              <a:cxnLst/>
-              <a:rect l="l" t="t" r="r" b="b"/>
+              <a:rect b="b" l="l" r="r" t="t"/>
               <a:pathLst>
-                <a:path w="1364253" h="634532" extrusionOk="0">
+                <a:path extrusionOk="0" h="634532" w="1364253">
                   <a:moveTo>
                     <a:pt x="0" y="0"/>
                   </a:moveTo>
@@ -11923,7 +11674,7 @@
                 <a:alphaModFix/>
               </a:blip>
               <a:stretch>
-                <a:fillRect l="-89111" r="-88789" b="-157924"/>
+                <a:fillRect b="-157924" l="-89111" r="-88789" t="0"/>
               </a:stretch>
             </a:blipFill>
             <a:ln>
@@ -11958,13 +11709,9 @@
               <a:ext cx="1598826" cy="1207034"/>
             </a:xfrm>
             <a:custGeom>
-              <a:avLst/>
-              <a:gdLst/>
-              <a:ahLst/>
-              <a:cxnLst/>
-              <a:rect l="l" t="t" r="r" b="b"/>
+              <a:rect b="b" l="l" r="r" t="t"/>
               <a:pathLst>
-                <a:path w="1598826" h="1207034" extrusionOk="0">
+                <a:path extrusionOk="0" h="1207034" w="1598826">
                   <a:moveTo>
                     <a:pt x="122702" y="0"/>
                   </a:moveTo>
@@ -12029,12 +11776,12 @@
             </a:ln>
           </p:spPr>
           <p:txBody>
-            <a:bodyPr spcFirstLastPara="1" wrap="square" lIns="91425" tIns="91425" rIns="91425" bIns="91425" anchor="ctr" anchorCtr="0">
+            <a:bodyPr anchorCtr="0" anchor="ctr" bIns="91425" lIns="91425" spcFirstLastPara="1" rIns="91425" wrap="square" tIns="91425">
               <a:noAutofit/>
             </a:bodyPr>
             <a:lstStyle/>
             <a:p>
-              <a:pPr marL="0" lvl="0" indent="0" algn="l" rtl="0">
+              <a:pPr indent="0" lvl="0" marL="0" rtl="0" algn="l">
                 <a:spcBef>
                   <a:spcPts val="0"/>
                 </a:spcBef>
@@ -12043,6 +11790,9 @@
                 </a:spcAft>
                 <a:buNone/>
               </a:pPr>
+              <a:r>
+                <a:t/>
+              </a:r>
               <a:endParaRPr/>
             </a:p>
           </p:txBody>
@@ -12067,12 +11817,12 @@
             </a:ln>
           </p:spPr>
           <p:txBody>
-            <a:bodyPr spcFirstLastPara="1" wrap="square" lIns="50800" tIns="50800" rIns="50800" bIns="50800" anchor="ctr" anchorCtr="0">
+            <a:bodyPr anchorCtr="0" anchor="ctr" bIns="50800" lIns="50800" spcFirstLastPara="1" rIns="50800" wrap="square" tIns="50800">
               <a:noAutofit/>
             </a:bodyPr>
             <a:lstStyle/>
             <a:p>
-              <a:pPr marL="0" marR="0" lvl="0" indent="0" algn="ctr" rtl="0">
+              <a:pPr indent="0" lvl="0" marL="0" marR="0" rtl="0" algn="ctr">
                 <a:lnSpc>
                   <a:spcPct val="145555"/>
                 </a:lnSpc>
@@ -12084,7 +11834,10 @@
                 </a:spcAft>
                 <a:buNone/>
               </a:pPr>
-              <a:endParaRPr sz="1800" b="0" i="0" u="none" strike="noStrike" cap="none">
+              <a:r>
+                <a:t/>
+              </a:r>
+              <a:endParaRPr b="0" i="0" sz="1800" u="none" cap="none" strike="noStrike">
                 <a:solidFill>
                   <a:schemeClr val="dk1"/>
                 </a:solidFill>
@@ -12106,7 +11859,7 @@
 </file>
 
 <file path=ppt/theme/theme1.xml><?xml version="1.0" encoding="utf-8"?>
-<a:theme xmlns:a="http://schemas.openxmlformats.org/drawingml/2006/main" name="Office Theme">
+<a:theme xmlns:a="http://schemas.openxmlformats.org/drawingml/2006/main" xmlns:r="http://schemas.openxmlformats.org/officeDocument/2006/relationships" name="Office Theme">
   <a:themeElements>
     <a:clrScheme name="Office">
       <a:dk1>
@@ -12381,13 +12134,11 @@
       </a:bgFillStyleLst>
     </a:fmtScheme>
   </a:themeElements>
-  <a:objectDefaults/>
-  <a:extraClrSchemeLst/>
 </a:theme>
 </file>
 
 <file path=ppt/theme/theme2.xml><?xml version="1.0" encoding="utf-8"?>
-<a:theme xmlns:a="http://schemas.openxmlformats.org/drawingml/2006/main">
+<a:theme xmlns:a="http://schemas.openxmlformats.org/drawingml/2006/main" xmlns:r="http://schemas.openxmlformats.org/officeDocument/2006/relationships">
   <a:themeElements>
     <a:clrScheme name="Default">
       <a:dk1>
@@ -12662,7 +12413,5 @@
       </a:bgFillStyleLst>
     </a:fmtScheme>
   </a:themeElements>
-  <a:objectDefaults/>
-  <a:extraClrSchemeLst/>
 </a:theme>
 </file>